--- a/slides/Week8.pptx
+++ b/slides/Week8.pptx
@@ -1,6 +1,6 @@
 
 <file path=ppt/presentation.xml><?xml version="1.0" encoding="utf-8"?>
-<p:presentation xmlns:a="http://schemas.openxmlformats.org/drawingml/2006/main" xmlns:r="http://schemas.openxmlformats.org/officeDocument/2006/relationships" xmlns:p="http://schemas.openxmlformats.org/presentationml/2006/main" showSpecialPlsOnTitleSld="0" strictFirstAndLastChars="0" saveSubsetFonts="1">
+<p:presentation xmlns:a="http://schemas.openxmlformats.org/drawingml/2006/main" xmlns:r="http://schemas.openxmlformats.org/officeDocument/2006/relationships" xmlns:p="http://schemas.openxmlformats.org/presentationml/2006/main" showSpecialPlsOnTitleSld="0" strictFirstAndLastChars="0" embedTrueTypeFonts="1" saveSubsetFonts="1">
   <p:sldMasterIdLst>
     <p:sldMasterId id="2147485087" r:id="rId1"/>
   </p:sldMasterIdLst>
@@ -53,6 +53,12 @@
   </p:sldIdLst>
   <p:sldSz cx="9144000" cy="6858000" type="screen4x3"/>
   <p:notesSz cx="7010400" cy="9296400"/>
+  <p:embeddedFontLst>
+    <p:embeddedFont>
+      <p:font typeface="Roboto Mono" panose="00000009000000000000" pitchFamily="49" charset="0"/>
+      <p:regular r:id="rId43"/>
+    </p:embeddedFont>
+  </p:embeddedFontLst>
   <p:defaultTextStyle>
     <a:defPPr>
       <a:defRPr lang="en-US"/>
@@ -214,7 +220,7 @@
 <file path=ppt/revisionInfo.xml><?xml version="1.0" encoding="utf-8"?>
 <p1510:revInfo xmlns:a="http://schemas.openxmlformats.org/drawingml/2006/main" xmlns:r="http://schemas.openxmlformats.org/officeDocument/2006/relationships" xmlns:p1510="http://schemas.microsoft.com/office/powerpoint/2015/10/main">
   <p1510:revLst>
-    <p1510:client id="{EF0F8122-2A99-46AF-84FE-759F79AED839}" v="197" dt="2025-03-10T07:37:26.645"/>
+    <p1510:client id="{EF0F8122-2A99-46AF-84FE-759F79AED839}" v="199" dt="2025-03-11T01:45:44.014"/>
   </p1510:revLst>
 </p1510:revInfo>
 </file>
@@ -222,3124 +228,27 @@
 <file path=ppt/changesInfos/changesInfo1.xml><?xml version="1.0" encoding="utf-8"?>
 <pc:chgInfo xmlns:a="http://schemas.openxmlformats.org/drawingml/2006/main" xmlns:r="http://schemas.openxmlformats.org/officeDocument/2006/relationships" xmlns:ac="http://schemas.microsoft.com/office/drawing/2013/main/command" xmlns:pc="http://schemas.microsoft.com/office/powerpoint/2013/main/command">
   <pc:docChgLst>
-    <pc:chgData name="Zhao Jin" userId="cd05a825-544c-438a-9ba1-08e63db50b47" providerId="ADAL" clId="{37A0D694-38DA-4421-B5D3-DEDBFC2EC57C}"/>
-    <pc:docChg chg="undo redo custSel mod addSld delSld modSld sldOrd modMainMaster">
-      <pc:chgData name="Zhao Jin" userId="cd05a825-544c-438a-9ba1-08e63db50b47" providerId="ADAL" clId="{37A0D694-38DA-4421-B5D3-DEDBFC2EC57C}" dt="2021-02-08T07:59:31.262" v="4966" actId="20577"/>
+    <pc:chgData name="Zhao Jin" userId="cd05a825-544c-438a-9ba1-08e63db50b47" providerId="ADAL" clId="{EF0F8122-2A99-46AF-84FE-759F79AED839}"/>
+    <pc:docChg chg="modSld">
+      <pc:chgData name="Zhao Jin" userId="cd05a825-544c-438a-9ba1-08e63db50b47" providerId="ADAL" clId="{EF0F8122-2A99-46AF-84FE-759F79AED839}" dt="2025-03-11T03:45:14.890" v="1" actId="207"/>
       <pc:docMkLst>
         <pc:docMk/>
       </pc:docMkLst>
       <pc:sldChg chg="modSp mod">
-        <pc:chgData name="Zhao Jin" userId="cd05a825-544c-438a-9ba1-08e63db50b47" providerId="ADAL" clId="{37A0D694-38DA-4421-B5D3-DEDBFC2EC57C}" dt="2021-02-03T06:56:00.570" v="28" actId="20577"/>
-        <pc:sldMkLst>
-          <pc:docMk/>
-          <pc:sldMk cId="0" sldId="256"/>
-        </pc:sldMkLst>
-      </pc:sldChg>
-      <pc:sldChg chg="modSp mod">
-        <pc:chgData name="Zhao Jin" userId="cd05a825-544c-438a-9ba1-08e63db50b47" providerId="ADAL" clId="{37A0D694-38DA-4421-B5D3-DEDBFC2EC57C}" dt="2021-02-03T09:25:32.601" v="3334" actId="20577"/>
-        <pc:sldMkLst>
-          <pc:docMk/>
-          <pc:sldMk cId="2438607696" sldId="468"/>
-        </pc:sldMkLst>
-      </pc:sldChg>
-      <pc:sldChg chg="modSp del">
-        <pc:chgData name="Zhao Jin" userId="cd05a825-544c-438a-9ba1-08e63db50b47" providerId="ADAL" clId="{37A0D694-38DA-4421-B5D3-DEDBFC2EC57C}" dt="2021-02-03T07:53:06.972" v="43" actId="47"/>
-        <pc:sldMkLst>
-          <pc:docMk/>
-          <pc:sldMk cId="3792232794" sldId="504"/>
-        </pc:sldMkLst>
-      </pc:sldChg>
-      <pc:sldChg chg="addSp delSp modSp add mod ord modAnim">
-        <pc:chgData name="Zhao Jin" userId="cd05a825-544c-438a-9ba1-08e63db50b47" providerId="ADAL" clId="{37A0D694-38DA-4421-B5D3-DEDBFC2EC57C}" dt="2021-02-03T09:26:12.205" v="3350" actId="478"/>
-        <pc:sldMkLst>
-          <pc:docMk/>
-          <pc:sldMk cId="1705639840" sldId="543"/>
-        </pc:sldMkLst>
-      </pc:sldChg>
-      <pc:sldChg chg="modSp del">
-        <pc:chgData name="Zhao Jin" userId="cd05a825-544c-438a-9ba1-08e63db50b47" providerId="ADAL" clId="{37A0D694-38DA-4421-B5D3-DEDBFC2EC57C}" dt="2021-02-03T09:00:14.226" v="1559" actId="47"/>
-        <pc:sldMkLst>
-          <pc:docMk/>
-          <pc:sldMk cId="4228901100" sldId="545"/>
-        </pc:sldMkLst>
-      </pc:sldChg>
-      <pc:sldChg chg="modSp del">
-        <pc:chgData name="Zhao Jin" userId="cd05a825-544c-438a-9ba1-08e63db50b47" providerId="ADAL" clId="{37A0D694-38DA-4421-B5D3-DEDBFC2EC57C}" dt="2021-02-03T07:53:07.263" v="44" actId="47"/>
-        <pc:sldMkLst>
-          <pc:docMk/>
-          <pc:sldMk cId="4225956616" sldId="546"/>
-        </pc:sldMkLst>
-      </pc:sldChg>
-      <pc:sldChg chg="modSp del">
-        <pc:chgData name="Zhao Jin" userId="cd05a825-544c-438a-9ba1-08e63db50b47" providerId="ADAL" clId="{37A0D694-38DA-4421-B5D3-DEDBFC2EC57C}" dt="2021-02-03T09:00:14.226" v="1559" actId="47"/>
-        <pc:sldMkLst>
-          <pc:docMk/>
-          <pc:sldMk cId="1617257579" sldId="548"/>
-        </pc:sldMkLst>
-      </pc:sldChg>
-      <pc:sldChg chg="modSp del">
-        <pc:chgData name="Zhao Jin" userId="cd05a825-544c-438a-9ba1-08e63db50b47" providerId="ADAL" clId="{37A0D694-38DA-4421-B5D3-DEDBFC2EC57C}" dt="2021-02-03T07:53:07.458" v="45" actId="47"/>
-        <pc:sldMkLst>
-          <pc:docMk/>
-          <pc:sldMk cId="3422194935" sldId="552"/>
-        </pc:sldMkLst>
-      </pc:sldChg>
-      <pc:sldChg chg="addSp delSp modSp mod">
-        <pc:chgData name="Zhao Jin" userId="cd05a825-544c-438a-9ba1-08e63db50b47" providerId="ADAL" clId="{37A0D694-38DA-4421-B5D3-DEDBFC2EC57C}" dt="2021-02-08T01:22:04.286" v="3395"/>
-        <pc:sldMkLst>
-          <pc:docMk/>
-          <pc:sldMk cId="1427618944" sldId="553"/>
-        </pc:sldMkLst>
-      </pc:sldChg>
-      <pc:sldChg chg="modSp del">
-        <pc:chgData name="Zhao Jin" userId="cd05a825-544c-438a-9ba1-08e63db50b47" providerId="ADAL" clId="{37A0D694-38DA-4421-B5D3-DEDBFC2EC57C}" dt="2021-02-03T09:00:14.226" v="1559" actId="47"/>
-        <pc:sldMkLst>
-          <pc:docMk/>
-          <pc:sldMk cId="1659983766" sldId="554"/>
-        </pc:sldMkLst>
-      </pc:sldChg>
-      <pc:sldChg chg="modSp del">
-        <pc:chgData name="Zhao Jin" userId="cd05a825-544c-438a-9ba1-08e63db50b47" providerId="ADAL" clId="{37A0D694-38DA-4421-B5D3-DEDBFC2EC57C}" dt="2021-02-03T09:00:14.226" v="1559" actId="47"/>
-        <pc:sldMkLst>
-          <pc:docMk/>
-          <pc:sldMk cId="1268238251" sldId="555"/>
-        </pc:sldMkLst>
-      </pc:sldChg>
-      <pc:sldChg chg="modSp del">
-        <pc:chgData name="Zhao Jin" userId="cd05a825-544c-438a-9ba1-08e63db50b47" providerId="ADAL" clId="{37A0D694-38DA-4421-B5D3-DEDBFC2EC57C}" dt="2021-02-03T09:00:14.226" v="1559" actId="47"/>
-        <pc:sldMkLst>
-          <pc:docMk/>
-          <pc:sldMk cId="3990513599" sldId="556"/>
-        </pc:sldMkLst>
-      </pc:sldChg>
-      <pc:sldChg chg="modSp del">
-        <pc:chgData name="Zhao Jin" userId="cd05a825-544c-438a-9ba1-08e63db50b47" providerId="ADAL" clId="{37A0D694-38DA-4421-B5D3-DEDBFC2EC57C}" dt="2021-02-03T09:00:14.226" v="1559" actId="47"/>
-        <pc:sldMkLst>
-          <pc:docMk/>
-          <pc:sldMk cId="788021743" sldId="557"/>
-        </pc:sldMkLst>
-      </pc:sldChg>
-      <pc:sldChg chg="addSp delSp modSp add mod ord delAnim modAnim">
-        <pc:chgData name="Zhao Jin" userId="cd05a825-544c-438a-9ba1-08e63db50b47" providerId="ADAL" clId="{37A0D694-38DA-4421-B5D3-DEDBFC2EC57C}" dt="2021-02-08T07:59:31.262" v="4966" actId="20577"/>
-        <pc:sldMkLst>
-          <pc:docMk/>
-          <pc:sldMk cId="487843573" sldId="558"/>
-        </pc:sldMkLst>
-      </pc:sldChg>
-      <pc:sldChg chg="modSp del">
-        <pc:chgData name="Zhao Jin" userId="cd05a825-544c-438a-9ba1-08e63db50b47" providerId="ADAL" clId="{37A0D694-38DA-4421-B5D3-DEDBFC2EC57C}" dt="2021-02-03T09:00:14.226" v="1559" actId="47"/>
-        <pc:sldMkLst>
-          <pc:docMk/>
-          <pc:sldMk cId="686532275" sldId="558"/>
-        </pc:sldMkLst>
-      </pc:sldChg>
-      <pc:sldChg chg="modSp del">
-        <pc:chgData name="Zhao Jin" userId="cd05a825-544c-438a-9ba1-08e63db50b47" providerId="ADAL" clId="{37A0D694-38DA-4421-B5D3-DEDBFC2EC57C}" dt="2021-02-03T09:00:14.226" v="1559" actId="47"/>
-        <pc:sldMkLst>
-          <pc:docMk/>
-          <pc:sldMk cId="182578491" sldId="559"/>
-        </pc:sldMkLst>
-      </pc:sldChg>
-      <pc:sldChg chg="modSp del">
-        <pc:chgData name="Zhao Jin" userId="cd05a825-544c-438a-9ba1-08e63db50b47" providerId="ADAL" clId="{37A0D694-38DA-4421-B5D3-DEDBFC2EC57C}" dt="2021-02-03T09:00:14.226" v="1559" actId="47"/>
-        <pc:sldMkLst>
-          <pc:docMk/>
-          <pc:sldMk cId="2739484572" sldId="562"/>
-        </pc:sldMkLst>
-      </pc:sldChg>
-      <pc:sldChg chg="delSp modSp add del mod">
-        <pc:chgData name="Zhao Jin" userId="cd05a825-544c-438a-9ba1-08e63db50b47" providerId="ADAL" clId="{37A0D694-38DA-4421-B5D3-DEDBFC2EC57C}" dt="2021-02-03T09:25:42.125" v="3337" actId="20577"/>
-        <pc:sldMkLst>
-          <pc:docMk/>
-          <pc:sldMk cId="92291925" sldId="563"/>
-        </pc:sldMkLst>
-      </pc:sldChg>
-      <pc:sldChg chg="addSp delSp modSp add mod addAnim delAnim modAnim">
-        <pc:chgData name="Zhao Jin" userId="cd05a825-544c-438a-9ba1-08e63db50b47" providerId="ADAL" clId="{37A0D694-38DA-4421-B5D3-DEDBFC2EC57C}" dt="2021-02-08T01:23:58.466" v="3512" actId="14734"/>
-        <pc:sldMkLst>
-          <pc:docMk/>
-          <pc:sldMk cId="894186310" sldId="564"/>
-        </pc:sldMkLst>
-      </pc:sldChg>
-      <pc:sldChg chg="delSp modSp add mod">
-        <pc:chgData name="Zhao Jin" userId="cd05a825-544c-438a-9ba1-08e63db50b47" providerId="ADAL" clId="{37A0D694-38DA-4421-B5D3-DEDBFC2EC57C}" dt="2021-02-08T01:59:53.143" v="4810" actId="207"/>
-        <pc:sldMkLst>
-          <pc:docMk/>
-          <pc:sldMk cId="1732540191" sldId="568"/>
-        </pc:sldMkLst>
-      </pc:sldChg>
-      <pc:sldChg chg="addSp delSp modSp add mod delAnim modAnim">
-        <pc:chgData name="Zhao Jin" userId="cd05a825-544c-438a-9ba1-08e63db50b47" providerId="ADAL" clId="{37A0D694-38DA-4421-B5D3-DEDBFC2EC57C}" dt="2021-02-08T02:01:55.171" v="4907" actId="20577"/>
-        <pc:sldMkLst>
-          <pc:docMk/>
-          <pc:sldMk cId="3229890649" sldId="569"/>
-        </pc:sldMkLst>
-      </pc:sldChg>
-      <pc:sldChg chg="addSp delSp modSp add del mod">
-        <pc:chgData name="Zhao Jin" userId="cd05a825-544c-438a-9ba1-08e63db50b47" providerId="ADAL" clId="{37A0D694-38DA-4421-B5D3-DEDBFC2EC57C}" dt="2021-02-08T01:41:10.766" v="4086" actId="1038"/>
-        <pc:sldMkLst>
-          <pc:docMk/>
-          <pc:sldMk cId="3922430229" sldId="580"/>
-        </pc:sldMkLst>
-      </pc:sldChg>
-      <pc:sldChg chg="delSp modSp add mod">
-        <pc:chgData name="Zhao Jin" userId="cd05a825-544c-438a-9ba1-08e63db50b47" providerId="ADAL" clId="{37A0D694-38DA-4421-B5D3-DEDBFC2EC57C}" dt="2021-02-08T01:42:07.875" v="4091"/>
-        <pc:sldMkLst>
-          <pc:docMk/>
-          <pc:sldMk cId="1886636263" sldId="581"/>
-        </pc:sldMkLst>
-      </pc:sldChg>
-      <pc:sldChg chg="modSp add del mod">
-        <pc:chgData name="Zhao Jin" userId="cd05a825-544c-438a-9ba1-08e63db50b47" providerId="ADAL" clId="{37A0D694-38DA-4421-B5D3-DEDBFC2EC57C}" dt="2021-02-03T08:47:45.744" v="1076" actId="47"/>
-        <pc:sldMkLst>
-          <pc:docMk/>
-          <pc:sldMk cId="893488834" sldId="587"/>
-        </pc:sldMkLst>
-      </pc:sldChg>
-      <pc:sldChg chg="addSp modSp add del mod">
-        <pc:chgData name="Zhao Jin" userId="cd05a825-544c-438a-9ba1-08e63db50b47" providerId="ADAL" clId="{37A0D694-38DA-4421-B5D3-DEDBFC2EC57C}" dt="2021-02-03T08:47:43.004" v="1075" actId="47"/>
-        <pc:sldMkLst>
-          <pc:docMk/>
-          <pc:sldMk cId="2663336489" sldId="588"/>
-        </pc:sldMkLst>
-      </pc:sldChg>
-      <pc:sldChg chg="addSp delSp modSp add mod">
-        <pc:chgData name="Zhao Jin" userId="cd05a825-544c-438a-9ba1-08e63db50b47" providerId="ADAL" clId="{37A0D694-38DA-4421-B5D3-DEDBFC2EC57C}" dt="2021-02-03T09:26:19.685" v="3354" actId="478"/>
-        <pc:sldMkLst>
-          <pc:docMk/>
-          <pc:sldMk cId="211149325" sldId="589"/>
-        </pc:sldMkLst>
-      </pc:sldChg>
-      <pc:sldChg chg="addSp delSp modSp add mod delAnim modAnim">
-        <pc:chgData name="Zhao Jin" userId="cd05a825-544c-438a-9ba1-08e63db50b47" providerId="ADAL" clId="{37A0D694-38DA-4421-B5D3-DEDBFC2EC57C}" dt="2021-02-08T01:38:27.881" v="3917" actId="20577"/>
-        <pc:sldMkLst>
-          <pc:docMk/>
-          <pc:sldMk cId="4156536479" sldId="590"/>
-        </pc:sldMkLst>
-      </pc:sldChg>
-      <pc:sldChg chg="addSp delSp modSp add mod delAnim">
-        <pc:chgData name="Zhao Jin" userId="cd05a825-544c-438a-9ba1-08e63db50b47" providerId="ADAL" clId="{37A0D694-38DA-4421-B5D3-DEDBFC2EC57C}" dt="2021-02-08T01:30:20.214" v="3620" actId="21"/>
-        <pc:sldMkLst>
-          <pc:docMk/>
-          <pc:sldMk cId="567798019" sldId="591"/>
-        </pc:sldMkLst>
-      </pc:sldChg>
-      <pc:sldChg chg="addSp delSp modSp add mod delAnim">
-        <pc:chgData name="Zhao Jin" userId="cd05a825-544c-438a-9ba1-08e63db50b47" providerId="ADAL" clId="{37A0D694-38DA-4421-B5D3-DEDBFC2EC57C}" dt="2021-02-08T01:32:46.621" v="3700" actId="478"/>
-        <pc:sldMkLst>
-          <pc:docMk/>
-          <pc:sldMk cId="137810324" sldId="592"/>
-        </pc:sldMkLst>
-      </pc:sldChg>
-      <pc:sldChg chg="addSp delSp modSp add mod">
-        <pc:chgData name="Zhao Jin" userId="cd05a825-544c-438a-9ba1-08e63db50b47" providerId="ADAL" clId="{37A0D694-38DA-4421-B5D3-DEDBFC2EC57C}" dt="2021-02-04T05:05:17.681" v="3392" actId="14100"/>
-        <pc:sldMkLst>
-          <pc:docMk/>
-          <pc:sldMk cId="3233082706" sldId="593"/>
-        </pc:sldMkLst>
-      </pc:sldChg>
-      <pc:sldChg chg="add del">
-        <pc:chgData name="Zhao Jin" userId="cd05a825-544c-438a-9ba1-08e63db50b47" providerId="ADAL" clId="{37A0D694-38DA-4421-B5D3-DEDBFC2EC57C}" dt="2021-02-03T08:52:31.399" v="1274"/>
-        <pc:sldMkLst>
-          <pc:docMk/>
-          <pc:sldMk cId="2125946801" sldId="594"/>
-        </pc:sldMkLst>
-      </pc:sldChg>
-      <pc:sldChg chg="addSp delSp modSp add mod delAnim">
-        <pc:chgData name="Zhao Jin" userId="cd05a825-544c-438a-9ba1-08e63db50b47" providerId="ADAL" clId="{37A0D694-38DA-4421-B5D3-DEDBFC2EC57C}" dt="2021-02-03T09:39:04.677" v="3364" actId="13926"/>
-        <pc:sldMkLst>
-          <pc:docMk/>
-          <pc:sldMk cId="2217225800" sldId="594"/>
-        </pc:sldMkLst>
-      </pc:sldChg>
-      <pc:sldChg chg="addSp modSp add mod">
-        <pc:chgData name="Zhao Jin" userId="cd05a825-544c-438a-9ba1-08e63db50b47" providerId="ADAL" clId="{37A0D694-38DA-4421-B5D3-DEDBFC2EC57C}" dt="2021-02-08T02:03:35.963" v="4958" actId="1076"/>
-        <pc:sldMkLst>
-          <pc:docMk/>
-          <pc:sldMk cId="2419983458" sldId="595"/>
-        </pc:sldMkLst>
-      </pc:sldChg>
-      <pc:sldChg chg="addSp delSp modSp add del mod delAnim">
-        <pc:chgData name="Zhao Jin" userId="cd05a825-544c-438a-9ba1-08e63db50b47" providerId="ADAL" clId="{37A0D694-38DA-4421-B5D3-DEDBFC2EC57C}" dt="2021-02-03T09:05:13.520" v="1668" actId="47"/>
-        <pc:sldMkLst>
-          <pc:docMk/>
-          <pc:sldMk cId="765980287" sldId="596"/>
-        </pc:sldMkLst>
-      </pc:sldChg>
-      <pc:sldChg chg="addSp delSp modSp add mod delAnim modAnim">
-        <pc:chgData name="Zhao Jin" userId="cd05a825-544c-438a-9ba1-08e63db50b47" providerId="ADAL" clId="{37A0D694-38DA-4421-B5D3-DEDBFC2EC57C}" dt="2021-02-08T01:42:03.171" v="4089"/>
-        <pc:sldMkLst>
-          <pc:docMk/>
-          <pc:sldMk cId="3643682471" sldId="596"/>
-        </pc:sldMkLst>
-      </pc:sldChg>
-      <pc:sldChg chg="delSp modSp add mod modAnim">
-        <pc:chgData name="Zhao Jin" userId="cd05a825-544c-438a-9ba1-08e63db50b47" providerId="ADAL" clId="{37A0D694-38DA-4421-B5D3-DEDBFC2EC57C}" dt="2021-02-03T09:39:34.898" v="3370" actId="6549"/>
-        <pc:sldMkLst>
-          <pc:docMk/>
-          <pc:sldMk cId="3231946261" sldId="597"/>
-        </pc:sldMkLst>
-      </pc:sldChg>
-      <pc:sldChg chg="delSp modSp add mod ord">
-        <pc:chgData name="Zhao Jin" userId="cd05a825-544c-438a-9ba1-08e63db50b47" providerId="ADAL" clId="{37A0D694-38DA-4421-B5D3-DEDBFC2EC57C}" dt="2021-02-08T01:42:01.261" v="4088"/>
-        <pc:sldMkLst>
-          <pc:docMk/>
-          <pc:sldMk cId="4002657513" sldId="598"/>
-        </pc:sldMkLst>
-      </pc:sldChg>
-      <pc:sldChg chg="addSp delSp modSp add mod ord modClrScheme addAnim delAnim modAnim chgLayout">
-        <pc:chgData name="Zhao Jin" userId="cd05a825-544c-438a-9ba1-08e63db50b47" providerId="ADAL" clId="{37A0D694-38DA-4421-B5D3-DEDBFC2EC57C}" dt="2021-02-04T05:05:47.079" v="3393" actId="478"/>
-        <pc:sldMkLst>
-          <pc:docMk/>
-          <pc:sldMk cId="2930953569" sldId="599"/>
-        </pc:sldMkLst>
-      </pc:sldChg>
-      <pc:sldChg chg="addSp delSp modSp add mod ord delAnim modAnim">
-        <pc:chgData name="Zhao Jin" userId="cd05a825-544c-438a-9ba1-08e63db50b47" providerId="ADAL" clId="{37A0D694-38DA-4421-B5D3-DEDBFC2EC57C}" dt="2021-02-08T02:02:28.200" v="4908" actId="20577"/>
-        <pc:sldMkLst>
-          <pc:docMk/>
-          <pc:sldMk cId="880934081" sldId="600"/>
-        </pc:sldMkLst>
-      </pc:sldChg>
-      <pc:sldMasterChg chg="modSp modSldLayout">
-        <pc:chgData name="Zhao Jin" userId="cd05a825-544c-438a-9ba1-08e63db50b47" providerId="ADAL" clId="{37A0D694-38DA-4421-B5D3-DEDBFC2EC57C}" dt="2021-02-03T06:56:12.527" v="36"/>
-        <pc:sldMasterMkLst>
-          <pc:docMk/>
-          <pc:sldMasterMk cId="0" sldId="2147485087"/>
-        </pc:sldMasterMkLst>
-        <pc:sldLayoutChg chg="modSp">
-          <pc:chgData name="Zhao Jin" userId="cd05a825-544c-438a-9ba1-08e63db50b47" providerId="ADAL" clId="{37A0D694-38DA-4421-B5D3-DEDBFC2EC57C}" dt="2021-02-03T06:56:12.527" v="36"/>
-          <pc:sldLayoutMkLst>
-            <pc:docMk/>
-            <pc:sldMasterMk cId="0" sldId="2147485087"/>
-            <pc:sldLayoutMk cId="0" sldId="2147485088"/>
-          </pc:sldLayoutMkLst>
-        </pc:sldLayoutChg>
-        <pc:sldLayoutChg chg="modSp">
-          <pc:chgData name="Zhao Jin" userId="cd05a825-544c-438a-9ba1-08e63db50b47" providerId="ADAL" clId="{37A0D694-38DA-4421-B5D3-DEDBFC2EC57C}" dt="2021-02-03T06:56:12.527" v="36"/>
-          <pc:sldLayoutMkLst>
-            <pc:docMk/>
-            <pc:sldMasterMk cId="0" sldId="2147485087"/>
-            <pc:sldLayoutMk cId="0" sldId="2147485089"/>
-          </pc:sldLayoutMkLst>
-        </pc:sldLayoutChg>
-        <pc:sldLayoutChg chg="modSp">
-          <pc:chgData name="Zhao Jin" userId="cd05a825-544c-438a-9ba1-08e63db50b47" providerId="ADAL" clId="{37A0D694-38DA-4421-B5D3-DEDBFC2EC57C}" dt="2021-02-03T06:56:12.527" v="36"/>
-          <pc:sldLayoutMkLst>
-            <pc:docMk/>
-            <pc:sldMasterMk cId="0" sldId="2147485087"/>
-            <pc:sldLayoutMk cId="0" sldId="2147485090"/>
-          </pc:sldLayoutMkLst>
-        </pc:sldLayoutChg>
-        <pc:sldLayoutChg chg="modSp">
-          <pc:chgData name="Zhao Jin" userId="cd05a825-544c-438a-9ba1-08e63db50b47" providerId="ADAL" clId="{37A0D694-38DA-4421-B5D3-DEDBFC2EC57C}" dt="2021-02-03T06:56:12.527" v="36"/>
-          <pc:sldLayoutMkLst>
-            <pc:docMk/>
-            <pc:sldMasterMk cId="0" sldId="2147485087"/>
-            <pc:sldLayoutMk cId="0" sldId="2147485091"/>
-          </pc:sldLayoutMkLst>
-        </pc:sldLayoutChg>
-        <pc:sldLayoutChg chg="modSp">
-          <pc:chgData name="Zhao Jin" userId="cd05a825-544c-438a-9ba1-08e63db50b47" providerId="ADAL" clId="{37A0D694-38DA-4421-B5D3-DEDBFC2EC57C}" dt="2021-02-03T06:56:12.527" v="36"/>
-          <pc:sldLayoutMkLst>
-            <pc:docMk/>
-            <pc:sldMasterMk cId="0" sldId="2147485087"/>
-            <pc:sldLayoutMk cId="0" sldId="2147485092"/>
-          </pc:sldLayoutMkLst>
-        </pc:sldLayoutChg>
-        <pc:sldLayoutChg chg="modSp">
-          <pc:chgData name="Zhao Jin" userId="cd05a825-544c-438a-9ba1-08e63db50b47" providerId="ADAL" clId="{37A0D694-38DA-4421-B5D3-DEDBFC2EC57C}" dt="2021-02-03T06:56:12.527" v="36"/>
-          <pc:sldLayoutMkLst>
-            <pc:docMk/>
-            <pc:sldMasterMk cId="0" sldId="2147485087"/>
-            <pc:sldLayoutMk cId="0" sldId="2147485093"/>
-          </pc:sldLayoutMkLst>
-        </pc:sldLayoutChg>
-        <pc:sldLayoutChg chg="modSp">
-          <pc:chgData name="Zhao Jin" userId="cd05a825-544c-438a-9ba1-08e63db50b47" providerId="ADAL" clId="{37A0D694-38DA-4421-B5D3-DEDBFC2EC57C}" dt="2021-02-03T06:56:12.527" v="36"/>
-          <pc:sldLayoutMkLst>
-            <pc:docMk/>
-            <pc:sldMasterMk cId="0" sldId="2147485087"/>
-            <pc:sldLayoutMk cId="0" sldId="2147485094"/>
-          </pc:sldLayoutMkLst>
-        </pc:sldLayoutChg>
-        <pc:sldLayoutChg chg="modSp">
-          <pc:chgData name="Zhao Jin" userId="cd05a825-544c-438a-9ba1-08e63db50b47" providerId="ADAL" clId="{37A0D694-38DA-4421-B5D3-DEDBFC2EC57C}" dt="2021-02-03T06:56:12.527" v="36"/>
-          <pc:sldLayoutMkLst>
-            <pc:docMk/>
-            <pc:sldMasterMk cId="0" sldId="2147485087"/>
-            <pc:sldLayoutMk cId="0" sldId="2147485095"/>
-          </pc:sldLayoutMkLst>
-        </pc:sldLayoutChg>
-        <pc:sldLayoutChg chg="modSp">
-          <pc:chgData name="Zhao Jin" userId="cd05a825-544c-438a-9ba1-08e63db50b47" providerId="ADAL" clId="{37A0D694-38DA-4421-B5D3-DEDBFC2EC57C}" dt="2021-02-03T06:56:12.527" v="36"/>
-          <pc:sldLayoutMkLst>
-            <pc:docMk/>
-            <pc:sldMasterMk cId="0" sldId="2147485087"/>
-            <pc:sldLayoutMk cId="0" sldId="2147485096"/>
-          </pc:sldLayoutMkLst>
-        </pc:sldLayoutChg>
-        <pc:sldLayoutChg chg="modSp">
-          <pc:chgData name="Zhao Jin" userId="cd05a825-544c-438a-9ba1-08e63db50b47" providerId="ADAL" clId="{37A0D694-38DA-4421-B5D3-DEDBFC2EC57C}" dt="2021-02-03T06:56:12.527" v="36"/>
-          <pc:sldLayoutMkLst>
-            <pc:docMk/>
-            <pc:sldMasterMk cId="0" sldId="2147485087"/>
-            <pc:sldLayoutMk cId="0" sldId="2147485097"/>
-          </pc:sldLayoutMkLst>
-        </pc:sldLayoutChg>
-        <pc:sldLayoutChg chg="modSp">
-          <pc:chgData name="Zhao Jin" userId="cd05a825-544c-438a-9ba1-08e63db50b47" providerId="ADAL" clId="{37A0D694-38DA-4421-B5D3-DEDBFC2EC57C}" dt="2021-02-03T06:56:12.527" v="36"/>
-          <pc:sldLayoutMkLst>
-            <pc:docMk/>
-            <pc:sldMasterMk cId="0" sldId="2147485087"/>
-            <pc:sldLayoutMk cId="0" sldId="2147485098"/>
-          </pc:sldLayoutMkLst>
-        </pc:sldLayoutChg>
-      </pc:sldMasterChg>
-    </pc:docChg>
-  </pc:docChgLst>
-  <pc:docChgLst>
-    <pc:chgData name="Zhao Jin" userId="cd05a825-544c-438a-9ba1-08e63db50b47" providerId="ADAL" clId="{EF0F8122-2A99-46AF-84FE-759F79AED839}"/>
-    <pc:docChg chg="undo custSel addSld delSld modSld">
-      <pc:chgData name="Zhao Jin" userId="cd05a825-544c-438a-9ba1-08e63db50b47" providerId="ADAL" clId="{EF0F8122-2A99-46AF-84FE-759F79AED839}" dt="2025-03-10T07:42:47.109" v="723"/>
-      <pc:docMkLst>
-        <pc:docMk/>
-      </pc:docMkLst>
-      <pc:sldChg chg="modSp mod">
-        <pc:chgData name="Zhao Jin" userId="cd05a825-544c-438a-9ba1-08e63db50b47" providerId="ADAL" clId="{EF0F8122-2A99-46AF-84FE-759F79AED839}" dt="2025-03-10T07:36:44.340" v="489"/>
-        <pc:sldMkLst>
-          <pc:docMk/>
-          <pc:sldMk cId="2573090601" sldId="546"/>
-        </pc:sldMkLst>
-        <pc:spChg chg="mod">
-          <ac:chgData name="Zhao Jin" userId="cd05a825-544c-438a-9ba1-08e63db50b47" providerId="ADAL" clId="{EF0F8122-2A99-46AF-84FE-759F79AED839}" dt="2025-03-10T07:36:44.340" v="489"/>
-          <ac:spMkLst>
-            <pc:docMk/>
-            <pc:sldMk cId="2573090601" sldId="546"/>
-            <ac:spMk id="8" creationId="{00000000-0000-0000-0000-000000000000}"/>
-          </ac:spMkLst>
-        </pc:spChg>
-      </pc:sldChg>
-      <pc:sldChg chg="del">
-        <pc:chgData name="Zhao Jin" userId="cd05a825-544c-438a-9ba1-08e63db50b47" providerId="ADAL" clId="{EF0F8122-2A99-46AF-84FE-759F79AED839}" dt="2025-03-10T07:28:22.305" v="387" actId="47"/>
-        <pc:sldMkLst>
-          <pc:docMk/>
-          <pc:sldMk cId="473476986" sldId="547"/>
-        </pc:sldMkLst>
-      </pc:sldChg>
-      <pc:sldChg chg="del">
-        <pc:chgData name="Zhao Jin" userId="cd05a825-544c-438a-9ba1-08e63db50b47" providerId="ADAL" clId="{EF0F8122-2A99-46AF-84FE-759F79AED839}" dt="2025-03-10T07:28:22.305" v="387" actId="47"/>
-        <pc:sldMkLst>
-          <pc:docMk/>
-          <pc:sldMk cId="2236963605" sldId="550"/>
-        </pc:sldMkLst>
-      </pc:sldChg>
-      <pc:sldChg chg="modSp mod">
-        <pc:chgData name="Zhao Jin" userId="cd05a825-544c-438a-9ba1-08e63db50b47" providerId="ADAL" clId="{EF0F8122-2A99-46AF-84FE-759F79AED839}" dt="2025-03-10T07:42:30.404" v="709" actId="20577"/>
-        <pc:sldMkLst>
-          <pc:docMk/>
-          <pc:sldMk cId="1542002799" sldId="602"/>
-        </pc:sldMkLst>
-        <pc:spChg chg="mod">
-          <ac:chgData name="Zhao Jin" userId="cd05a825-544c-438a-9ba1-08e63db50b47" providerId="ADAL" clId="{EF0F8122-2A99-46AF-84FE-759F79AED839}" dt="2025-03-10T07:42:30.404" v="709" actId="20577"/>
-          <ac:spMkLst>
-            <pc:docMk/>
-            <pc:sldMk cId="1542002799" sldId="602"/>
-            <ac:spMk id="13" creationId="{2B89EFD4-1CE0-424E-8F8A-D7F3C08BDEC9}"/>
-          </ac:spMkLst>
-        </pc:spChg>
-        <pc:spChg chg="mod">
-          <ac:chgData name="Zhao Jin" userId="cd05a825-544c-438a-9ba1-08e63db50b47" providerId="ADAL" clId="{EF0F8122-2A99-46AF-84FE-759F79AED839}" dt="2025-03-10T07:42:29.306" v="703" actId="20577"/>
-          <ac:spMkLst>
-            <pc:docMk/>
-            <pc:sldMk cId="1542002799" sldId="602"/>
-            <ac:spMk id="84" creationId="{C4E05674-68A2-0D4E-8B47-F7A2C6A6B76F}"/>
-          </ac:spMkLst>
-        </pc:spChg>
-      </pc:sldChg>
-      <pc:sldChg chg="addSp modSp mod modAnim">
-        <pc:chgData name="Zhao Jin" userId="cd05a825-544c-438a-9ba1-08e63db50b47" providerId="ADAL" clId="{EF0F8122-2A99-46AF-84FE-759F79AED839}" dt="2025-03-10T07:26:06.280" v="386" actId="20577"/>
-        <pc:sldMkLst>
-          <pc:docMk/>
-          <pc:sldMk cId="3198546536" sldId="607"/>
-        </pc:sldMkLst>
-        <pc:spChg chg="add mod">
-          <ac:chgData name="Zhao Jin" userId="cd05a825-544c-438a-9ba1-08e63db50b47" providerId="ADAL" clId="{EF0F8122-2A99-46AF-84FE-759F79AED839}" dt="2025-03-10T07:24:16.051" v="356" actId="20577"/>
-          <ac:spMkLst>
-            <pc:docMk/>
-            <pc:sldMk cId="3198546536" sldId="607"/>
-            <ac:spMk id="7" creationId="{0D56054E-DA22-A52C-0CF2-5A1432E2837D}"/>
-          </ac:spMkLst>
-        </pc:spChg>
-        <pc:spChg chg="add mod">
-          <ac:chgData name="Zhao Jin" userId="cd05a825-544c-438a-9ba1-08e63db50b47" providerId="ADAL" clId="{EF0F8122-2A99-46AF-84FE-759F79AED839}" dt="2025-03-10T07:24:30.256" v="377" actId="14100"/>
-          <ac:spMkLst>
-            <pc:docMk/>
-            <pc:sldMk cId="3198546536" sldId="607"/>
-            <ac:spMk id="8" creationId="{3DA94227-8FEE-E8C9-57AC-1AFDCA8DC7CA}"/>
-          </ac:spMkLst>
-        </pc:spChg>
-        <pc:spChg chg="mod">
-          <ac:chgData name="Zhao Jin" userId="cd05a825-544c-438a-9ba1-08e63db50b47" providerId="ADAL" clId="{EF0F8122-2A99-46AF-84FE-759F79AED839}" dt="2025-03-10T07:25:35.260" v="384" actId="14"/>
-          <ac:spMkLst>
-            <pc:docMk/>
-            <pc:sldMk cId="3198546536" sldId="607"/>
-            <ac:spMk id="9" creationId="{95E0A7A2-7048-3046-510D-F4506CAD5BAA}"/>
-          </ac:spMkLst>
-        </pc:spChg>
-        <pc:spChg chg="add mod">
-          <ac:chgData name="Zhao Jin" userId="cd05a825-544c-438a-9ba1-08e63db50b47" providerId="ADAL" clId="{EF0F8122-2A99-46AF-84FE-759F79AED839}" dt="2025-03-10T07:23:52.703" v="333" actId="1076"/>
-          <ac:spMkLst>
-            <pc:docMk/>
-            <pc:sldMk cId="3198546536" sldId="607"/>
-            <ac:spMk id="10" creationId="{255908BD-4F2C-E1B4-0FB2-B2F0E5A12B86}"/>
-          </ac:spMkLst>
-        </pc:spChg>
-        <pc:spChg chg="add mod">
-          <ac:chgData name="Zhao Jin" userId="cd05a825-544c-438a-9ba1-08e63db50b47" providerId="ADAL" clId="{EF0F8122-2A99-46AF-84FE-759F79AED839}" dt="2025-03-10T07:23:52.703" v="333" actId="1076"/>
-          <ac:spMkLst>
-            <pc:docMk/>
-            <pc:sldMk cId="3198546536" sldId="607"/>
-            <ac:spMk id="11" creationId="{ADC68951-983D-1AA5-1613-48A5A3F051EA}"/>
-          </ac:spMkLst>
-        </pc:spChg>
-        <pc:spChg chg="add mod">
-          <ac:chgData name="Zhao Jin" userId="cd05a825-544c-438a-9ba1-08e63db50b47" providerId="ADAL" clId="{EF0F8122-2A99-46AF-84FE-759F79AED839}" dt="2025-03-10T07:23:52.703" v="333" actId="1076"/>
-          <ac:spMkLst>
-            <pc:docMk/>
-            <pc:sldMk cId="3198546536" sldId="607"/>
-            <ac:spMk id="12" creationId="{5E7E47A8-8BCD-3DB3-55FE-F88BB2573BC2}"/>
-          </ac:spMkLst>
-        </pc:spChg>
-        <pc:spChg chg="add mod">
-          <ac:chgData name="Zhao Jin" userId="cd05a825-544c-438a-9ba1-08e63db50b47" providerId="ADAL" clId="{EF0F8122-2A99-46AF-84FE-759F79AED839}" dt="2025-03-10T07:26:06.280" v="386" actId="20577"/>
-          <ac:spMkLst>
-            <pc:docMk/>
-            <pc:sldMk cId="3198546536" sldId="607"/>
-            <ac:spMk id="13" creationId="{74CC3C61-AA56-CCBD-5E4B-2353A3E3B9B5}"/>
-          </ac:spMkLst>
-        </pc:spChg>
-        <pc:picChg chg="add mod">
-          <ac:chgData name="Zhao Jin" userId="cd05a825-544c-438a-9ba1-08e63db50b47" providerId="ADAL" clId="{EF0F8122-2A99-46AF-84FE-759F79AED839}" dt="2025-03-10T07:23:52.703" v="333" actId="1076"/>
-          <ac:picMkLst>
-            <pc:docMk/>
-            <pc:sldMk cId="3198546536" sldId="607"/>
-            <ac:picMk id="4" creationId="{281A4FD2-E4F1-724D-CF79-C79F01B7193B}"/>
-          </ac:picMkLst>
-        </pc:picChg>
-        <pc:cxnChg chg="add mod">
-          <ac:chgData name="Zhao Jin" userId="cd05a825-544c-438a-9ba1-08e63db50b47" providerId="ADAL" clId="{EF0F8122-2A99-46AF-84FE-759F79AED839}" dt="2025-03-10T07:23:52.703" v="333" actId="1076"/>
-          <ac:cxnSpMkLst>
-            <pc:docMk/>
-            <pc:sldMk cId="3198546536" sldId="607"/>
-            <ac:cxnSpMk id="5" creationId="{344D6F7F-4CC8-AB06-D390-91110966AB98}"/>
-          </ac:cxnSpMkLst>
-        </pc:cxnChg>
-        <pc:cxnChg chg="add mod">
-          <ac:chgData name="Zhao Jin" userId="cd05a825-544c-438a-9ba1-08e63db50b47" providerId="ADAL" clId="{EF0F8122-2A99-46AF-84FE-759F79AED839}" dt="2025-03-10T07:23:52.703" v="333" actId="1076"/>
-          <ac:cxnSpMkLst>
-            <pc:docMk/>
-            <pc:sldMk cId="3198546536" sldId="607"/>
-            <ac:cxnSpMk id="6" creationId="{836A0946-6084-2F1F-4193-8A73209E63DA}"/>
-          </ac:cxnSpMkLst>
-        </pc:cxnChg>
-      </pc:sldChg>
-      <pc:sldChg chg="addSp delSp modSp mod modAnim">
-        <pc:chgData name="Zhao Jin" userId="cd05a825-544c-438a-9ba1-08e63db50b47" providerId="ADAL" clId="{EF0F8122-2A99-46AF-84FE-759F79AED839}" dt="2025-03-10T07:22:39.556" v="279" actId="1076"/>
-        <pc:sldMkLst>
-          <pc:docMk/>
-          <pc:sldMk cId="190401359" sldId="608"/>
-        </pc:sldMkLst>
-        <pc:spChg chg="add mod">
-          <ac:chgData name="Zhao Jin" userId="cd05a825-544c-438a-9ba1-08e63db50b47" providerId="ADAL" clId="{EF0F8122-2A99-46AF-84FE-759F79AED839}" dt="2025-03-10T07:22:36.307" v="276" actId="113"/>
-          <ac:spMkLst>
-            <pc:docMk/>
-            <pc:sldMk cId="190401359" sldId="608"/>
-            <ac:spMk id="7" creationId="{D982FD41-94D7-8EDA-B44E-6A0A396BDEAC}"/>
-          </ac:spMkLst>
-        </pc:spChg>
-        <pc:spChg chg="add mod">
-          <ac:chgData name="Zhao Jin" userId="cd05a825-544c-438a-9ba1-08e63db50b47" providerId="ADAL" clId="{EF0F8122-2A99-46AF-84FE-759F79AED839}" dt="2025-03-10T07:22:37.798" v="277" actId="113"/>
-          <ac:spMkLst>
-            <pc:docMk/>
-            <pc:sldMk cId="190401359" sldId="608"/>
-            <ac:spMk id="8" creationId="{6733515B-D42E-F316-8552-CEAB2D22C30D}"/>
-          </ac:spMkLst>
-        </pc:spChg>
-        <pc:spChg chg="mod">
-          <ac:chgData name="Zhao Jin" userId="cd05a825-544c-438a-9ba1-08e63db50b47" providerId="ADAL" clId="{EF0F8122-2A99-46AF-84FE-759F79AED839}" dt="2025-03-10T07:22:39.556" v="279" actId="1076"/>
-          <ac:spMkLst>
-            <pc:docMk/>
-            <pc:sldMk cId="190401359" sldId="608"/>
-            <ac:spMk id="9" creationId="{269DAB42-C589-5BFA-8DDD-6B3F03E9F33D}"/>
-          </ac:spMkLst>
-        </pc:spChg>
-        <pc:spChg chg="add mod">
-          <ac:chgData name="Zhao Jin" userId="cd05a825-544c-438a-9ba1-08e63db50b47" providerId="ADAL" clId="{EF0F8122-2A99-46AF-84FE-759F79AED839}" dt="2025-03-10T07:20:24.281" v="223" actId="1037"/>
-          <ac:spMkLst>
-            <pc:docMk/>
-            <pc:sldMk cId="190401359" sldId="608"/>
-            <ac:spMk id="10" creationId="{D0EAB353-DA0C-F40F-07F8-FF15B60B59F7}"/>
-          </ac:spMkLst>
-        </pc:spChg>
-        <pc:spChg chg="add mod">
-          <ac:chgData name="Zhao Jin" userId="cd05a825-544c-438a-9ba1-08e63db50b47" providerId="ADAL" clId="{EF0F8122-2A99-46AF-84FE-759F79AED839}" dt="2025-03-10T07:20:24.281" v="223" actId="1037"/>
-          <ac:spMkLst>
-            <pc:docMk/>
-            <pc:sldMk cId="190401359" sldId="608"/>
-            <ac:spMk id="11" creationId="{C47234B5-84FB-6495-7610-BBF77AAF6B3A}"/>
-          </ac:spMkLst>
-        </pc:spChg>
-        <pc:spChg chg="add del mod">
-          <ac:chgData name="Zhao Jin" userId="cd05a825-544c-438a-9ba1-08e63db50b47" providerId="ADAL" clId="{EF0F8122-2A99-46AF-84FE-759F79AED839}" dt="2025-03-10T07:17:40.243" v="64" actId="478"/>
-          <ac:spMkLst>
-            <pc:docMk/>
-            <pc:sldMk cId="190401359" sldId="608"/>
-            <ac:spMk id="12" creationId="{FCDE189D-BADF-50C7-52B3-26E81D259882}"/>
-          </ac:spMkLst>
-        </pc:spChg>
-        <pc:spChg chg="add mod">
-          <ac:chgData name="Zhao Jin" userId="cd05a825-544c-438a-9ba1-08e63db50b47" providerId="ADAL" clId="{EF0F8122-2A99-46AF-84FE-759F79AED839}" dt="2025-03-10T07:20:53.256" v="224" actId="14100"/>
-          <ac:spMkLst>
-            <pc:docMk/>
-            <pc:sldMk cId="190401359" sldId="608"/>
-            <ac:spMk id="13" creationId="{06F48D8D-2E57-295D-73E8-4A8BF0C9C6BA}"/>
-          </ac:spMkLst>
-        </pc:spChg>
-        <pc:spChg chg="add mod">
-          <ac:chgData name="Zhao Jin" userId="cd05a825-544c-438a-9ba1-08e63db50b47" providerId="ADAL" clId="{EF0F8122-2A99-46AF-84FE-759F79AED839}" dt="2025-03-10T07:20:56.013" v="225" actId="1076"/>
-          <ac:spMkLst>
-            <pc:docMk/>
-            <pc:sldMk cId="190401359" sldId="608"/>
-            <ac:spMk id="14" creationId="{361A83A8-68AB-9A83-D2FE-2E4D1677F9CC}"/>
-          </ac:spMkLst>
-        </pc:spChg>
-        <pc:picChg chg="add mod">
-          <ac:chgData name="Zhao Jin" userId="cd05a825-544c-438a-9ba1-08e63db50b47" providerId="ADAL" clId="{EF0F8122-2A99-46AF-84FE-759F79AED839}" dt="2025-03-10T07:20:24.281" v="223" actId="1037"/>
-          <ac:picMkLst>
-            <pc:docMk/>
-            <pc:sldMk cId="190401359" sldId="608"/>
-            <ac:picMk id="4" creationId="{336F654C-C994-4DD4-5E28-A7082EA45327}"/>
-          </ac:picMkLst>
-        </pc:picChg>
-        <pc:cxnChg chg="add mod">
-          <ac:chgData name="Zhao Jin" userId="cd05a825-544c-438a-9ba1-08e63db50b47" providerId="ADAL" clId="{EF0F8122-2A99-46AF-84FE-759F79AED839}" dt="2025-03-10T07:20:24.281" v="223" actId="1037"/>
-          <ac:cxnSpMkLst>
-            <pc:docMk/>
-            <pc:sldMk cId="190401359" sldId="608"/>
-            <ac:cxnSpMk id="5" creationId="{09A2A855-4223-E810-0A20-B15C307EAA75}"/>
-          </ac:cxnSpMkLst>
-        </pc:cxnChg>
-        <pc:cxnChg chg="add mod">
-          <ac:chgData name="Zhao Jin" userId="cd05a825-544c-438a-9ba1-08e63db50b47" providerId="ADAL" clId="{EF0F8122-2A99-46AF-84FE-759F79AED839}" dt="2025-03-10T07:20:24.281" v="223" actId="1037"/>
-          <ac:cxnSpMkLst>
-            <pc:docMk/>
-            <pc:sldMk cId="190401359" sldId="608"/>
-            <ac:cxnSpMk id="6" creationId="{ADBBD169-819F-8148-242C-B02A7E727B58}"/>
-          </ac:cxnSpMkLst>
-        </pc:cxnChg>
-      </pc:sldChg>
-      <pc:sldChg chg="del">
-        <pc:chgData name="Zhao Jin" userId="cd05a825-544c-438a-9ba1-08e63db50b47" providerId="ADAL" clId="{EF0F8122-2A99-46AF-84FE-759F79AED839}" dt="2025-03-10T07:28:22.305" v="387" actId="47"/>
-        <pc:sldMkLst>
-          <pc:docMk/>
-          <pc:sldMk cId="0" sldId="614"/>
-        </pc:sldMkLst>
-      </pc:sldChg>
-      <pc:sldChg chg="del">
-        <pc:chgData name="Zhao Jin" userId="cd05a825-544c-438a-9ba1-08e63db50b47" providerId="ADAL" clId="{EF0F8122-2A99-46AF-84FE-759F79AED839}" dt="2025-03-10T07:28:22.305" v="387" actId="47"/>
-        <pc:sldMkLst>
-          <pc:docMk/>
-          <pc:sldMk cId="2483082200" sldId="615"/>
-        </pc:sldMkLst>
-      </pc:sldChg>
-      <pc:sldChg chg="del">
-        <pc:chgData name="Zhao Jin" userId="cd05a825-544c-438a-9ba1-08e63db50b47" providerId="ADAL" clId="{EF0F8122-2A99-46AF-84FE-759F79AED839}" dt="2025-03-10T07:28:22.305" v="387" actId="47"/>
-        <pc:sldMkLst>
-          <pc:docMk/>
-          <pc:sldMk cId="1258830549" sldId="635"/>
-        </pc:sldMkLst>
-      </pc:sldChg>
-      <pc:sldChg chg="del">
-        <pc:chgData name="Zhao Jin" userId="cd05a825-544c-438a-9ba1-08e63db50b47" providerId="ADAL" clId="{EF0F8122-2A99-46AF-84FE-759F79AED839}" dt="2025-03-10T07:28:22.305" v="387" actId="47"/>
-        <pc:sldMkLst>
-          <pc:docMk/>
-          <pc:sldMk cId="4129378151" sldId="636"/>
-        </pc:sldMkLst>
-      </pc:sldChg>
-      <pc:sldChg chg="del">
-        <pc:chgData name="Zhao Jin" userId="cd05a825-544c-438a-9ba1-08e63db50b47" providerId="ADAL" clId="{EF0F8122-2A99-46AF-84FE-759F79AED839}" dt="2025-03-10T07:28:22.305" v="387" actId="47"/>
-        <pc:sldMkLst>
-          <pc:docMk/>
-          <pc:sldMk cId="3388943502" sldId="637"/>
-        </pc:sldMkLst>
-      </pc:sldChg>
-      <pc:sldChg chg="del">
-        <pc:chgData name="Zhao Jin" userId="cd05a825-544c-438a-9ba1-08e63db50b47" providerId="ADAL" clId="{EF0F8122-2A99-46AF-84FE-759F79AED839}" dt="2025-03-10T07:28:22.305" v="387" actId="47"/>
-        <pc:sldMkLst>
-          <pc:docMk/>
-          <pc:sldMk cId="1252576829" sldId="639"/>
-        </pc:sldMkLst>
-      </pc:sldChg>
-      <pc:sldChg chg="del">
-        <pc:chgData name="Zhao Jin" userId="cd05a825-544c-438a-9ba1-08e63db50b47" providerId="ADAL" clId="{EF0F8122-2A99-46AF-84FE-759F79AED839}" dt="2025-03-10T07:28:22.305" v="387" actId="47"/>
-        <pc:sldMkLst>
-          <pc:docMk/>
-          <pc:sldMk cId="649273319" sldId="640"/>
-        </pc:sldMkLst>
-      </pc:sldChg>
-      <pc:sldChg chg="modSp mod">
-        <pc:chgData name="Zhao Jin" userId="cd05a825-544c-438a-9ba1-08e63db50b47" providerId="ADAL" clId="{EF0F8122-2A99-46AF-84FE-759F79AED839}" dt="2025-03-10T07:42:40.782" v="722" actId="20577"/>
-        <pc:sldMkLst>
-          <pc:docMk/>
-          <pc:sldMk cId="359293320" sldId="652"/>
-        </pc:sldMkLst>
-        <pc:spChg chg="mod">
-          <ac:chgData name="Zhao Jin" userId="cd05a825-544c-438a-9ba1-08e63db50b47" providerId="ADAL" clId="{EF0F8122-2A99-46AF-84FE-759F79AED839}" dt="2025-03-10T07:42:32.618" v="718" actId="20577"/>
-          <ac:spMkLst>
-            <pc:docMk/>
-            <pc:sldMk cId="359293320" sldId="652"/>
-            <ac:spMk id="10" creationId="{D152B3CB-3A18-4904-B92B-10421E2CF44A}"/>
-          </ac:spMkLst>
-        </pc:spChg>
-        <pc:spChg chg="mod">
-          <ac:chgData name="Zhao Jin" userId="cd05a825-544c-438a-9ba1-08e63db50b47" providerId="ADAL" clId="{EF0F8122-2A99-46AF-84FE-759F79AED839}" dt="2025-03-10T07:42:32.832" v="719" actId="20577"/>
-          <ac:spMkLst>
-            <pc:docMk/>
-            <pc:sldMk cId="359293320" sldId="652"/>
-            <ac:spMk id="13" creationId="{AFC19333-5980-4F3B-A9D6-4C44C6ADB80A}"/>
-          </ac:spMkLst>
-        </pc:spChg>
-        <pc:spChg chg="mod">
-          <ac:chgData name="Zhao Jin" userId="cd05a825-544c-438a-9ba1-08e63db50b47" providerId="ADAL" clId="{EF0F8122-2A99-46AF-84FE-759F79AED839}" dt="2025-03-10T07:42:33.183" v="720" actId="20577"/>
-          <ac:spMkLst>
-            <pc:docMk/>
-            <pc:sldMk cId="359293320" sldId="652"/>
-            <ac:spMk id="17" creationId="{9BEB6C85-479A-4BE9-8BA4-DB3AC5A607CA}"/>
-          </ac:spMkLst>
-        </pc:spChg>
-        <pc:spChg chg="mod">
-          <ac:chgData name="Zhao Jin" userId="cd05a825-544c-438a-9ba1-08e63db50b47" providerId="ADAL" clId="{EF0F8122-2A99-46AF-84FE-759F79AED839}" dt="2025-03-10T07:42:40.782" v="722" actId="20577"/>
-          <ac:spMkLst>
-            <pc:docMk/>
-            <pc:sldMk cId="359293320" sldId="652"/>
-            <ac:spMk id="19" creationId="{03877E7A-C2FA-4A59-A414-3C95F6BC432E}"/>
-          </ac:spMkLst>
-        </pc:spChg>
-        <pc:spChg chg="mod">
-          <ac:chgData name="Zhao Jin" userId="cd05a825-544c-438a-9ba1-08e63db50b47" providerId="ADAL" clId="{EF0F8122-2A99-46AF-84FE-759F79AED839}" dt="2025-03-10T07:42:32.413" v="717" actId="20577"/>
-          <ac:spMkLst>
-            <pc:docMk/>
-            <pc:sldMk cId="359293320" sldId="652"/>
-            <ac:spMk id="84" creationId="{C4E05674-68A2-0D4E-8B47-F7A2C6A6B76F}"/>
-          </ac:spMkLst>
-        </pc:spChg>
-      </pc:sldChg>
-      <pc:sldChg chg="modSp mod">
-        <pc:chgData name="Zhao Jin" userId="cd05a825-544c-438a-9ba1-08e63db50b47" providerId="ADAL" clId="{EF0F8122-2A99-46AF-84FE-759F79AED839}" dt="2025-03-10T07:42:47.109" v="723"/>
-        <pc:sldMkLst>
-          <pc:docMk/>
-          <pc:sldMk cId="1094276337" sldId="653"/>
-        </pc:sldMkLst>
-        <pc:spChg chg="mod">
-          <ac:chgData name="Zhao Jin" userId="cd05a825-544c-438a-9ba1-08e63db50b47" providerId="ADAL" clId="{EF0F8122-2A99-46AF-84FE-759F79AED839}" dt="2025-03-10T07:42:47.109" v="723"/>
-          <ac:spMkLst>
-            <pc:docMk/>
-            <pc:sldMk cId="1094276337" sldId="653"/>
-            <ac:spMk id="15" creationId="{089ECE0A-4E20-4CEA-8F03-97F6A2A532A0}"/>
-          </ac:spMkLst>
-        </pc:spChg>
-        <pc:spChg chg="mod">
-          <ac:chgData name="Zhao Jin" userId="cd05a825-544c-438a-9ba1-08e63db50b47" providerId="ADAL" clId="{EF0F8122-2A99-46AF-84FE-759F79AED839}" dt="2025-03-10T07:42:31.001" v="712" actId="20577"/>
-          <ac:spMkLst>
-            <pc:docMk/>
-            <pc:sldMk cId="1094276337" sldId="653"/>
-            <ac:spMk id="84" creationId="{C4E05674-68A2-0D4E-8B47-F7A2C6A6B76F}"/>
-          </ac:spMkLst>
-        </pc:spChg>
-      </pc:sldChg>
-      <pc:sldChg chg="addSp delSp modSp mod">
-        <pc:chgData name="Zhao Jin" userId="cd05a825-544c-438a-9ba1-08e63db50b47" providerId="ADAL" clId="{EF0F8122-2A99-46AF-84FE-759F79AED839}" dt="2025-03-10T07:29:32.684" v="396" actId="166"/>
-        <pc:sldMkLst>
-          <pc:docMk/>
-          <pc:sldMk cId="2847604429" sldId="660"/>
-        </pc:sldMkLst>
-        <pc:spChg chg="ord">
-          <ac:chgData name="Zhao Jin" userId="cd05a825-544c-438a-9ba1-08e63db50b47" providerId="ADAL" clId="{EF0F8122-2A99-46AF-84FE-759F79AED839}" dt="2025-03-10T07:29:32.684" v="396" actId="166"/>
-          <ac:spMkLst>
-            <pc:docMk/>
-            <pc:sldMk cId="2847604429" sldId="660"/>
-            <ac:spMk id="8" creationId="{2693E0BD-A74C-4D5C-BD93-8AB2A3D3B311}"/>
-          </ac:spMkLst>
-        </pc:spChg>
-        <pc:picChg chg="add mod">
-          <ac:chgData name="Zhao Jin" userId="cd05a825-544c-438a-9ba1-08e63db50b47" providerId="ADAL" clId="{EF0F8122-2A99-46AF-84FE-759F79AED839}" dt="2025-03-10T07:29:29.549" v="395" actId="1076"/>
-          <ac:picMkLst>
-            <pc:docMk/>
-            <pc:sldMk cId="2847604429" sldId="660"/>
-            <ac:picMk id="3" creationId="{D25B9C86-0E9B-C2CD-4112-FCF50C8824CC}"/>
-          </ac:picMkLst>
-        </pc:picChg>
-        <pc:picChg chg="del">
-          <ac:chgData name="Zhao Jin" userId="cd05a825-544c-438a-9ba1-08e63db50b47" providerId="ADAL" clId="{EF0F8122-2A99-46AF-84FE-759F79AED839}" dt="2025-03-10T07:29:14.757" v="388" actId="478"/>
-          <ac:picMkLst>
-            <pc:docMk/>
-            <pc:sldMk cId="2847604429" sldId="660"/>
-            <ac:picMk id="46" creationId="{141ED12B-29B6-0BAE-4677-6425A02325F4}"/>
-          </ac:picMkLst>
-        </pc:picChg>
-      </pc:sldChg>
-      <pc:sldChg chg="addSp delSp modSp add mod delAnim">
-        <pc:chgData name="Zhao Jin" userId="cd05a825-544c-438a-9ba1-08e63db50b47" providerId="ADAL" clId="{EF0F8122-2A99-46AF-84FE-759F79AED839}" dt="2025-03-10T07:40:25.296" v="664" actId="207"/>
+        <pc:chgData name="Zhao Jin" userId="cd05a825-544c-438a-9ba1-08e63db50b47" providerId="ADAL" clId="{EF0F8122-2A99-46AF-84FE-759F79AED839}" dt="2025-03-11T03:45:14.890" v="1" actId="207"/>
         <pc:sldMkLst>
           <pc:docMk/>
           <pc:sldMk cId="2302386698" sldId="664"/>
         </pc:sldMkLst>
-        <pc:spChg chg="add mod">
-          <ac:chgData name="Zhao Jin" userId="cd05a825-544c-438a-9ba1-08e63db50b47" providerId="ADAL" clId="{EF0F8122-2A99-46AF-84FE-759F79AED839}" dt="2025-03-10T07:35:30.693" v="434"/>
-          <ac:spMkLst>
-            <pc:docMk/>
-            <pc:sldMk cId="2302386698" sldId="664"/>
-            <ac:spMk id="6" creationId="{1CEC939B-285E-0E06-DC7C-8E3203F48CF2}"/>
-          </ac:spMkLst>
-        </pc:spChg>
-        <pc:spChg chg="del mod">
-          <ac:chgData name="Zhao Jin" userId="cd05a825-544c-438a-9ba1-08e63db50b47" providerId="ADAL" clId="{EF0F8122-2A99-46AF-84FE-759F79AED839}" dt="2025-03-10T07:33:05.302" v="400"/>
-          <ac:spMkLst>
-            <pc:docMk/>
-            <pc:sldMk cId="2302386698" sldId="664"/>
-            <ac:spMk id="8" creationId="{BBF706AF-8361-AA07-945B-70446D959969}"/>
-          </ac:spMkLst>
-        </pc:spChg>
-        <pc:spChg chg="del">
-          <ac:chgData name="Zhao Jin" userId="cd05a825-544c-438a-9ba1-08e63db50b47" providerId="ADAL" clId="{EF0F8122-2A99-46AF-84FE-759F79AED839}" dt="2025-03-10T07:32:24.833" v="399" actId="478"/>
-          <ac:spMkLst>
-            <pc:docMk/>
-            <pc:sldMk cId="2302386698" sldId="664"/>
-            <ac:spMk id="9" creationId="{7EB6F9A2-A61A-5B33-30BB-4C5720B265C2}"/>
-          </ac:spMkLst>
-        </pc:spChg>
-        <pc:spChg chg="del">
-          <ac:chgData name="Zhao Jin" userId="cd05a825-544c-438a-9ba1-08e63db50b47" providerId="ADAL" clId="{EF0F8122-2A99-46AF-84FE-759F79AED839}" dt="2025-03-10T07:32:24.833" v="399" actId="478"/>
-          <ac:spMkLst>
-            <pc:docMk/>
-            <pc:sldMk cId="2302386698" sldId="664"/>
-            <ac:spMk id="10" creationId="{6F0E9E44-EF3B-F1E3-17EF-274F63D86D72}"/>
-          </ac:spMkLst>
-        </pc:spChg>
-        <pc:spChg chg="del">
-          <ac:chgData name="Zhao Jin" userId="cd05a825-544c-438a-9ba1-08e63db50b47" providerId="ADAL" clId="{EF0F8122-2A99-46AF-84FE-759F79AED839}" dt="2025-03-10T07:32:24.833" v="399" actId="478"/>
-          <ac:spMkLst>
-            <pc:docMk/>
-            <pc:sldMk cId="2302386698" sldId="664"/>
-            <ac:spMk id="11" creationId="{2DE6D8F3-E8DD-3BB4-E2AA-4182436121A3}"/>
-          </ac:spMkLst>
-        </pc:spChg>
-        <pc:spChg chg="del">
-          <ac:chgData name="Zhao Jin" userId="cd05a825-544c-438a-9ba1-08e63db50b47" providerId="ADAL" clId="{EF0F8122-2A99-46AF-84FE-759F79AED839}" dt="2025-03-10T07:32:24.833" v="399" actId="478"/>
-          <ac:spMkLst>
-            <pc:docMk/>
-            <pc:sldMk cId="2302386698" sldId="664"/>
-            <ac:spMk id="13" creationId="{FC2813DC-5D9D-B563-A88F-732B58E9499A}"/>
-          </ac:spMkLst>
-        </pc:spChg>
-        <pc:spChg chg="add del mod">
-          <ac:chgData name="Zhao Jin" userId="cd05a825-544c-438a-9ba1-08e63db50b47" providerId="ADAL" clId="{EF0F8122-2A99-46AF-84FE-759F79AED839}" dt="2025-03-10T07:33:50.971" v="407" actId="478"/>
-          <ac:spMkLst>
-            <pc:docMk/>
-            <pc:sldMk cId="2302386698" sldId="664"/>
-            <ac:spMk id="15" creationId="{D0DBD123-BF3D-6BE7-5F07-70A9AECC1FF9}"/>
-          </ac:spMkLst>
-        </pc:spChg>
-        <pc:spChg chg="add del mod">
-          <ac:chgData name="Zhao Jin" userId="cd05a825-544c-438a-9ba1-08e63db50b47" providerId="ADAL" clId="{EF0F8122-2A99-46AF-84FE-759F79AED839}" dt="2025-03-10T07:34:50.664" v="431"/>
-          <ac:spMkLst>
-            <pc:docMk/>
-            <pc:sldMk cId="2302386698" sldId="664"/>
-            <ac:spMk id="17" creationId="{5325E31D-025D-52D5-887F-018EB702AA7E}"/>
-          </ac:spMkLst>
-        </pc:spChg>
-        <pc:spChg chg="add del mod">
-          <ac:chgData name="Zhao Jin" userId="cd05a825-544c-438a-9ba1-08e63db50b47" providerId="ADAL" clId="{EF0F8122-2A99-46AF-84FE-759F79AED839}" dt="2025-03-10T07:35:48.981" v="436"/>
-          <ac:spMkLst>
-            <pc:docMk/>
-            <pc:sldMk cId="2302386698" sldId="664"/>
-            <ac:spMk id="21" creationId="{DED72184-8301-4B1A-6ECE-85574E42C9AB}"/>
-          </ac:spMkLst>
-        </pc:spChg>
-        <pc:spChg chg="add mod">
-          <ac:chgData name="Zhao Jin" userId="cd05a825-544c-438a-9ba1-08e63db50b47" providerId="ADAL" clId="{EF0F8122-2A99-46AF-84FE-759F79AED839}" dt="2025-03-10T07:40:25.296" v="664" actId="207"/>
+        <pc:spChg chg="mod">
+          <ac:chgData name="Zhao Jin" userId="cd05a825-544c-438a-9ba1-08e63db50b47" providerId="ADAL" clId="{EF0F8122-2A99-46AF-84FE-759F79AED839}" dt="2025-03-11T03:45:14.890" v="1" actId="207"/>
           <ac:spMkLst>
             <pc:docMk/>
             <pc:sldMk cId="2302386698" sldId="664"/>
             <ac:spMk id="24" creationId="{B4BDD4AD-A136-42CF-A595-B7C410B32541}"/>
           </ac:spMkLst>
         </pc:spChg>
-        <pc:spChg chg="mod">
-          <ac:chgData name="Zhao Jin" userId="cd05a825-544c-438a-9ba1-08e63db50b47" providerId="ADAL" clId="{EF0F8122-2A99-46AF-84FE-759F79AED839}" dt="2025-03-10T07:33:59.889" v="427" actId="20577"/>
-          <ac:spMkLst>
-            <pc:docMk/>
-            <pc:sldMk cId="2302386698" sldId="664"/>
-            <ac:spMk id="14338" creationId="{0107BAA8-58C3-5E09-E992-EBE9C1C69A96}"/>
-          </ac:spMkLst>
-        </pc:spChg>
-        <pc:picChg chg="add del mod">
-          <ac:chgData name="Zhao Jin" userId="cd05a825-544c-438a-9ba1-08e63db50b47" providerId="ADAL" clId="{EF0F8122-2A99-46AF-84FE-759F79AED839}" dt="2025-03-10T07:34:49.202" v="430" actId="478"/>
-          <ac:picMkLst>
-            <pc:docMk/>
-            <pc:sldMk cId="2302386698" sldId="664"/>
-            <ac:picMk id="4" creationId="{C9407D3A-473F-EA3B-4BF8-B15A2AC6F865}"/>
-          </ac:picMkLst>
-        </pc:picChg>
-        <pc:picChg chg="del">
-          <ac:chgData name="Zhao Jin" userId="cd05a825-544c-438a-9ba1-08e63db50b47" providerId="ADAL" clId="{EF0F8122-2A99-46AF-84FE-759F79AED839}" dt="2025-03-10T07:32:24.833" v="399" actId="478"/>
-          <ac:picMkLst>
-            <pc:docMk/>
-            <pc:sldMk cId="2302386698" sldId="664"/>
-            <ac:picMk id="14" creationId="{43DB9D32-BA19-618E-F440-869BB405DE7A}"/>
-          </ac:picMkLst>
-        </pc:picChg>
-        <pc:picChg chg="add del mod">
-          <ac:chgData name="Zhao Jin" userId="cd05a825-544c-438a-9ba1-08e63db50b47" providerId="ADAL" clId="{EF0F8122-2A99-46AF-84FE-759F79AED839}" dt="2025-03-10T07:35:47.111" v="435" actId="478"/>
-          <ac:picMkLst>
-            <pc:docMk/>
-            <pc:sldMk cId="2302386698" sldId="664"/>
-            <ac:picMk id="19" creationId="{9D3277F0-0E56-8961-0728-95CC5D4A926A}"/>
-          </ac:picMkLst>
-        </pc:picChg>
-        <pc:picChg chg="add mod">
-          <ac:chgData name="Zhao Jin" userId="cd05a825-544c-438a-9ba1-08e63db50b47" providerId="ADAL" clId="{EF0F8122-2A99-46AF-84FE-759F79AED839}" dt="2025-03-10T07:37:17.582" v="490" actId="1076"/>
-          <ac:picMkLst>
-            <pc:docMk/>
-            <pc:sldMk cId="2302386698" sldId="664"/>
-            <ac:picMk id="23" creationId="{53D0DB47-DC49-EB85-D76E-7126DCCBEBDE}"/>
-          </ac:picMkLst>
-        </pc:picChg>
       </pc:sldChg>
-    </pc:docChg>
-  </pc:docChgLst>
-  <pc:docChgLst>
-    <pc:chgData name="Zhao Jin" userId="cd05a825-544c-438a-9ba1-08e63db50b47" providerId="ADAL" clId="{E094A0D3-9008-D44F-B23F-E71F39C2BDEC}"/>
-    <pc:docChg chg="undo custSel addSld delSld modSld sldOrd modMainMaster">
-      <pc:chgData name="Zhao Jin" userId="cd05a825-544c-438a-9ba1-08e63db50b47" providerId="ADAL" clId="{E094A0D3-9008-D44F-B23F-E71F39C2BDEC}" dt="2021-01-27T05:44:46" v="1434" actId="207"/>
-      <pc:docMkLst>
-        <pc:docMk/>
-      </pc:docMkLst>
-      <pc:sldChg chg="modSp">
-        <pc:chgData name="Zhao Jin" userId="cd05a825-544c-438a-9ba1-08e63db50b47" providerId="ADAL" clId="{E094A0D3-9008-D44F-B23F-E71F39C2BDEC}" dt="2021-01-27T04:57:42.438" v="23" actId="20577"/>
-        <pc:sldMkLst>
-          <pc:docMk/>
-          <pc:sldMk cId="0" sldId="256"/>
-        </pc:sldMkLst>
-      </pc:sldChg>
-      <pc:sldChg chg="modSp">
-        <pc:chgData name="Zhao Jin" userId="cd05a825-544c-438a-9ba1-08e63db50b47" providerId="ADAL" clId="{E094A0D3-9008-D44F-B23F-E71F39C2BDEC}" dt="2021-01-27T05:17:21.390" v="251" actId="20577"/>
-        <pc:sldMkLst>
-          <pc:docMk/>
-          <pc:sldMk cId="2438607696" sldId="468"/>
-        </pc:sldMkLst>
-      </pc:sldChg>
-      <pc:sldChg chg="modSp">
-        <pc:chgData name="Zhao Jin" userId="cd05a825-544c-438a-9ba1-08e63db50b47" providerId="ADAL" clId="{E094A0D3-9008-D44F-B23F-E71F39C2BDEC}" dt="2021-01-27T04:58:20.523" v="47"/>
-        <pc:sldMkLst>
-          <pc:docMk/>
-          <pc:sldMk cId="1311126165" sldId="485"/>
-        </pc:sldMkLst>
-      </pc:sldChg>
-      <pc:sldChg chg="modSp add">
-        <pc:chgData name="Zhao Jin" userId="cd05a825-544c-438a-9ba1-08e63db50b47" providerId="ADAL" clId="{E094A0D3-9008-D44F-B23F-E71F39C2BDEC}" dt="2021-01-27T05:17:26.077" v="252" actId="20577"/>
-        <pc:sldMkLst>
-          <pc:docMk/>
-          <pc:sldMk cId="3792232794" sldId="504"/>
-        </pc:sldMkLst>
-      </pc:sldChg>
-      <pc:sldChg chg="modSp">
-        <pc:chgData name="Zhao Jin" userId="cd05a825-544c-438a-9ba1-08e63db50b47" providerId="ADAL" clId="{E094A0D3-9008-D44F-B23F-E71F39C2BDEC}" dt="2021-01-27T04:58:20.523" v="47"/>
-        <pc:sldMkLst>
-          <pc:docMk/>
-          <pc:sldMk cId="681224785" sldId="531"/>
-        </pc:sldMkLst>
-      </pc:sldChg>
-      <pc:sldChg chg="modSp del">
-        <pc:chgData name="Zhao Jin" userId="cd05a825-544c-438a-9ba1-08e63db50b47" providerId="ADAL" clId="{E094A0D3-9008-D44F-B23F-E71F39C2BDEC}" dt="2021-01-27T05:12:53.568" v="127" actId="2696"/>
-        <pc:sldMkLst>
-          <pc:docMk/>
-          <pc:sldMk cId="901453530" sldId="546"/>
-        </pc:sldMkLst>
-      </pc:sldChg>
-      <pc:sldChg chg="modSp add">
-        <pc:chgData name="Zhao Jin" userId="cd05a825-544c-438a-9ba1-08e63db50b47" providerId="ADAL" clId="{E094A0D3-9008-D44F-B23F-E71F39C2BDEC}" dt="2021-01-27T05:17:29.706" v="253" actId="20577"/>
-        <pc:sldMkLst>
-          <pc:docMk/>
-          <pc:sldMk cId="4225956616" sldId="546"/>
-        </pc:sldMkLst>
-      </pc:sldChg>
-      <pc:sldChg chg="modSp del">
-        <pc:chgData name="Zhao Jin" userId="cd05a825-544c-438a-9ba1-08e63db50b47" providerId="ADAL" clId="{E094A0D3-9008-D44F-B23F-E71F39C2BDEC}" dt="2021-01-27T05:16:20.724" v="163" actId="2696"/>
-        <pc:sldMkLst>
-          <pc:docMk/>
-          <pc:sldMk cId="884841463" sldId="547"/>
-        </pc:sldMkLst>
-      </pc:sldChg>
-      <pc:sldChg chg="modSp">
-        <pc:chgData name="Zhao Jin" userId="cd05a825-544c-438a-9ba1-08e63db50b47" providerId="ADAL" clId="{E094A0D3-9008-D44F-B23F-E71F39C2BDEC}" dt="2021-01-27T04:58:20.523" v="47"/>
-        <pc:sldMkLst>
-          <pc:docMk/>
-          <pc:sldMk cId="1617257579" sldId="548"/>
-        </pc:sldMkLst>
-      </pc:sldChg>
-      <pc:sldChg chg="modSp">
-        <pc:chgData name="Zhao Jin" userId="cd05a825-544c-438a-9ba1-08e63db50b47" providerId="ADAL" clId="{E094A0D3-9008-D44F-B23F-E71F39C2BDEC}" dt="2021-01-27T04:58:20.523" v="47"/>
-        <pc:sldMkLst>
-          <pc:docMk/>
-          <pc:sldMk cId="3394924879" sldId="549"/>
-        </pc:sldMkLst>
-      </pc:sldChg>
-      <pc:sldChg chg="modSp">
-        <pc:chgData name="Zhao Jin" userId="cd05a825-544c-438a-9ba1-08e63db50b47" providerId="ADAL" clId="{E094A0D3-9008-D44F-B23F-E71F39C2BDEC}" dt="2021-01-27T04:58:20.523" v="47"/>
-        <pc:sldMkLst>
-          <pc:docMk/>
-          <pc:sldMk cId="784668950" sldId="550"/>
-        </pc:sldMkLst>
-      </pc:sldChg>
-      <pc:sldChg chg="modSp add del">
-        <pc:chgData name="Zhao Jin" userId="cd05a825-544c-438a-9ba1-08e63db50b47" providerId="ADAL" clId="{E094A0D3-9008-D44F-B23F-E71F39C2BDEC}" dt="2021-01-27T05:17:38.111" v="258" actId="2696"/>
-        <pc:sldMkLst>
-          <pc:docMk/>
-          <pc:sldMk cId="2538842699" sldId="551"/>
-        </pc:sldMkLst>
-      </pc:sldChg>
-      <pc:sldChg chg="addSp delSp modSp add delAnim">
-        <pc:chgData name="Zhao Jin" userId="cd05a825-544c-438a-9ba1-08e63db50b47" providerId="ADAL" clId="{E094A0D3-9008-D44F-B23F-E71F39C2BDEC}" dt="2021-01-27T05:22:23.124" v="370" actId="20577"/>
-        <pc:sldMkLst>
-          <pc:docMk/>
-          <pc:sldMk cId="3422194935" sldId="552"/>
-        </pc:sldMkLst>
-      </pc:sldChg>
-      <pc:sldChg chg="add del">
-        <pc:chgData name="Zhao Jin" userId="cd05a825-544c-438a-9ba1-08e63db50b47" providerId="ADAL" clId="{E094A0D3-9008-D44F-B23F-E71F39C2BDEC}" dt="2021-01-27T05:18:00.826" v="262"/>
-        <pc:sldMkLst>
-          <pc:docMk/>
-          <pc:sldMk cId="153180961" sldId="553"/>
-        </pc:sldMkLst>
-      </pc:sldChg>
-      <pc:sldChg chg="modSp add">
-        <pc:chgData name="Zhao Jin" userId="cd05a825-544c-438a-9ba1-08e63db50b47" providerId="ADAL" clId="{E094A0D3-9008-D44F-B23F-E71F39C2BDEC}" dt="2021-01-27T05:33:55.712" v="791" actId="14100"/>
-        <pc:sldMkLst>
-          <pc:docMk/>
-          <pc:sldMk cId="1427618944" sldId="553"/>
-        </pc:sldMkLst>
-      </pc:sldChg>
-      <pc:sldChg chg="addSp delSp modSp add ord delAnim modAnim">
-        <pc:chgData name="Zhao Jin" userId="cd05a825-544c-438a-9ba1-08e63db50b47" providerId="ADAL" clId="{E094A0D3-9008-D44F-B23F-E71F39C2BDEC}" dt="2021-01-27T05:37:50.456" v="1042" actId="1035"/>
-        <pc:sldMkLst>
-          <pc:docMk/>
-          <pc:sldMk cId="1659983766" sldId="554"/>
-        </pc:sldMkLst>
-      </pc:sldChg>
-      <pc:sldChg chg="addSp delSp modSp add">
-        <pc:chgData name="Zhao Jin" userId="cd05a825-544c-438a-9ba1-08e63db50b47" providerId="ADAL" clId="{E094A0D3-9008-D44F-B23F-E71F39C2BDEC}" dt="2021-01-27T05:44:46" v="1434" actId="207"/>
-        <pc:sldMkLst>
-          <pc:docMk/>
-          <pc:sldMk cId="1268238251" sldId="555"/>
-        </pc:sldMkLst>
-      </pc:sldChg>
-      <pc:sldMasterChg chg="modSp modSldLayout">
-        <pc:chgData name="Zhao Jin" userId="cd05a825-544c-438a-9ba1-08e63db50b47" providerId="ADAL" clId="{E094A0D3-9008-D44F-B23F-E71F39C2BDEC}" dt="2021-01-27T04:58:20.523" v="47"/>
-        <pc:sldMasterMkLst>
-          <pc:docMk/>
-          <pc:sldMasterMk cId="0" sldId="2147485087"/>
-        </pc:sldMasterMkLst>
-        <pc:sldLayoutChg chg="modSp">
-          <pc:chgData name="Zhao Jin" userId="cd05a825-544c-438a-9ba1-08e63db50b47" providerId="ADAL" clId="{E094A0D3-9008-D44F-B23F-E71F39C2BDEC}" dt="2021-01-27T04:58:20.523" v="47"/>
-          <pc:sldLayoutMkLst>
-            <pc:docMk/>
-            <pc:sldMasterMk cId="0" sldId="2147485087"/>
-            <pc:sldLayoutMk cId="0" sldId="2147485088"/>
-          </pc:sldLayoutMkLst>
-        </pc:sldLayoutChg>
-        <pc:sldLayoutChg chg="modSp">
-          <pc:chgData name="Zhao Jin" userId="cd05a825-544c-438a-9ba1-08e63db50b47" providerId="ADAL" clId="{E094A0D3-9008-D44F-B23F-E71F39C2BDEC}" dt="2021-01-27T04:58:20.523" v="47"/>
-          <pc:sldLayoutMkLst>
-            <pc:docMk/>
-            <pc:sldMasterMk cId="0" sldId="2147485087"/>
-            <pc:sldLayoutMk cId="0" sldId="2147485089"/>
-          </pc:sldLayoutMkLst>
-        </pc:sldLayoutChg>
-        <pc:sldLayoutChg chg="modSp">
-          <pc:chgData name="Zhao Jin" userId="cd05a825-544c-438a-9ba1-08e63db50b47" providerId="ADAL" clId="{E094A0D3-9008-D44F-B23F-E71F39C2BDEC}" dt="2021-01-27T04:58:20.523" v="47"/>
-          <pc:sldLayoutMkLst>
-            <pc:docMk/>
-            <pc:sldMasterMk cId="0" sldId="2147485087"/>
-            <pc:sldLayoutMk cId="0" sldId="2147485090"/>
-          </pc:sldLayoutMkLst>
-        </pc:sldLayoutChg>
-        <pc:sldLayoutChg chg="modSp">
-          <pc:chgData name="Zhao Jin" userId="cd05a825-544c-438a-9ba1-08e63db50b47" providerId="ADAL" clId="{E094A0D3-9008-D44F-B23F-E71F39C2BDEC}" dt="2021-01-27T04:58:20.523" v="47"/>
-          <pc:sldLayoutMkLst>
-            <pc:docMk/>
-            <pc:sldMasterMk cId="0" sldId="2147485087"/>
-            <pc:sldLayoutMk cId="0" sldId="2147485091"/>
-          </pc:sldLayoutMkLst>
-        </pc:sldLayoutChg>
-        <pc:sldLayoutChg chg="modSp">
-          <pc:chgData name="Zhao Jin" userId="cd05a825-544c-438a-9ba1-08e63db50b47" providerId="ADAL" clId="{E094A0D3-9008-D44F-B23F-E71F39C2BDEC}" dt="2021-01-27T04:58:20.523" v="47"/>
-          <pc:sldLayoutMkLst>
-            <pc:docMk/>
-            <pc:sldMasterMk cId="0" sldId="2147485087"/>
-            <pc:sldLayoutMk cId="0" sldId="2147485092"/>
-          </pc:sldLayoutMkLst>
-        </pc:sldLayoutChg>
-        <pc:sldLayoutChg chg="modSp">
-          <pc:chgData name="Zhao Jin" userId="cd05a825-544c-438a-9ba1-08e63db50b47" providerId="ADAL" clId="{E094A0D3-9008-D44F-B23F-E71F39C2BDEC}" dt="2021-01-27T04:58:20.523" v="47"/>
-          <pc:sldLayoutMkLst>
-            <pc:docMk/>
-            <pc:sldMasterMk cId="0" sldId="2147485087"/>
-            <pc:sldLayoutMk cId="0" sldId="2147485093"/>
-          </pc:sldLayoutMkLst>
-        </pc:sldLayoutChg>
-        <pc:sldLayoutChg chg="modSp">
-          <pc:chgData name="Zhao Jin" userId="cd05a825-544c-438a-9ba1-08e63db50b47" providerId="ADAL" clId="{E094A0D3-9008-D44F-B23F-E71F39C2BDEC}" dt="2021-01-27T04:58:20.523" v="47"/>
-          <pc:sldLayoutMkLst>
-            <pc:docMk/>
-            <pc:sldMasterMk cId="0" sldId="2147485087"/>
-            <pc:sldLayoutMk cId="0" sldId="2147485094"/>
-          </pc:sldLayoutMkLst>
-        </pc:sldLayoutChg>
-        <pc:sldLayoutChg chg="modSp">
-          <pc:chgData name="Zhao Jin" userId="cd05a825-544c-438a-9ba1-08e63db50b47" providerId="ADAL" clId="{E094A0D3-9008-D44F-B23F-E71F39C2BDEC}" dt="2021-01-27T04:58:20.523" v="47"/>
-          <pc:sldLayoutMkLst>
-            <pc:docMk/>
-            <pc:sldMasterMk cId="0" sldId="2147485087"/>
-            <pc:sldLayoutMk cId="0" sldId="2147485095"/>
-          </pc:sldLayoutMkLst>
-        </pc:sldLayoutChg>
-        <pc:sldLayoutChg chg="modSp">
-          <pc:chgData name="Zhao Jin" userId="cd05a825-544c-438a-9ba1-08e63db50b47" providerId="ADAL" clId="{E094A0D3-9008-D44F-B23F-E71F39C2BDEC}" dt="2021-01-27T04:58:20.523" v="47"/>
-          <pc:sldLayoutMkLst>
-            <pc:docMk/>
-            <pc:sldMasterMk cId="0" sldId="2147485087"/>
-            <pc:sldLayoutMk cId="0" sldId="2147485096"/>
-          </pc:sldLayoutMkLst>
-        </pc:sldLayoutChg>
-        <pc:sldLayoutChg chg="modSp">
-          <pc:chgData name="Zhao Jin" userId="cd05a825-544c-438a-9ba1-08e63db50b47" providerId="ADAL" clId="{E094A0D3-9008-D44F-B23F-E71F39C2BDEC}" dt="2021-01-27T04:58:20.523" v="47"/>
-          <pc:sldLayoutMkLst>
-            <pc:docMk/>
-            <pc:sldMasterMk cId="0" sldId="2147485087"/>
-            <pc:sldLayoutMk cId="0" sldId="2147485097"/>
-          </pc:sldLayoutMkLst>
-        </pc:sldLayoutChg>
-        <pc:sldLayoutChg chg="modSp">
-          <pc:chgData name="Zhao Jin" userId="cd05a825-544c-438a-9ba1-08e63db50b47" providerId="ADAL" clId="{E094A0D3-9008-D44F-B23F-E71F39C2BDEC}" dt="2021-01-27T04:58:20.523" v="47"/>
-          <pc:sldLayoutMkLst>
-            <pc:docMk/>
-            <pc:sldMasterMk cId="0" sldId="2147485087"/>
-            <pc:sldLayoutMk cId="0" sldId="2147485098"/>
-          </pc:sldLayoutMkLst>
-        </pc:sldLayoutChg>
-      </pc:sldMasterChg>
-    </pc:docChg>
-  </pc:docChgLst>
-  <pc:docChgLst>
-    <pc:chgData name="Zhao Jin" userId="cd05a825-544c-438a-9ba1-08e63db50b47" providerId="ADAL" clId="{4BFAB2EB-8D83-42E8-89A1-11BD800CF5F5}"/>
-    <pc:docChg chg="addSld delSld modSld modMainMaster">
-      <pc:chgData name="Zhao Jin" userId="cd05a825-544c-438a-9ba1-08e63db50b47" providerId="ADAL" clId="{4BFAB2EB-8D83-42E8-89A1-11BD800CF5F5}" dt="2025-01-07T07:41:26.189" v="6"/>
-      <pc:docMkLst>
-        <pc:docMk/>
-      </pc:docMkLst>
-      <pc:sldChg chg="modSp">
-        <pc:chgData name="Zhao Jin" userId="cd05a825-544c-438a-9ba1-08e63db50b47" providerId="ADAL" clId="{4BFAB2EB-8D83-42E8-89A1-11BD800CF5F5}" dt="2025-01-07T07:41:26.189" v="6"/>
-        <pc:sldMkLst>
-          <pc:docMk/>
-          <pc:sldMk cId="0" sldId="256"/>
-        </pc:sldMkLst>
-        <pc:spChg chg="mod">
-          <ac:chgData name="Zhao Jin" userId="cd05a825-544c-438a-9ba1-08e63db50b47" providerId="ADAL" clId="{4BFAB2EB-8D83-42E8-89A1-11BD800CF5F5}" dt="2025-01-07T07:41:26.189" v="6"/>
-          <ac:spMkLst>
-            <pc:docMk/>
-            <pc:sldMk cId="0" sldId="256"/>
-            <ac:spMk id="9" creationId="{00000000-0000-0000-0000-000000000000}"/>
-          </ac:spMkLst>
-        </pc:spChg>
-      </pc:sldChg>
-      <pc:sldChg chg="modSp">
-        <pc:chgData name="Zhao Jin" userId="cd05a825-544c-438a-9ba1-08e63db50b47" providerId="ADAL" clId="{4BFAB2EB-8D83-42E8-89A1-11BD800CF5F5}" dt="2025-01-07T07:41:26.189" v="6"/>
-        <pc:sldMkLst>
-          <pc:docMk/>
-          <pc:sldMk cId="2438607696" sldId="468"/>
-        </pc:sldMkLst>
-        <pc:spChg chg="mod">
-          <ac:chgData name="Zhao Jin" userId="cd05a825-544c-438a-9ba1-08e63db50b47" providerId="ADAL" clId="{4BFAB2EB-8D83-42E8-89A1-11BD800CF5F5}" dt="2025-01-07T07:41:26.189" v="6"/>
-          <ac:spMkLst>
-            <pc:docMk/>
-            <pc:sldMk cId="2438607696" sldId="468"/>
-            <ac:spMk id="2" creationId="{45752414-098B-87AE-DD16-98633FAA8993}"/>
-          </ac:spMkLst>
-        </pc:spChg>
-      </pc:sldChg>
-      <pc:sldChg chg="modSp add del">
-        <pc:chgData name="Zhao Jin" userId="cd05a825-544c-438a-9ba1-08e63db50b47" providerId="ADAL" clId="{4BFAB2EB-8D83-42E8-89A1-11BD800CF5F5}" dt="2025-01-07T07:41:26.189" v="6"/>
-        <pc:sldMkLst>
-          <pc:docMk/>
-          <pc:sldMk cId="1067695719" sldId="526"/>
-        </pc:sldMkLst>
-        <pc:spChg chg="mod">
-          <ac:chgData name="Zhao Jin" userId="cd05a825-544c-438a-9ba1-08e63db50b47" providerId="ADAL" clId="{4BFAB2EB-8D83-42E8-89A1-11BD800CF5F5}" dt="2025-01-07T07:41:26.189" v="6"/>
-          <ac:spMkLst>
-            <pc:docMk/>
-            <pc:sldMk cId="1067695719" sldId="526"/>
-            <ac:spMk id="2" creationId="{80722E12-952D-377A-7070-890C2965A67E}"/>
-          </ac:spMkLst>
-        </pc:spChg>
-      </pc:sldChg>
-      <pc:sldChg chg="modSp add del">
-        <pc:chgData name="Zhao Jin" userId="cd05a825-544c-438a-9ba1-08e63db50b47" providerId="ADAL" clId="{4BFAB2EB-8D83-42E8-89A1-11BD800CF5F5}" dt="2025-01-07T07:41:26.189" v="6"/>
-        <pc:sldMkLst>
-          <pc:docMk/>
-          <pc:sldMk cId="2573090601" sldId="546"/>
-        </pc:sldMkLst>
-        <pc:spChg chg="mod">
-          <ac:chgData name="Zhao Jin" userId="cd05a825-544c-438a-9ba1-08e63db50b47" providerId="ADAL" clId="{4BFAB2EB-8D83-42E8-89A1-11BD800CF5F5}" dt="2025-01-07T07:41:26.189" v="6"/>
-          <ac:spMkLst>
-            <pc:docMk/>
-            <pc:sldMk cId="2573090601" sldId="546"/>
-            <ac:spMk id="2" creationId="{6857682E-AAB4-E5C3-B559-ABF67A4033AE}"/>
-          </ac:spMkLst>
-        </pc:spChg>
-      </pc:sldChg>
-      <pc:sldChg chg="modSp add">
-        <pc:chgData name="Zhao Jin" userId="cd05a825-544c-438a-9ba1-08e63db50b47" providerId="ADAL" clId="{4BFAB2EB-8D83-42E8-89A1-11BD800CF5F5}" dt="2025-01-07T07:41:26.189" v="6"/>
-        <pc:sldMkLst>
-          <pc:docMk/>
-          <pc:sldMk cId="473476986" sldId="547"/>
-        </pc:sldMkLst>
-      </pc:sldChg>
-      <pc:sldChg chg="modSp add">
-        <pc:chgData name="Zhao Jin" userId="cd05a825-544c-438a-9ba1-08e63db50b47" providerId="ADAL" clId="{4BFAB2EB-8D83-42E8-89A1-11BD800CF5F5}" dt="2025-01-07T07:41:26.189" v="6"/>
-        <pc:sldMkLst>
-          <pc:docMk/>
-          <pc:sldMk cId="2236963605" sldId="550"/>
-        </pc:sldMkLst>
-      </pc:sldChg>
-      <pc:sldChg chg="modSp">
-        <pc:chgData name="Zhao Jin" userId="cd05a825-544c-438a-9ba1-08e63db50b47" providerId="ADAL" clId="{4BFAB2EB-8D83-42E8-89A1-11BD800CF5F5}" dt="2025-01-07T07:41:26.189" v="6"/>
-        <pc:sldMkLst>
-          <pc:docMk/>
-          <pc:sldMk cId="1427618944" sldId="553"/>
-        </pc:sldMkLst>
-        <pc:spChg chg="mod">
-          <ac:chgData name="Zhao Jin" userId="cd05a825-544c-438a-9ba1-08e63db50b47" providerId="ADAL" clId="{4BFAB2EB-8D83-42E8-89A1-11BD800CF5F5}" dt="2025-01-07T07:41:26.189" v="6"/>
-          <ac:spMkLst>
-            <pc:docMk/>
-            <pc:sldMk cId="1427618944" sldId="553"/>
-            <ac:spMk id="4" creationId="{9E056E0A-92D6-0FAA-FCBB-5930EEF5AF85}"/>
-          </ac:spMkLst>
-        </pc:spChg>
-      </pc:sldChg>
-      <pc:sldChg chg="modSp">
-        <pc:chgData name="Zhao Jin" userId="cd05a825-544c-438a-9ba1-08e63db50b47" providerId="ADAL" clId="{4BFAB2EB-8D83-42E8-89A1-11BD800CF5F5}" dt="2025-01-07T07:41:26.189" v="6"/>
-        <pc:sldMkLst>
-          <pc:docMk/>
-          <pc:sldMk cId="211149325" sldId="589"/>
-        </pc:sldMkLst>
-        <pc:spChg chg="mod">
-          <ac:chgData name="Zhao Jin" userId="cd05a825-544c-438a-9ba1-08e63db50b47" providerId="ADAL" clId="{4BFAB2EB-8D83-42E8-89A1-11BD800CF5F5}" dt="2025-01-07T07:41:26.189" v="6"/>
-          <ac:spMkLst>
-            <pc:docMk/>
-            <pc:sldMk cId="211149325" sldId="589"/>
-            <ac:spMk id="2" creationId="{DC931019-8FC1-1771-C75B-124697CBAB7C}"/>
-          </ac:spMkLst>
-        </pc:spChg>
-      </pc:sldChg>
-      <pc:sldChg chg="modSp">
-        <pc:chgData name="Zhao Jin" userId="cd05a825-544c-438a-9ba1-08e63db50b47" providerId="ADAL" clId="{4BFAB2EB-8D83-42E8-89A1-11BD800CF5F5}" dt="2025-01-07T07:41:26.189" v="6"/>
-        <pc:sldMkLst>
-          <pc:docMk/>
-          <pc:sldMk cId="567798019" sldId="591"/>
-        </pc:sldMkLst>
-        <pc:spChg chg="mod">
-          <ac:chgData name="Zhao Jin" userId="cd05a825-544c-438a-9ba1-08e63db50b47" providerId="ADAL" clId="{4BFAB2EB-8D83-42E8-89A1-11BD800CF5F5}" dt="2025-01-07T07:41:26.189" v="6"/>
-          <ac:spMkLst>
-            <pc:docMk/>
-            <pc:sldMk cId="567798019" sldId="591"/>
-            <ac:spMk id="2" creationId="{5DB04DA2-209E-448A-9D3D-69B24EFFB06E}"/>
-          </ac:spMkLst>
-        </pc:spChg>
-      </pc:sldChg>
-      <pc:sldChg chg="modSp">
-        <pc:chgData name="Zhao Jin" userId="cd05a825-544c-438a-9ba1-08e63db50b47" providerId="ADAL" clId="{4BFAB2EB-8D83-42E8-89A1-11BD800CF5F5}" dt="2025-01-07T07:41:26.189" v="6"/>
-        <pc:sldMkLst>
-          <pc:docMk/>
-          <pc:sldMk cId="2889169307" sldId="601"/>
-        </pc:sldMkLst>
-        <pc:spChg chg="mod">
-          <ac:chgData name="Zhao Jin" userId="cd05a825-544c-438a-9ba1-08e63db50b47" providerId="ADAL" clId="{4BFAB2EB-8D83-42E8-89A1-11BD800CF5F5}" dt="2025-01-07T07:41:26.189" v="6"/>
-          <ac:spMkLst>
-            <pc:docMk/>
-            <pc:sldMk cId="2889169307" sldId="601"/>
-            <ac:spMk id="2" creationId="{47AFC227-A0FC-B9CA-BC7E-9D1665284EEB}"/>
-          </ac:spMkLst>
-        </pc:spChg>
-      </pc:sldChg>
-      <pc:sldChg chg="modSp add del">
-        <pc:chgData name="Zhao Jin" userId="cd05a825-544c-438a-9ba1-08e63db50b47" providerId="ADAL" clId="{4BFAB2EB-8D83-42E8-89A1-11BD800CF5F5}" dt="2025-01-07T07:41:26.189" v="6"/>
-        <pc:sldMkLst>
-          <pc:docMk/>
-          <pc:sldMk cId="1542002799" sldId="602"/>
-        </pc:sldMkLst>
-        <pc:spChg chg="mod">
-          <ac:chgData name="Zhao Jin" userId="cd05a825-544c-438a-9ba1-08e63db50b47" providerId="ADAL" clId="{4BFAB2EB-8D83-42E8-89A1-11BD800CF5F5}" dt="2025-01-07T07:41:26.189" v="6"/>
-          <ac:spMkLst>
-            <pc:docMk/>
-            <pc:sldMk cId="1542002799" sldId="602"/>
-            <ac:spMk id="2" creationId="{0188D8F8-9342-A343-88E6-48CC6E776424}"/>
-          </ac:spMkLst>
-        </pc:spChg>
-      </pc:sldChg>
-      <pc:sldChg chg="modSp">
-        <pc:chgData name="Zhao Jin" userId="cd05a825-544c-438a-9ba1-08e63db50b47" providerId="ADAL" clId="{4BFAB2EB-8D83-42E8-89A1-11BD800CF5F5}" dt="2025-01-07T07:41:26.189" v="6"/>
-        <pc:sldMkLst>
-          <pc:docMk/>
-          <pc:sldMk cId="3500386061" sldId="603"/>
-        </pc:sldMkLst>
-        <pc:spChg chg="mod">
-          <ac:chgData name="Zhao Jin" userId="cd05a825-544c-438a-9ba1-08e63db50b47" providerId="ADAL" clId="{4BFAB2EB-8D83-42E8-89A1-11BD800CF5F5}" dt="2025-01-07T07:41:26.189" v="6"/>
-          <ac:spMkLst>
-            <pc:docMk/>
-            <pc:sldMk cId="3500386061" sldId="603"/>
-            <ac:spMk id="2" creationId="{45EC3A2F-B341-F2E6-ACBA-CF37701A687C}"/>
-          </ac:spMkLst>
-        </pc:spChg>
-      </pc:sldChg>
-      <pc:sldChg chg="modSp">
-        <pc:chgData name="Zhao Jin" userId="cd05a825-544c-438a-9ba1-08e63db50b47" providerId="ADAL" clId="{4BFAB2EB-8D83-42E8-89A1-11BD800CF5F5}" dt="2025-01-07T07:41:26.189" v="6"/>
-        <pc:sldMkLst>
-          <pc:docMk/>
-          <pc:sldMk cId="2489370454" sldId="604"/>
-        </pc:sldMkLst>
-        <pc:spChg chg="mod">
-          <ac:chgData name="Zhao Jin" userId="cd05a825-544c-438a-9ba1-08e63db50b47" providerId="ADAL" clId="{4BFAB2EB-8D83-42E8-89A1-11BD800CF5F5}" dt="2025-01-07T07:41:26.189" v="6"/>
-          <ac:spMkLst>
-            <pc:docMk/>
-            <pc:sldMk cId="2489370454" sldId="604"/>
-            <ac:spMk id="2" creationId="{AC36313C-50D9-AD9F-78AF-31E108767456}"/>
-          </ac:spMkLst>
-        </pc:spChg>
-      </pc:sldChg>
-      <pc:sldChg chg="modSp">
-        <pc:chgData name="Zhao Jin" userId="cd05a825-544c-438a-9ba1-08e63db50b47" providerId="ADAL" clId="{4BFAB2EB-8D83-42E8-89A1-11BD800CF5F5}" dt="2025-01-07T07:41:26.189" v="6"/>
-        <pc:sldMkLst>
-          <pc:docMk/>
-          <pc:sldMk cId="3128770740" sldId="605"/>
-        </pc:sldMkLst>
-        <pc:spChg chg="mod">
-          <ac:chgData name="Zhao Jin" userId="cd05a825-544c-438a-9ba1-08e63db50b47" providerId="ADAL" clId="{4BFAB2EB-8D83-42E8-89A1-11BD800CF5F5}" dt="2025-01-07T07:41:26.189" v="6"/>
-          <ac:spMkLst>
-            <pc:docMk/>
-            <pc:sldMk cId="3128770740" sldId="605"/>
-            <ac:spMk id="2" creationId="{ED9E188D-5F90-EA4C-C407-4D1673D97F53}"/>
-          </ac:spMkLst>
-        </pc:spChg>
-      </pc:sldChg>
-      <pc:sldChg chg="modSp">
-        <pc:chgData name="Zhao Jin" userId="cd05a825-544c-438a-9ba1-08e63db50b47" providerId="ADAL" clId="{4BFAB2EB-8D83-42E8-89A1-11BD800CF5F5}" dt="2025-01-07T07:41:26.189" v="6"/>
-        <pc:sldMkLst>
-          <pc:docMk/>
-          <pc:sldMk cId="3444732307" sldId="606"/>
-        </pc:sldMkLst>
-        <pc:spChg chg="mod">
-          <ac:chgData name="Zhao Jin" userId="cd05a825-544c-438a-9ba1-08e63db50b47" providerId="ADAL" clId="{4BFAB2EB-8D83-42E8-89A1-11BD800CF5F5}" dt="2025-01-07T07:41:26.189" v="6"/>
-          <ac:spMkLst>
-            <pc:docMk/>
-            <pc:sldMk cId="3444732307" sldId="606"/>
-            <ac:spMk id="2" creationId="{082C5566-521B-CEDE-F75B-D1B29AAA47A2}"/>
-          </ac:spMkLst>
-        </pc:spChg>
-      </pc:sldChg>
-      <pc:sldChg chg="modSp">
-        <pc:chgData name="Zhao Jin" userId="cd05a825-544c-438a-9ba1-08e63db50b47" providerId="ADAL" clId="{4BFAB2EB-8D83-42E8-89A1-11BD800CF5F5}" dt="2025-01-07T07:41:26.189" v="6"/>
-        <pc:sldMkLst>
-          <pc:docMk/>
-          <pc:sldMk cId="3198546536" sldId="607"/>
-        </pc:sldMkLst>
-        <pc:spChg chg="mod">
-          <ac:chgData name="Zhao Jin" userId="cd05a825-544c-438a-9ba1-08e63db50b47" providerId="ADAL" clId="{4BFAB2EB-8D83-42E8-89A1-11BD800CF5F5}" dt="2025-01-07T07:41:26.189" v="6"/>
-          <ac:spMkLst>
-            <pc:docMk/>
-            <pc:sldMk cId="3198546536" sldId="607"/>
-            <ac:spMk id="2" creationId="{030B2292-AA3C-F748-1D75-597858C47AC9}"/>
-          </ac:spMkLst>
-        </pc:spChg>
-      </pc:sldChg>
-      <pc:sldChg chg="modSp">
-        <pc:chgData name="Zhao Jin" userId="cd05a825-544c-438a-9ba1-08e63db50b47" providerId="ADAL" clId="{4BFAB2EB-8D83-42E8-89A1-11BD800CF5F5}" dt="2025-01-07T07:41:26.189" v="6"/>
-        <pc:sldMkLst>
-          <pc:docMk/>
-          <pc:sldMk cId="190401359" sldId="608"/>
-        </pc:sldMkLst>
-        <pc:spChg chg="mod">
-          <ac:chgData name="Zhao Jin" userId="cd05a825-544c-438a-9ba1-08e63db50b47" providerId="ADAL" clId="{4BFAB2EB-8D83-42E8-89A1-11BD800CF5F5}" dt="2025-01-07T07:41:26.189" v="6"/>
-          <ac:spMkLst>
-            <pc:docMk/>
-            <pc:sldMk cId="190401359" sldId="608"/>
-            <ac:spMk id="2" creationId="{082C5566-521B-CEDE-F75B-D1B29AAA47A2}"/>
-          </ac:spMkLst>
-        </pc:spChg>
-      </pc:sldChg>
-      <pc:sldChg chg="add del">
-        <pc:chgData name="Zhao Jin" userId="cd05a825-544c-438a-9ba1-08e63db50b47" providerId="ADAL" clId="{4BFAB2EB-8D83-42E8-89A1-11BD800CF5F5}" dt="2024-12-27T08:45:50.761" v="3" actId="47"/>
-        <pc:sldMkLst>
-          <pc:docMk/>
-          <pc:sldMk cId="0" sldId="609"/>
-        </pc:sldMkLst>
-      </pc:sldChg>
-      <pc:sldChg chg="add del">
-        <pc:chgData name="Zhao Jin" userId="cd05a825-544c-438a-9ba1-08e63db50b47" providerId="ADAL" clId="{4BFAB2EB-8D83-42E8-89A1-11BD800CF5F5}" dt="2024-12-27T08:45:50.761" v="3" actId="47"/>
-        <pc:sldMkLst>
-          <pc:docMk/>
-          <pc:sldMk cId="368990321" sldId="610"/>
-        </pc:sldMkLst>
-      </pc:sldChg>
-      <pc:sldChg chg="add del">
-        <pc:chgData name="Zhao Jin" userId="cd05a825-544c-438a-9ba1-08e63db50b47" providerId="ADAL" clId="{4BFAB2EB-8D83-42E8-89A1-11BD800CF5F5}" dt="2024-12-27T08:45:50.761" v="3" actId="47"/>
-        <pc:sldMkLst>
-          <pc:docMk/>
-          <pc:sldMk cId="1787874657" sldId="611"/>
-        </pc:sldMkLst>
-      </pc:sldChg>
-      <pc:sldChg chg="add del">
-        <pc:chgData name="Zhao Jin" userId="cd05a825-544c-438a-9ba1-08e63db50b47" providerId="ADAL" clId="{4BFAB2EB-8D83-42E8-89A1-11BD800CF5F5}" dt="2024-12-27T08:45:50.761" v="3" actId="47"/>
-        <pc:sldMkLst>
-          <pc:docMk/>
-          <pc:sldMk cId="1094276337" sldId="612"/>
-        </pc:sldMkLst>
-      </pc:sldChg>
-      <pc:sldChg chg="add del">
-        <pc:chgData name="Zhao Jin" userId="cd05a825-544c-438a-9ba1-08e63db50b47" providerId="ADAL" clId="{4BFAB2EB-8D83-42E8-89A1-11BD800CF5F5}" dt="2024-12-27T08:45:50.761" v="3" actId="47"/>
-        <pc:sldMkLst>
-          <pc:docMk/>
-          <pc:sldMk cId="830535321" sldId="613"/>
-        </pc:sldMkLst>
-      </pc:sldChg>
-      <pc:sldChg chg="add">
-        <pc:chgData name="Zhao Jin" userId="cd05a825-544c-438a-9ba1-08e63db50b47" providerId="ADAL" clId="{4BFAB2EB-8D83-42E8-89A1-11BD800CF5F5}" dt="2024-12-27T08:44:07.977" v="1"/>
-        <pc:sldMkLst>
-          <pc:docMk/>
-          <pc:sldMk cId="0" sldId="614"/>
-        </pc:sldMkLst>
-      </pc:sldChg>
-      <pc:sldChg chg="modSp add">
-        <pc:chgData name="Zhao Jin" userId="cd05a825-544c-438a-9ba1-08e63db50b47" providerId="ADAL" clId="{4BFAB2EB-8D83-42E8-89A1-11BD800CF5F5}" dt="2025-01-07T07:41:26.189" v="6"/>
-        <pc:sldMkLst>
-          <pc:docMk/>
-          <pc:sldMk cId="2483082200" sldId="615"/>
-        </pc:sldMkLst>
-      </pc:sldChg>
-      <pc:sldChg chg="modSp add">
-        <pc:chgData name="Zhao Jin" userId="cd05a825-544c-438a-9ba1-08e63db50b47" providerId="ADAL" clId="{4BFAB2EB-8D83-42E8-89A1-11BD800CF5F5}" dt="2025-01-07T07:41:26.189" v="6"/>
-        <pc:sldMkLst>
-          <pc:docMk/>
-          <pc:sldMk cId="1258830549" sldId="635"/>
-        </pc:sldMkLst>
-      </pc:sldChg>
-      <pc:sldChg chg="modSp add">
-        <pc:chgData name="Zhao Jin" userId="cd05a825-544c-438a-9ba1-08e63db50b47" providerId="ADAL" clId="{4BFAB2EB-8D83-42E8-89A1-11BD800CF5F5}" dt="2025-01-07T07:41:26.189" v="6"/>
-        <pc:sldMkLst>
-          <pc:docMk/>
-          <pc:sldMk cId="4129378151" sldId="636"/>
-        </pc:sldMkLst>
-      </pc:sldChg>
-      <pc:sldChg chg="modSp add">
-        <pc:chgData name="Zhao Jin" userId="cd05a825-544c-438a-9ba1-08e63db50b47" providerId="ADAL" clId="{4BFAB2EB-8D83-42E8-89A1-11BD800CF5F5}" dt="2025-01-07T07:41:26.189" v="6"/>
-        <pc:sldMkLst>
-          <pc:docMk/>
-          <pc:sldMk cId="3388943502" sldId="637"/>
-        </pc:sldMkLst>
-      </pc:sldChg>
-      <pc:sldChg chg="modSp add">
-        <pc:chgData name="Zhao Jin" userId="cd05a825-544c-438a-9ba1-08e63db50b47" providerId="ADAL" clId="{4BFAB2EB-8D83-42E8-89A1-11BD800CF5F5}" dt="2025-01-07T07:41:26.189" v="6"/>
-        <pc:sldMkLst>
-          <pc:docMk/>
-          <pc:sldMk cId="1252576829" sldId="639"/>
-        </pc:sldMkLst>
-      </pc:sldChg>
-      <pc:sldChg chg="modSp add">
-        <pc:chgData name="Zhao Jin" userId="cd05a825-544c-438a-9ba1-08e63db50b47" providerId="ADAL" clId="{4BFAB2EB-8D83-42E8-89A1-11BD800CF5F5}" dt="2025-01-07T07:41:26.189" v="6"/>
-        <pc:sldMkLst>
-          <pc:docMk/>
-          <pc:sldMk cId="649273319" sldId="640"/>
-        </pc:sldMkLst>
-      </pc:sldChg>
-      <pc:sldChg chg="add">
-        <pc:chgData name="Zhao Jin" userId="cd05a825-544c-438a-9ba1-08e63db50b47" providerId="ADAL" clId="{4BFAB2EB-8D83-42E8-89A1-11BD800CF5F5}" dt="2024-12-27T08:44:27.980" v="2"/>
-        <pc:sldMkLst>
-          <pc:docMk/>
-          <pc:sldMk cId="0" sldId="641"/>
-        </pc:sldMkLst>
-      </pc:sldChg>
-      <pc:sldChg chg="modSp add">
-        <pc:chgData name="Zhao Jin" userId="cd05a825-544c-438a-9ba1-08e63db50b47" providerId="ADAL" clId="{4BFAB2EB-8D83-42E8-89A1-11BD800CF5F5}" dt="2025-01-07T07:41:26.189" v="6"/>
-        <pc:sldMkLst>
-          <pc:docMk/>
-          <pc:sldMk cId="2096711721" sldId="642"/>
-        </pc:sldMkLst>
-        <pc:spChg chg="mod">
-          <ac:chgData name="Zhao Jin" userId="cd05a825-544c-438a-9ba1-08e63db50b47" providerId="ADAL" clId="{4BFAB2EB-8D83-42E8-89A1-11BD800CF5F5}" dt="2025-01-07T07:41:26.189" v="6"/>
-          <ac:spMkLst>
-            <pc:docMk/>
-            <pc:sldMk cId="2096711721" sldId="642"/>
-            <ac:spMk id="2" creationId="{B48EAC7A-9386-AC4C-8CA7-0BAEC8F760C8}"/>
-          </ac:spMkLst>
-        </pc:spChg>
-      </pc:sldChg>
-      <pc:sldChg chg="modSp add">
-        <pc:chgData name="Zhao Jin" userId="cd05a825-544c-438a-9ba1-08e63db50b47" providerId="ADAL" clId="{4BFAB2EB-8D83-42E8-89A1-11BD800CF5F5}" dt="2025-01-07T07:41:26.189" v="6"/>
-        <pc:sldMkLst>
-          <pc:docMk/>
-          <pc:sldMk cId="1614333187" sldId="643"/>
-        </pc:sldMkLst>
-        <pc:spChg chg="mod">
-          <ac:chgData name="Zhao Jin" userId="cd05a825-544c-438a-9ba1-08e63db50b47" providerId="ADAL" clId="{4BFAB2EB-8D83-42E8-89A1-11BD800CF5F5}" dt="2025-01-07T07:41:26.189" v="6"/>
-          <ac:spMkLst>
-            <pc:docMk/>
-            <pc:sldMk cId="1614333187" sldId="643"/>
-            <ac:spMk id="2" creationId="{153C668E-88F3-8561-5F06-B228A0DCEFF5}"/>
-          </ac:spMkLst>
-        </pc:spChg>
-      </pc:sldChg>
-      <pc:sldChg chg="modSp add">
-        <pc:chgData name="Zhao Jin" userId="cd05a825-544c-438a-9ba1-08e63db50b47" providerId="ADAL" clId="{4BFAB2EB-8D83-42E8-89A1-11BD800CF5F5}" dt="2025-01-07T07:41:26.189" v="6"/>
-        <pc:sldMkLst>
-          <pc:docMk/>
-          <pc:sldMk cId="841095690" sldId="644"/>
-        </pc:sldMkLst>
-        <pc:spChg chg="mod">
-          <ac:chgData name="Zhao Jin" userId="cd05a825-544c-438a-9ba1-08e63db50b47" providerId="ADAL" clId="{4BFAB2EB-8D83-42E8-89A1-11BD800CF5F5}" dt="2025-01-07T07:41:26.189" v="6"/>
-          <ac:spMkLst>
-            <pc:docMk/>
-            <pc:sldMk cId="841095690" sldId="644"/>
-            <ac:spMk id="2" creationId="{81C14435-A7EA-FD6C-EE4A-8BF64CFBEC70}"/>
-          </ac:spMkLst>
-        </pc:spChg>
-      </pc:sldChg>
-      <pc:sldChg chg="modSp add">
-        <pc:chgData name="Zhao Jin" userId="cd05a825-544c-438a-9ba1-08e63db50b47" providerId="ADAL" clId="{4BFAB2EB-8D83-42E8-89A1-11BD800CF5F5}" dt="2025-01-07T07:41:26.189" v="6"/>
-        <pc:sldMkLst>
-          <pc:docMk/>
-          <pc:sldMk cId="3269496185" sldId="645"/>
-        </pc:sldMkLst>
-        <pc:spChg chg="mod">
-          <ac:chgData name="Zhao Jin" userId="cd05a825-544c-438a-9ba1-08e63db50b47" providerId="ADAL" clId="{4BFAB2EB-8D83-42E8-89A1-11BD800CF5F5}" dt="2025-01-07T07:41:26.189" v="6"/>
-          <ac:spMkLst>
-            <pc:docMk/>
-            <pc:sldMk cId="3269496185" sldId="645"/>
-            <ac:spMk id="2" creationId="{A7789296-2197-0397-C280-B8B8471FB059}"/>
-          </ac:spMkLst>
-        </pc:spChg>
-      </pc:sldChg>
-      <pc:sldChg chg="modSp add">
-        <pc:chgData name="Zhao Jin" userId="cd05a825-544c-438a-9ba1-08e63db50b47" providerId="ADAL" clId="{4BFAB2EB-8D83-42E8-89A1-11BD800CF5F5}" dt="2025-01-07T07:41:26.189" v="6"/>
-        <pc:sldMkLst>
-          <pc:docMk/>
-          <pc:sldMk cId="383092526" sldId="646"/>
-        </pc:sldMkLst>
-        <pc:spChg chg="mod">
-          <ac:chgData name="Zhao Jin" userId="cd05a825-544c-438a-9ba1-08e63db50b47" providerId="ADAL" clId="{4BFAB2EB-8D83-42E8-89A1-11BD800CF5F5}" dt="2025-01-07T07:41:26.189" v="6"/>
-          <ac:spMkLst>
-            <pc:docMk/>
-            <pc:sldMk cId="383092526" sldId="646"/>
-            <ac:spMk id="2" creationId="{E43B9791-971D-E11E-3966-7D221ABD910F}"/>
-          </ac:spMkLst>
-        </pc:spChg>
-      </pc:sldChg>
-      <pc:sldChg chg="modSp add">
-        <pc:chgData name="Zhao Jin" userId="cd05a825-544c-438a-9ba1-08e63db50b47" providerId="ADAL" clId="{4BFAB2EB-8D83-42E8-89A1-11BD800CF5F5}" dt="2025-01-07T07:41:26.189" v="6"/>
-        <pc:sldMkLst>
-          <pc:docMk/>
-          <pc:sldMk cId="4206022336" sldId="647"/>
-        </pc:sldMkLst>
-        <pc:spChg chg="mod">
-          <ac:chgData name="Zhao Jin" userId="cd05a825-544c-438a-9ba1-08e63db50b47" providerId="ADAL" clId="{4BFAB2EB-8D83-42E8-89A1-11BD800CF5F5}" dt="2025-01-07T07:41:26.189" v="6"/>
-          <ac:spMkLst>
-            <pc:docMk/>
-            <pc:sldMk cId="4206022336" sldId="647"/>
-            <ac:spMk id="2" creationId="{EE45CF22-BE72-040C-C6F4-BDF37B52C51E}"/>
-          </ac:spMkLst>
-        </pc:spChg>
-      </pc:sldChg>
-      <pc:sldChg chg="modSp add">
-        <pc:chgData name="Zhao Jin" userId="cd05a825-544c-438a-9ba1-08e63db50b47" providerId="ADAL" clId="{4BFAB2EB-8D83-42E8-89A1-11BD800CF5F5}" dt="2025-01-07T07:41:26.189" v="6"/>
-        <pc:sldMkLst>
-          <pc:docMk/>
-          <pc:sldMk cId="2649651371" sldId="648"/>
-        </pc:sldMkLst>
-        <pc:spChg chg="mod">
-          <ac:chgData name="Zhao Jin" userId="cd05a825-544c-438a-9ba1-08e63db50b47" providerId="ADAL" clId="{4BFAB2EB-8D83-42E8-89A1-11BD800CF5F5}" dt="2025-01-07T07:41:26.189" v="6"/>
-          <ac:spMkLst>
-            <pc:docMk/>
-            <pc:sldMk cId="2649651371" sldId="648"/>
-            <ac:spMk id="2" creationId="{EE45CF22-BE72-040C-C6F4-BDF37B52C51E}"/>
-          </ac:spMkLst>
-        </pc:spChg>
-      </pc:sldChg>
-      <pc:sldChg chg="modSp add">
-        <pc:chgData name="Zhao Jin" userId="cd05a825-544c-438a-9ba1-08e63db50b47" providerId="ADAL" clId="{4BFAB2EB-8D83-42E8-89A1-11BD800CF5F5}" dt="2025-01-07T07:41:26.189" v="6"/>
-        <pc:sldMkLst>
-          <pc:docMk/>
-          <pc:sldMk cId="262557688" sldId="649"/>
-        </pc:sldMkLst>
-        <pc:spChg chg="mod">
-          <ac:chgData name="Zhao Jin" userId="cd05a825-544c-438a-9ba1-08e63db50b47" providerId="ADAL" clId="{4BFAB2EB-8D83-42E8-89A1-11BD800CF5F5}" dt="2025-01-07T07:41:26.189" v="6"/>
-          <ac:spMkLst>
-            <pc:docMk/>
-            <pc:sldMk cId="262557688" sldId="649"/>
-            <ac:spMk id="2" creationId="{DA489119-0C2C-886E-5733-2F4F6F290BDC}"/>
-          </ac:spMkLst>
-        </pc:spChg>
-      </pc:sldChg>
-      <pc:sldChg chg="add">
-        <pc:chgData name="Zhao Jin" userId="cd05a825-544c-438a-9ba1-08e63db50b47" providerId="ADAL" clId="{4BFAB2EB-8D83-42E8-89A1-11BD800CF5F5}" dt="2024-12-27T08:45:53.230" v="4"/>
-        <pc:sldMkLst>
-          <pc:docMk/>
-          <pc:sldMk cId="0" sldId="650"/>
-        </pc:sldMkLst>
-      </pc:sldChg>
-      <pc:sldChg chg="modSp add">
-        <pc:chgData name="Zhao Jin" userId="cd05a825-544c-438a-9ba1-08e63db50b47" providerId="ADAL" clId="{4BFAB2EB-8D83-42E8-89A1-11BD800CF5F5}" dt="2025-01-07T07:41:26.189" v="6"/>
-        <pc:sldMkLst>
-          <pc:docMk/>
-          <pc:sldMk cId="3132571862" sldId="651"/>
-        </pc:sldMkLst>
-        <pc:spChg chg="mod">
-          <ac:chgData name="Zhao Jin" userId="cd05a825-544c-438a-9ba1-08e63db50b47" providerId="ADAL" clId="{4BFAB2EB-8D83-42E8-89A1-11BD800CF5F5}" dt="2025-01-07T07:41:26.189" v="6"/>
-          <ac:spMkLst>
-            <pc:docMk/>
-            <pc:sldMk cId="3132571862" sldId="651"/>
-            <ac:spMk id="2" creationId="{A7486F6E-62A5-0591-BCF0-1A82ED841246}"/>
-          </ac:spMkLst>
-        </pc:spChg>
-      </pc:sldChg>
-      <pc:sldChg chg="modSp add">
-        <pc:chgData name="Zhao Jin" userId="cd05a825-544c-438a-9ba1-08e63db50b47" providerId="ADAL" clId="{4BFAB2EB-8D83-42E8-89A1-11BD800CF5F5}" dt="2025-01-07T07:41:26.189" v="6"/>
-        <pc:sldMkLst>
-          <pc:docMk/>
-          <pc:sldMk cId="359293320" sldId="652"/>
-        </pc:sldMkLst>
-        <pc:spChg chg="mod">
-          <ac:chgData name="Zhao Jin" userId="cd05a825-544c-438a-9ba1-08e63db50b47" providerId="ADAL" clId="{4BFAB2EB-8D83-42E8-89A1-11BD800CF5F5}" dt="2025-01-07T07:41:26.189" v="6"/>
-          <ac:spMkLst>
-            <pc:docMk/>
-            <pc:sldMk cId="359293320" sldId="652"/>
-            <ac:spMk id="2" creationId="{FBB6D88E-D21E-F735-040B-E7012021DD75}"/>
-          </ac:spMkLst>
-        </pc:spChg>
-      </pc:sldChg>
-      <pc:sldChg chg="modSp add">
-        <pc:chgData name="Zhao Jin" userId="cd05a825-544c-438a-9ba1-08e63db50b47" providerId="ADAL" clId="{4BFAB2EB-8D83-42E8-89A1-11BD800CF5F5}" dt="2025-01-07T07:41:26.189" v="6"/>
-        <pc:sldMkLst>
-          <pc:docMk/>
-          <pc:sldMk cId="1094276337" sldId="653"/>
-        </pc:sldMkLst>
-        <pc:spChg chg="mod">
-          <ac:chgData name="Zhao Jin" userId="cd05a825-544c-438a-9ba1-08e63db50b47" providerId="ADAL" clId="{4BFAB2EB-8D83-42E8-89A1-11BD800CF5F5}" dt="2025-01-07T07:41:26.189" v="6"/>
-          <ac:spMkLst>
-            <pc:docMk/>
-            <pc:sldMk cId="1094276337" sldId="653"/>
-            <ac:spMk id="2" creationId="{C8DEEF86-9D13-73DB-3170-D55F404F45C0}"/>
-          </ac:spMkLst>
-        </pc:spChg>
-      </pc:sldChg>
-      <pc:sldChg chg="modSp add">
-        <pc:chgData name="Zhao Jin" userId="cd05a825-544c-438a-9ba1-08e63db50b47" providerId="ADAL" clId="{4BFAB2EB-8D83-42E8-89A1-11BD800CF5F5}" dt="2025-01-07T07:41:26.189" v="6"/>
-        <pc:sldMkLst>
-          <pc:docMk/>
-          <pc:sldMk cId="830535321" sldId="654"/>
-        </pc:sldMkLst>
-        <pc:spChg chg="mod">
-          <ac:chgData name="Zhao Jin" userId="cd05a825-544c-438a-9ba1-08e63db50b47" providerId="ADAL" clId="{4BFAB2EB-8D83-42E8-89A1-11BD800CF5F5}" dt="2025-01-07T07:41:26.189" v="6"/>
-          <ac:spMkLst>
-            <pc:docMk/>
-            <pc:sldMk cId="830535321" sldId="654"/>
-            <ac:spMk id="2" creationId="{7030F1BD-56C9-9518-077C-30B865740AB4}"/>
-          </ac:spMkLst>
-        </pc:spChg>
-      </pc:sldChg>
-      <pc:sldChg chg="add">
-        <pc:chgData name="Zhao Jin" userId="cd05a825-544c-438a-9ba1-08e63db50b47" providerId="ADAL" clId="{4BFAB2EB-8D83-42E8-89A1-11BD800CF5F5}" dt="2024-12-27T08:46:34.857" v="5"/>
-        <pc:sldMkLst>
-          <pc:docMk/>
-          <pc:sldMk cId="0" sldId="655"/>
-        </pc:sldMkLst>
-      </pc:sldChg>
-      <pc:sldChg chg="modSp add">
-        <pc:chgData name="Zhao Jin" userId="cd05a825-544c-438a-9ba1-08e63db50b47" providerId="ADAL" clId="{4BFAB2EB-8D83-42E8-89A1-11BD800CF5F5}" dt="2025-01-07T07:41:26.189" v="6"/>
-        <pc:sldMkLst>
-          <pc:docMk/>
-          <pc:sldMk cId="4294703002" sldId="656"/>
-        </pc:sldMkLst>
-        <pc:spChg chg="mod">
-          <ac:chgData name="Zhao Jin" userId="cd05a825-544c-438a-9ba1-08e63db50b47" providerId="ADAL" clId="{4BFAB2EB-8D83-42E8-89A1-11BD800CF5F5}" dt="2025-01-07T07:41:26.189" v="6"/>
-          <ac:spMkLst>
-            <pc:docMk/>
-            <pc:sldMk cId="4294703002" sldId="656"/>
-            <ac:spMk id="2" creationId="{8B562099-D21B-5241-AD16-7A6B7A97FA08}"/>
-          </ac:spMkLst>
-        </pc:spChg>
-      </pc:sldChg>
-      <pc:sldChg chg="modSp add">
-        <pc:chgData name="Zhao Jin" userId="cd05a825-544c-438a-9ba1-08e63db50b47" providerId="ADAL" clId="{4BFAB2EB-8D83-42E8-89A1-11BD800CF5F5}" dt="2025-01-07T07:41:26.189" v="6"/>
-        <pc:sldMkLst>
-          <pc:docMk/>
-          <pc:sldMk cId="3719883506" sldId="657"/>
-        </pc:sldMkLst>
-        <pc:spChg chg="mod">
-          <ac:chgData name="Zhao Jin" userId="cd05a825-544c-438a-9ba1-08e63db50b47" providerId="ADAL" clId="{4BFAB2EB-8D83-42E8-89A1-11BD800CF5F5}" dt="2025-01-07T07:41:26.189" v="6"/>
-          <ac:spMkLst>
-            <pc:docMk/>
-            <pc:sldMk cId="3719883506" sldId="657"/>
-            <ac:spMk id="2" creationId="{1FFE512C-D11B-5129-593B-14ACEE989FB2}"/>
-          </ac:spMkLst>
-        </pc:spChg>
-      </pc:sldChg>
-      <pc:sldChg chg="modSp add">
-        <pc:chgData name="Zhao Jin" userId="cd05a825-544c-438a-9ba1-08e63db50b47" providerId="ADAL" clId="{4BFAB2EB-8D83-42E8-89A1-11BD800CF5F5}" dt="2025-01-07T07:41:26.189" v="6"/>
-        <pc:sldMkLst>
-          <pc:docMk/>
-          <pc:sldMk cId="497558956" sldId="658"/>
-        </pc:sldMkLst>
-        <pc:spChg chg="mod">
-          <ac:chgData name="Zhao Jin" userId="cd05a825-544c-438a-9ba1-08e63db50b47" providerId="ADAL" clId="{4BFAB2EB-8D83-42E8-89A1-11BD800CF5F5}" dt="2025-01-07T07:41:26.189" v="6"/>
-          <ac:spMkLst>
-            <pc:docMk/>
-            <pc:sldMk cId="497558956" sldId="658"/>
-            <ac:spMk id="2" creationId="{ED8D9AE1-2A65-BA01-28CF-BD67E54BA8A8}"/>
-          </ac:spMkLst>
-        </pc:spChg>
-      </pc:sldChg>
-      <pc:sldChg chg="modSp add">
-        <pc:chgData name="Zhao Jin" userId="cd05a825-544c-438a-9ba1-08e63db50b47" providerId="ADAL" clId="{4BFAB2EB-8D83-42E8-89A1-11BD800CF5F5}" dt="2025-01-07T07:41:26.189" v="6"/>
-        <pc:sldMkLst>
-          <pc:docMk/>
-          <pc:sldMk cId="3772712696" sldId="659"/>
-        </pc:sldMkLst>
-        <pc:spChg chg="mod">
-          <ac:chgData name="Zhao Jin" userId="cd05a825-544c-438a-9ba1-08e63db50b47" providerId="ADAL" clId="{4BFAB2EB-8D83-42E8-89A1-11BD800CF5F5}" dt="2025-01-07T07:41:26.189" v="6"/>
-          <ac:spMkLst>
-            <pc:docMk/>
-            <pc:sldMk cId="3772712696" sldId="659"/>
-            <ac:spMk id="2" creationId="{4CBBDBB8-381D-A223-6842-507D8A538E6E}"/>
-          </ac:spMkLst>
-        </pc:spChg>
-      </pc:sldChg>
-      <pc:sldChg chg="modSp add">
-        <pc:chgData name="Zhao Jin" userId="cd05a825-544c-438a-9ba1-08e63db50b47" providerId="ADAL" clId="{4BFAB2EB-8D83-42E8-89A1-11BD800CF5F5}" dt="2025-01-07T07:41:26.189" v="6"/>
-        <pc:sldMkLst>
-          <pc:docMk/>
-          <pc:sldMk cId="2847604429" sldId="660"/>
-        </pc:sldMkLst>
-        <pc:spChg chg="mod">
-          <ac:chgData name="Zhao Jin" userId="cd05a825-544c-438a-9ba1-08e63db50b47" providerId="ADAL" clId="{4BFAB2EB-8D83-42E8-89A1-11BD800CF5F5}" dt="2025-01-07T07:41:26.189" v="6"/>
-          <ac:spMkLst>
-            <pc:docMk/>
-            <pc:sldMk cId="2847604429" sldId="660"/>
-            <ac:spMk id="2" creationId="{F5D41E03-693E-A9BC-B3DA-CCCBB04A322B}"/>
-          </ac:spMkLst>
-        </pc:spChg>
-      </pc:sldChg>
-      <pc:sldChg chg="modSp add">
-        <pc:chgData name="Zhao Jin" userId="cd05a825-544c-438a-9ba1-08e63db50b47" providerId="ADAL" clId="{4BFAB2EB-8D83-42E8-89A1-11BD800CF5F5}" dt="2025-01-07T07:41:26.189" v="6"/>
-        <pc:sldMkLst>
-          <pc:docMk/>
-          <pc:sldMk cId="783540612" sldId="661"/>
-        </pc:sldMkLst>
-        <pc:spChg chg="mod">
-          <ac:chgData name="Zhao Jin" userId="cd05a825-544c-438a-9ba1-08e63db50b47" providerId="ADAL" clId="{4BFAB2EB-8D83-42E8-89A1-11BD800CF5F5}" dt="2025-01-07T07:41:26.189" v="6"/>
-          <ac:spMkLst>
-            <pc:docMk/>
-            <pc:sldMk cId="783540612" sldId="661"/>
-            <ac:spMk id="3" creationId="{EC6E70B5-E899-9C33-E0BF-8C53A6E7F15D}"/>
-          </ac:spMkLst>
-        </pc:spChg>
-      </pc:sldChg>
-      <pc:sldChg chg="modSp add">
-        <pc:chgData name="Zhao Jin" userId="cd05a825-544c-438a-9ba1-08e63db50b47" providerId="ADAL" clId="{4BFAB2EB-8D83-42E8-89A1-11BD800CF5F5}" dt="2025-01-07T07:41:26.189" v="6"/>
-        <pc:sldMkLst>
-          <pc:docMk/>
-          <pc:sldMk cId="1856385546" sldId="662"/>
-        </pc:sldMkLst>
-        <pc:spChg chg="mod">
-          <ac:chgData name="Zhao Jin" userId="cd05a825-544c-438a-9ba1-08e63db50b47" providerId="ADAL" clId="{4BFAB2EB-8D83-42E8-89A1-11BD800CF5F5}" dt="2025-01-07T07:41:26.189" v="6"/>
-          <ac:spMkLst>
-            <pc:docMk/>
-            <pc:sldMk cId="1856385546" sldId="662"/>
-            <ac:spMk id="3" creationId="{28D82A10-5B53-8A23-16C5-4FA7EADE1DD7}"/>
-          </ac:spMkLst>
-        </pc:spChg>
-      </pc:sldChg>
-      <pc:sldChg chg="modSp add">
-        <pc:chgData name="Zhao Jin" userId="cd05a825-544c-438a-9ba1-08e63db50b47" providerId="ADAL" clId="{4BFAB2EB-8D83-42E8-89A1-11BD800CF5F5}" dt="2025-01-07T07:41:26.189" v="6"/>
-        <pc:sldMkLst>
-          <pc:docMk/>
-          <pc:sldMk cId="907656601" sldId="663"/>
-        </pc:sldMkLst>
-        <pc:spChg chg="mod">
-          <ac:chgData name="Zhao Jin" userId="cd05a825-544c-438a-9ba1-08e63db50b47" providerId="ADAL" clId="{4BFAB2EB-8D83-42E8-89A1-11BD800CF5F5}" dt="2025-01-07T07:41:26.189" v="6"/>
-          <ac:spMkLst>
-            <pc:docMk/>
-            <pc:sldMk cId="907656601" sldId="663"/>
-            <ac:spMk id="3" creationId="{C44E59DF-E85B-F301-6D07-FD34DE6690B8}"/>
-          </ac:spMkLst>
-        </pc:spChg>
-      </pc:sldChg>
-      <pc:sldMasterChg chg="modSp modSldLayout">
-        <pc:chgData name="Zhao Jin" userId="cd05a825-544c-438a-9ba1-08e63db50b47" providerId="ADAL" clId="{4BFAB2EB-8D83-42E8-89A1-11BD800CF5F5}" dt="2025-01-07T07:41:26.189" v="6"/>
-        <pc:sldMasterMkLst>
-          <pc:docMk/>
-          <pc:sldMasterMk cId="0" sldId="2147485087"/>
-        </pc:sldMasterMkLst>
-        <pc:spChg chg="mod">
-          <ac:chgData name="Zhao Jin" userId="cd05a825-544c-438a-9ba1-08e63db50b47" providerId="ADAL" clId="{4BFAB2EB-8D83-42E8-89A1-11BD800CF5F5}" dt="2025-01-07T07:41:26.189" v="6"/>
-          <ac:spMkLst>
-            <pc:docMk/>
-            <pc:sldMasterMk cId="0" sldId="2147485087"/>
-            <ac:spMk id="5" creationId="{00000000-0000-0000-0000-000000000000}"/>
-          </ac:spMkLst>
-        </pc:spChg>
-        <pc:sldLayoutChg chg="modSp">
-          <pc:chgData name="Zhao Jin" userId="cd05a825-544c-438a-9ba1-08e63db50b47" providerId="ADAL" clId="{4BFAB2EB-8D83-42E8-89A1-11BD800CF5F5}" dt="2025-01-07T07:41:26.189" v="6"/>
-          <pc:sldLayoutMkLst>
-            <pc:docMk/>
-            <pc:sldMasterMk cId="0" sldId="2147485087"/>
-            <pc:sldLayoutMk cId="0" sldId="2147485088"/>
-          </pc:sldLayoutMkLst>
-          <pc:spChg chg="mod">
-            <ac:chgData name="Zhao Jin" userId="cd05a825-544c-438a-9ba1-08e63db50b47" providerId="ADAL" clId="{4BFAB2EB-8D83-42E8-89A1-11BD800CF5F5}" dt="2025-01-07T07:41:26.189" v="6"/>
-            <ac:spMkLst>
-              <pc:docMk/>
-              <pc:sldMasterMk cId="0" sldId="2147485087"/>
-              <pc:sldLayoutMk cId="0" sldId="2147485088"/>
-              <ac:spMk id="5" creationId="{00000000-0000-0000-0000-000000000000}"/>
-            </ac:spMkLst>
-          </pc:spChg>
-        </pc:sldLayoutChg>
-        <pc:sldLayoutChg chg="modSp">
-          <pc:chgData name="Zhao Jin" userId="cd05a825-544c-438a-9ba1-08e63db50b47" providerId="ADAL" clId="{4BFAB2EB-8D83-42E8-89A1-11BD800CF5F5}" dt="2025-01-07T07:41:26.189" v="6"/>
-          <pc:sldLayoutMkLst>
-            <pc:docMk/>
-            <pc:sldMasterMk cId="0" sldId="2147485087"/>
-            <pc:sldLayoutMk cId="0" sldId="2147485089"/>
-          </pc:sldLayoutMkLst>
-          <pc:spChg chg="mod">
-            <ac:chgData name="Zhao Jin" userId="cd05a825-544c-438a-9ba1-08e63db50b47" providerId="ADAL" clId="{4BFAB2EB-8D83-42E8-89A1-11BD800CF5F5}" dt="2025-01-07T07:41:26.189" v="6"/>
-            <ac:spMkLst>
-              <pc:docMk/>
-              <pc:sldMasterMk cId="0" sldId="2147485087"/>
-              <pc:sldLayoutMk cId="0" sldId="2147485089"/>
-              <ac:spMk id="5" creationId="{00000000-0000-0000-0000-000000000000}"/>
-            </ac:spMkLst>
-          </pc:spChg>
-        </pc:sldLayoutChg>
-        <pc:sldLayoutChg chg="modSp">
-          <pc:chgData name="Zhao Jin" userId="cd05a825-544c-438a-9ba1-08e63db50b47" providerId="ADAL" clId="{4BFAB2EB-8D83-42E8-89A1-11BD800CF5F5}" dt="2025-01-07T07:41:26.189" v="6"/>
-          <pc:sldLayoutMkLst>
-            <pc:docMk/>
-            <pc:sldMasterMk cId="0" sldId="2147485087"/>
-            <pc:sldLayoutMk cId="0" sldId="2147485090"/>
-          </pc:sldLayoutMkLst>
-          <pc:spChg chg="mod">
-            <ac:chgData name="Zhao Jin" userId="cd05a825-544c-438a-9ba1-08e63db50b47" providerId="ADAL" clId="{4BFAB2EB-8D83-42E8-89A1-11BD800CF5F5}" dt="2025-01-07T07:41:26.189" v="6"/>
-            <ac:spMkLst>
-              <pc:docMk/>
-              <pc:sldMasterMk cId="0" sldId="2147485087"/>
-              <pc:sldLayoutMk cId="0" sldId="2147485090"/>
-              <ac:spMk id="5" creationId="{00000000-0000-0000-0000-000000000000}"/>
-            </ac:spMkLst>
-          </pc:spChg>
-        </pc:sldLayoutChg>
-        <pc:sldLayoutChg chg="modSp">
-          <pc:chgData name="Zhao Jin" userId="cd05a825-544c-438a-9ba1-08e63db50b47" providerId="ADAL" clId="{4BFAB2EB-8D83-42E8-89A1-11BD800CF5F5}" dt="2025-01-07T07:41:26.189" v="6"/>
-          <pc:sldLayoutMkLst>
-            <pc:docMk/>
-            <pc:sldMasterMk cId="0" sldId="2147485087"/>
-            <pc:sldLayoutMk cId="0" sldId="2147485091"/>
-          </pc:sldLayoutMkLst>
-          <pc:spChg chg="mod">
-            <ac:chgData name="Zhao Jin" userId="cd05a825-544c-438a-9ba1-08e63db50b47" providerId="ADAL" clId="{4BFAB2EB-8D83-42E8-89A1-11BD800CF5F5}" dt="2025-01-07T07:41:26.189" v="6"/>
-            <ac:spMkLst>
-              <pc:docMk/>
-              <pc:sldMasterMk cId="0" sldId="2147485087"/>
-              <pc:sldLayoutMk cId="0" sldId="2147485091"/>
-              <ac:spMk id="6" creationId="{00000000-0000-0000-0000-000000000000}"/>
-            </ac:spMkLst>
-          </pc:spChg>
-        </pc:sldLayoutChg>
-        <pc:sldLayoutChg chg="modSp">
-          <pc:chgData name="Zhao Jin" userId="cd05a825-544c-438a-9ba1-08e63db50b47" providerId="ADAL" clId="{4BFAB2EB-8D83-42E8-89A1-11BD800CF5F5}" dt="2025-01-07T07:41:26.189" v="6"/>
-          <pc:sldLayoutMkLst>
-            <pc:docMk/>
-            <pc:sldMasterMk cId="0" sldId="2147485087"/>
-            <pc:sldLayoutMk cId="0" sldId="2147485092"/>
-          </pc:sldLayoutMkLst>
-          <pc:spChg chg="mod">
-            <ac:chgData name="Zhao Jin" userId="cd05a825-544c-438a-9ba1-08e63db50b47" providerId="ADAL" clId="{4BFAB2EB-8D83-42E8-89A1-11BD800CF5F5}" dt="2025-01-07T07:41:26.189" v="6"/>
-            <ac:spMkLst>
-              <pc:docMk/>
-              <pc:sldMasterMk cId="0" sldId="2147485087"/>
-              <pc:sldLayoutMk cId="0" sldId="2147485092"/>
-              <ac:spMk id="8" creationId="{00000000-0000-0000-0000-000000000000}"/>
-            </ac:spMkLst>
-          </pc:spChg>
-        </pc:sldLayoutChg>
-        <pc:sldLayoutChg chg="modSp">
-          <pc:chgData name="Zhao Jin" userId="cd05a825-544c-438a-9ba1-08e63db50b47" providerId="ADAL" clId="{4BFAB2EB-8D83-42E8-89A1-11BD800CF5F5}" dt="2025-01-07T07:41:26.189" v="6"/>
-          <pc:sldLayoutMkLst>
-            <pc:docMk/>
-            <pc:sldMasterMk cId="0" sldId="2147485087"/>
-            <pc:sldLayoutMk cId="0" sldId="2147485093"/>
-          </pc:sldLayoutMkLst>
-          <pc:spChg chg="mod">
-            <ac:chgData name="Zhao Jin" userId="cd05a825-544c-438a-9ba1-08e63db50b47" providerId="ADAL" clId="{4BFAB2EB-8D83-42E8-89A1-11BD800CF5F5}" dt="2025-01-07T07:41:26.189" v="6"/>
-            <ac:spMkLst>
-              <pc:docMk/>
-              <pc:sldMasterMk cId="0" sldId="2147485087"/>
-              <pc:sldLayoutMk cId="0" sldId="2147485093"/>
-              <ac:spMk id="4" creationId="{00000000-0000-0000-0000-000000000000}"/>
-            </ac:spMkLst>
-          </pc:spChg>
-        </pc:sldLayoutChg>
-        <pc:sldLayoutChg chg="modSp">
-          <pc:chgData name="Zhao Jin" userId="cd05a825-544c-438a-9ba1-08e63db50b47" providerId="ADAL" clId="{4BFAB2EB-8D83-42E8-89A1-11BD800CF5F5}" dt="2025-01-07T07:41:26.189" v="6"/>
-          <pc:sldLayoutMkLst>
-            <pc:docMk/>
-            <pc:sldMasterMk cId="0" sldId="2147485087"/>
-            <pc:sldLayoutMk cId="0" sldId="2147485094"/>
-          </pc:sldLayoutMkLst>
-          <pc:spChg chg="mod">
-            <ac:chgData name="Zhao Jin" userId="cd05a825-544c-438a-9ba1-08e63db50b47" providerId="ADAL" clId="{4BFAB2EB-8D83-42E8-89A1-11BD800CF5F5}" dt="2025-01-07T07:41:26.189" v="6"/>
-            <ac:spMkLst>
-              <pc:docMk/>
-              <pc:sldMasterMk cId="0" sldId="2147485087"/>
-              <pc:sldLayoutMk cId="0" sldId="2147485094"/>
-              <ac:spMk id="3" creationId="{00000000-0000-0000-0000-000000000000}"/>
-            </ac:spMkLst>
-          </pc:spChg>
-        </pc:sldLayoutChg>
-        <pc:sldLayoutChg chg="modSp">
-          <pc:chgData name="Zhao Jin" userId="cd05a825-544c-438a-9ba1-08e63db50b47" providerId="ADAL" clId="{4BFAB2EB-8D83-42E8-89A1-11BD800CF5F5}" dt="2025-01-07T07:41:26.189" v="6"/>
-          <pc:sldLayoutMkLst>
-            <pc:docMk/>
-            <pc:sldMasterMk cId="0" sldId="2147485087"/>
-            <pc:sldLayoutMk cId="0" sldId="2147485095"/>
-          </pc:sldLayoutMkLst>
-          <pc:spChg chg="mod">
-            <ac:chgData name="Zhao Jin" userId="cd05a825-544c-438a-9ba1-08e63db50b47" providerId="ADAL" clId="{4BFAB2EB-8D83-42E8-89A1-11BD800CF5F5}" dt="2025-01-07T07:41:26.189" v="6"/>
-            <ac:spMkLst>
-              <pc:docMk/>
-              <pc:sldMasterMk cId="0" sldId="2147485087"/>
-              <pc:sldLayoutMk cId="0" sldId="2147485095"/>
-              <ac:spMk id="6" creationId="{00000000-0000-0000-0000-000000000000}"/>
-            </ac:spMkLst>
-          </pc:spChg>
-        </pc:sldLayoutChg>
-        <pc:sldLayoutChg chg="modSp">
-          <pc:chgData name="Zhao Jin" userId="cd05a825-544c-438a-9ba1-08e63db50b47" providerId="ADAL" clId="{4BFAB2EB-8D83-42E8-89A1-11BD800CF5F5}" dt="2025-01-07T07:41:26.189" v="6"/>
-          <pc:sldLayoutMkLst>
-            <pc:docMk/>
-            <pc:sldMasterMk cId="0" sldId="2147485087"/>
-            <pc:sldLayoutMk cId="0" sldId="2147485096"/>
-          </pc:sldLayoutMkLst>
-          <pc:spChg chg="mod">
-            <ac:chgData name="Zhao Jin" userId="cd05a825-544c-438a-9ba1-08e63db50b47" providerId="ADAL" clId="{4BFAB2EB-8D83-42E8-89A1-11BD800CF5F5}" dt="2025-01-07T07:41:26.189" v="6"/>
-            <ac:spMkLst>
-              <pc:docMk/>
-              <pc:sldMasterMk cId="0" sldId="2147485087"/>
-              <pc:sldLayoutMk cId="0" sldId="2147485096"/>
-              <ac:spMk id="6" creationId="{00000000-0000-0000-0000-000000000000}"/>
-            </ac:spMkLst>
-          </pc:spChg>
-        </pc:sldLayoutChg>
-        <pc:sldLayoutChg chg="modSp">
-          <pc:chgData name="Zhao Jin" userId="cd05a825-544c-438a-9ba1-08e63db50b47" providerId="ADAL" clId="{4BFAB2EB-8D83-42E8-89A1-11BD800CF5F5}" dt="2025-01-07T07:41:26.189" v="6"/>
-          <pc:sldLayoutMkLst>
-            <pc:docMk/>
-            <pc:sldMasterMk cId="0" sldId="2147485087"/>
-            <pc:sldLayoutMk cId="0" sldId="2147485097"/>
-          </pc:sldLayoutMkLst>
-          <pc:spChg chg="mod">
-            <ac:chgData name="Zhao Jin" userId="cd05a825-544c-438a-9ba1-08e63db50b47" providerId="ADAL" clId="{4BFAB2EB-8D83-42E8-89A1-11BD800CF5F5}" dt="2025-01-07T07:41:26.189" v="6"/>
-            <ac:spMkLst>
-              <pc:docMk/>
-              <pc:sldMasterMk cId="0" sldId="2147485087"/>
-              <pc:sldLayoutMk cId="0" sldId="2147485097"/>
-              <ac:spMk id="5" creationId="{00000000-0000-0000-0000-000000000000}"/>
-            </ac:spMkLst>
-          </pc:spChg>
-        </pc:sldLayoutChg>
-        <pc:sldLayoutChg chg="modSp">
-          <pc:chgData name="Zhao Jin" userId="cd05a825-544c-438a-9ba1-08e63db50b47" providerId="ADAL" clId="{4BFAB2EB-8D83-42E8-89A1-11BD800CF5F5}" dt="2025-01-07T07:41:26.189" v="6"/>
-          <pc:sldLayoutMkLst>
-            <pc:docMk/>
-            <pc:sldMasterMk cId="0" sldId="2147485087"/>
-            <pc:sldLayoutMk cId="0" sldId="2147485098"/>
-          </pc:sldLayoutMkLst>
-          <pc:spChg chg="mod">
-            <ac:chgData name="Zhao Jin" userId="cd05a825-544c-438a-9ba1-08e63db50b47" providerId="ADAL" clId="{4BFAB2EB-8D83-42E8-89A1-11BD800CF5F5}" dt="2025-01-07T07:41:26.189" v="6"/>
-            <ac:spMkLst>
-              <pc:docMk/>
-              <pc:sldMasterMk cId="0" sldId="2147485087"/>
-              <pc:sldLayoutMk cId="0" sldId="2147485098"/>
-              <ac:spMk id="5" creationId="{00000000-0000-0000-0000-000000000000}"/>
-            </ac:spMkLst>
-          </pc:spChg>
-        </pc:sldLayoutChg>
-      </pc:sldMasterChg>
-    </pc:docChg>
-  </pc:docChgLst>
-  <pc:docChgLst>
-    <pc:chgData name="Zhao Jin" userId="cd05a825-544c-438a-9ba1-08e63db50b47" providerId="ADAL" clId="{3342749F-A4A3-4CC6-8E89-A279285BF1FF}"/>
-    <pc:docChg chg="undo custSel addSld delSld modSld sldOrd">
-      <pc:chgData name="Zhao Jin" userId="cd05a825-544c-438a-9ba1-08e63db50b47" providerId="ADAL" clId="{3342749F-A4A3-4CC6-8E89-A279285BF1FF}" dt="2021-01-25T08:18:19.440" v="5414" actId="20577"/>
-      <pc:docMkLst>
-        <pc:docMk/>
-      </pc:docMkLst>
-      <pc:sldChg chg="modSp mod">
-        <pc:chgData name="Zhao Jin" userId="cd05a825-544c-438a-9ba1-08e63db50b47" providerId="ADAL" clId="{3342749F-A4A3-4CC6-8E89-A279285BF1FF}" dt="2021-01-21T13:07:41.474" v="4692" actId="20577"/>
-        <pc:sldMkLst>
-          <pc:docMk/>
-          <pc:sldMk cId="2438607696" sldId="468"/>
-        </pc:sldMkLst>
-      </pc:sldChg>
-      <pc:sldChg chg="addSp delSp modSp add mod ord delAnim modAnim">
-        <pc:chgData name="Zhao Jin" userId="cd05a825-544c-438a-9ba1-08e63db50b47" providerId="ADAL" clId="{3342749F-A4A3-4CC6-8E89-A279285BF1FF}" dt="2021-01-21T14:37:58.440" v="5166" actId="1076"/>
-        <pc:sldMkLst>
-          <pc:docMk/>
-          <pc:sldMk cId="1311126165" sldId="485"/>
-        </pc:sldMkLst>
-      </pc:sldChg>
-      <pc:sldChg chg="del">
-        <pc:chgData name="Zhao Jin" userId="cd05a825-544c-438a-9ba1-08e63db50b47" providerId="ADAL" clId="{3342749F-A4A3-4CC6-8E89-A279285BF1FF}" dt="2021-01-21T11:55:17.003" v="1356" actId="47"/>
-        <pc:sldMkLst>
-          <pc:docMk/>
-          <pc:sldMk cId="1691474746" sldId="509"/>
-        </pc:sldMkLst>
-      </pc:sldChg>
-      <pc:sldChg chg="del">
-        <pc:chgData name="Zhao Jin" userId="cd05a825-544c-438a-9ba1-08e63db50b47" providerId="ADAL" clId="{3342749F-A4A3-4CC6-8E89-A279285BF1FF}" dt="2021-01-21T12:46:24.776" v="3775" actId="47"/>
-        <pc:sldMkLst>
-          <pc:docMk/>
-          <pc:sldMk cId="3813801240" sldId="511"/>
-        </pc:sldMkLst>
-      </pc:sldChg>
-      <pc:sldChg chg="del">
-        <pc:chgData name="Zhao Jin" userId="cd05a825-544c-438a-9ba1-08e63db50b47" providerId="ADAL" clId="{3342749F-A4A3-4CC6-8E89-A279285BF1FF}" dt="2021-01-21T12:46:24.776" v="3775" actId="47"/>
-        <pc:sldMkLst>
-          <pc:docMk/>
-          <pc:sldMk cId="39845570" sldId="522"/>
-        </pc:sldMkLst>
-      </pc:sldChg>
-      <pc:sldChg chg="del">
-        <pc:chgData name="Zhao Jin" userId="cd05a825-544c-438a-9ba1-08e63db50b47" providerId="ADAL" clId="{3342749F-A4A3-4CC6-8E89-A279285BF1FF}" dt="2021-01-21T12:46:24.776" v="3775" actId="47"/>
-        <pc:sldMkLst>
-          <pc:docMk/>
-          <pc:sldMk cId="2544506794" sldId="525"/>
-        </pc:sldMkLst>
-      </pc:sldChg>
-      <pc:sldChg chg="del">
-        <pc:chgData name="Zhao Jin" userId="cd05a825-544c-438a-9ba1-08e63db50b47" providerId="ADAL" clId="{3342749F-A4A3-4CC6-8E89-A279285BF1FF}" dt="2021-01-21T12:34:31.848" v="3107" actId="47"/>
-        <pc:sldMkLst>
-          <pc:docMk/>
-          <pc:sldMk cId="1799330761" sldId="528"/>
-        </pc:sldMkLst>
-      </pc:sldChg>
-      <pc:sldChg chg="del">
-        <pc:chgData name="Zhao Jin" userId="cd05a825-544c-438a-9ba1-08e63db50b47" providerId="ADAL" clId="{3342749F-A4A3-4CC6-8E89-A279285BF1FF}" dt="2021-01-21T11:55:17.946" v="1357" actId="47"/>
-        <pc:sldMkLst>
-          <pc:docMk/>
-          <pc:sldMk cId="436156561" sldId="530"/>
-        </pc:sldMkLst>
-      </pc:sldChg>
-      <pc:sldChg chg="addSp delSp modSp mod delAnim modAnim">
-        <pc:chgData name="Zhao Jin" userId="cd05a825-544c-438a-9ba1-08e63db50b47" providerId="ADAL" clId="{3342749F-A4A3-4CC6-8E89-A279285BF1FF}" dt="2021-01-21T13:07:20.308" v="4636" actId="478"/>
-        <pc:sldMkLst>
-          <pc:docMk/>
-          <pc:sldMk cId="681224785" sldId="531"/>
-        </pc:sldMkLst>
-      </pc:sldChg>
-      <pc:sldChg chg="del">
-        <pc:chgData name="Zhao Jin" userId="cd05a825-544c-438a-9ba1-08e63db50b47" providerId="ADAL" clId="{3342749F-A4A3-4CC6-8E89-A279285BF1FF}" dt="2021-01-21T11:55:18.413" v="1358" actId="47"/>
-        <pc:sldMkLst>
-          <pc:docMk/>
-          <pc:sldMk cId="3275268416" sldId="532"/>
-        </pc:sldMkLst>
-      </pc:sldChg>
-      <pc:sldChg chg="del">
-        <pc:chgData name="Zhao Jin" userId="cd05a825-544c-438a-9ba1-08e63db50b47" providerId="ADAL" clId="{3342749F-A4A3-4CC6-8E89-A279285BF1FF}" dt="2021-01-21T12:46:24.776" v="3775" actId="47"/>
-        <pc:sldMkLst>
-          <pc:docMk/>
-          <pc:sldMk cId="4265878996" sldId="534"/>
-        </pc:sldMkLst>
-      </pc:sldChg>
-      <pc:sldChg chg="del">
-        <pc:chgData name="Zhao Jin" userId="cd05a825-544c-438a-9ba1-08e63db50b47" providerId="ADAL" clId="{3342749F-A4A3-4CC6-8E89-A279285BF1FF}" dt="2021-01-21T12:46:24.776" v="3775" actId="47"/>
-        <pc:sldMkLst>
-          <pc:docMk/>
-          <pc:sldMk cId="1582525615" sldId="535"/>
-        </pc:sldMkLst>
-      </pc:sldChg>
-      <pc:sldChg chg="del">
-        <pc:chgData name="Zhao Jin" userId="cd05a825-544c-438a-9ba1-08e63db50b47" providerId="ADAL" clId="{3342749F-A4A3-4CC6-8E89-A279285BF1FF}" dt="2021-01-21T12:46:24.776" v="3775" actId="47"/>
-        <pc:sldMkLst>
-          <pc:docMk/>
-          <pc:sldMk cId="1344427664" sldId="537"/>
-        </pc:sldMkLst>
-      </pc:sldChg>
-      <pc:sldChg chg="del">
-        <pc:chgData name="Zhao Jin" userId="cd05a825-544c-438a-9ba1-08e63db50b47" providerId="ADAL" clId="{3342749F-A4A3-4CC6-8E89-A279285BF1FF}" dt="2021-01-21T12:46:24.776" v="3775" actId="47"/>
-        <pc:sldMkLst>
-          <pc:docMk/>
-          <pc:sldMk cId="2851665547" sldId="538"/>
-        </pc:sldMkLst>
-      </pc:sldChg>
-      <pc:sldChg chg="del">
-        <pc:chgData name="Zhao Jin" userId="cd05a825-544c-438a-9ba1-08e63db50b47" providerId="ADAL" clId="{3342749F-A4A3-4CC6-8E89-A279285BF1FF}" dt="2021-01-21T12:46:24.776" v="3775" actId="47"/>
-        <pc:sldMkLst>
-          <pc:docMk/>
-          <pc:sldMk cId="1293966413" sldId="539"/>
-        </pc:sldMkLst>
-      </pc:sldChg>
-      <pc:sldChg chg="del">
-        <pc:chgData name="Zhao Jin" userId="cd05a825-544c-438a-9ba1-08e63db50b47" providerId="ADAL" clId="{3342749F-A4A3-4CC6-8E89-A279285BF1FF}" dt="2021-01-21T12:46:24.776" v="3775" actId="47"/>
-        <pc:sldMkLst>
-          <pc:docMk/>
-          <pc:sldMk cId="3008340486" sldId="540"/>
-        </pc:sldMkLst>
-      </pc:sldChg>
-      <pc:sldChg chg="del">
-        <pc:chgData name="Zhao Jin" userId="cd05a825-544c-438a-9ba1-08e63db50b47" providerId="ADAL" clId="{3342749F-A4A3-4CC6-8E89-A279285BF1FF}" dt="2021-01-21T12:46:24.776" v="3775" actId="47"/>
-        <pc:sldMkLst>
-          <pc:docMk/>
-          <pc:sldMk cId="3466905673" sldId="541"/>
-        </pc:sldMkLst>
-      </pc:sldChg>
-      <pc:sldChg chg="del">
-        <pc:chgData name="Zhao Jin" userId="cd05a825-544c-438a-9ba1-08e63db50b47" providerId="ADAL" clId="{3342749F-A4A3-4CC6-8E89-A279285BF1FF}" dt="2021-01-21T12:46:24.776" v="3775" actId="47"/>
-        <pc:sldMkLst>
-          <pc:docMk/>
-          <pc:sldMk cId="3028826392" sldId="542"/>
-        </pc:sldMkLst>
-      </pc:sldChg>
-      <pc:sldChg chg="del">
-        <pc:chgData name="Zhao Jin" userId="cd05a825-544c-438a-9ba1-08e63db50b47" providerId="ADAL" clId="{3342749F-A4A3-4CC6-8E89-A279285BF1FF}" dt="2021-01-21T12:46:24.776" v="3775" actId="47"/>
-        <pc:sldMkLst>
-          <pc:docMk/>
-          <pc:sldMk cId="2442193536" sldId="543"/>
-        </pc:sldMkLst>
-      </pc:sldChg>
-      <pc:sldChg chg="del">
-        <pc:chgData name="Zhao Jin" userId="cd05a825-544c-438a-9ba1-08e63db50b47" providerId="ADAL" clId="{3342749F-A4A3-4CC6-8E89-A279285BF1FF}" dt="2021-01-21T12:46:24.776" v="3775" actId="47"/>
-        <pc:sldMkLst>
-          <pc:docMk/>
-          <pc:sldMk cId="3813214823" sldId="544"/>
-        </pc:sldMkLst>
-      </pc:sldChg>
-      <pc:sldChg chg="del">
-        <pc:chgData name="Zhao Jin" userId="cd05a825-544c-438a-9ba1-08e63db50b47" providerId="ADAL" clId="{3342749F-A4A3-4CC6-8E89-A279285BF1FF}" dt="2021-01-21T12:46:24.776" v="3775" actId="47"/>
-        <pc:sldMkLst>
-          <pc:docMk/>
-          <pc:sldMk cId="3246666524" sldId="545"/>
-        </pc:sldMkLst>
-      </pc:sldChg>
-      <pc:sldChg chg="addSp delSp modSp mod addAnim delAnim modAnim">
-        <pc:chgData name="Zhao Jin" userId="cd05a825-544c-438a-9ba1-08e63db50b47" providerId="ADAL" clId="{3342749F-A4A3-4CC6-8E89-A279285BF1FF}" dt="2021-01-25T05:04:08.003" v="5348" actId="20577"/>
-        <pc:sldMkLst>
-          <pc:docMk/>
-          <pc:sldMk cId="901453530" sldId="546"/>
-        </pc:sldMkLst>
-      </pc:sldChg>
-      <pc:sldChg chg="addSp delSp modSp add mod delAnim modAnim">
-        <pc:chgData name="Zhao Jin" userId="cd05a825-544c-438a-9ba1-08e63db50b47" providerId="ADAL" clId="{3342749F-A4A3-4CC6-8E89-A279285BF1FF}" dt="2021-01-21T12:36:01.034" v="3240" actId="20577"/>
-        <pc:sldMkLst>
-          <pc:docMk/>
-          <pc:sldMk cId="884841463" sldId="547"/>
-        </pc:sldMkLst>
-      </pc:sldChg>
-      <pc:sldChg chg="delSp modSp add mod ord">
-        <pc:chgData name="Zhao Jin" userId="cd05a825-544c-438a-9ba1-08e63db50b47" providerId="ADAL" clId="{3342749F-A4A3-4CC6-8E89-A279285BF1FF}" dt="2021-01-21T12:38:32.362" v="3394" actId="13926"/>
-        <pc:sldMkLst>
-          <pc:docMk/>
-          <pc:sldMk cId="1617257579" sldId="548"/>
-        </pc:sldMkLst>
-      </pc:sldChg>
-      <pc:sldChg chg="add del">
-        <pc:chgData name="Zhao Jin" userId="cd05a825-544c-438a-9ba1-08e63db50b47" providerId="ADAL" clId="{3342749F-A4A3-4CC6-8E89-A279285BF1FF}" dt="2021-01-21T11:57:31.154" v="1403"/>
-        <pc:sldMkLst>
-          <pc:docMk/>
-          <pc:sldMk cId="2581467069" sldId="549"/>
-        </pc:sldMkLst>
-      </pc:sldChg>
-      <pc:sldChg chg="addSp delSp modSp add mod ord modAnim">
-        <pc:chgData name="Zhao Jin" userId="cd05a825-544c-438a-9ba1-08e63db50b47" providerId="ADAL" clId="{3342749F-A4A3-4CC6-8E89-A279285BF1FF}" dt="2021-01-25T08:18:19.440" v="5414" actId="20577"/>
-        <pc:sldMkLst>
-          <pc:docMk/>
-          <pc:sldMk cId="3394924879" sldId="549"/>
-        </pc:sldMkLst>
-      </pc:sldChg>
-      <pc:sldChg chg="add del">
-        <pc:chgData name="Zhao Jin" userId="cd05a825-544c-438a-9ba1-08e63db50b47" providerId="ADAL" clId="{3342749F-A4A3-4CC6-8E89-A279285BF1FF}" dt="2021-01-21T12:37:58.528" v="3388"/>
-        <pc:sldMkLst>
-          <pc:docMk/>
-          <pc:sldMk cId="710474135" sldId="550"/>
-        </pc:sldMkLst>
-      </pc:sldChg>
-      <pc:sldChg chg="addSp delSp modSp add mod delAnim modAnim">
-        <pc:chgData name="Zhao Jin" userId="cd05a825-544c-438a-9ba1-08e63db50b47" providerId="ADAL" clId="{3342749F-A4A3-4CC6-8E89-A279285BF1FF}" dt="2021-01-21T13:53:36.950" v="5126" actId="1076"/>
-        <pc:sldMkLst>
-          <pc:docMk/>
-          <pc:sldMk cId="784668950" sldId="550"/>
-        </pc:sldMkLst>
-      </pc:sldChg>
-      <pc:sldChg chg="delSp modSp add del mod">
-        <pc:chgData name="Zhao Jin" userId="cd05a825-544c-438a-9ba1-08e63db50b47" providerId="ADAL" clId="{3342749F-A4A3-4CC6-8E89-A279285BF1FF}" dt="2021-01-21T12:21:46.946" v="2377" actId="47"/>
-        <pc:sldMkLst>
-          <pc:docMk/>
-          <pc:sldMk cId="3613962527" sldId="550"/>
-        </pc:sldMkLst>
-      </pc:sldChg>
-      <pc:sldChg chg="add del">
-        <pc:chgData name="Zhao Jin" userId="cd05a825-544c-438a-9ba1-08e63db50b47" providerId="ADAL" clId="{3342749F-A4A3-4CC6-8E89-A279285BF1FF}" dt="2021-01-21T12:24:02.157" v="2423"/>
-        <pc:sldMkLst>
-          <pc:docMk/>
-          <pc:sldMk cId="3794641356" sldId="550"/>
-        </pc:sldMkLst>
-      </pc:sldChg>
-    </pc:docChg>
-  </pc:docChgLst>
-  <pc:docChgLst>
-    <pc:chgData name="Zhao Jin" userId="cd05a825-544c-438a-9ba1-08e63db50b47" providerId="ADAL" clId="{D1FECC8C-C819-4708-B1AC-1A3AF3563654}"/>
-    <pc:docChg chg="undo redo custSel addSld delSld modSld sldOrd">
-      <pc:chgData name="Zhao Jin" userId="cd05a825-544c-438a-9ba1-08e63db50b47" providerId="ADAL" clId="{D1FECC8C-C819-4708-B1AC-1A3AF3563654}" dt="2024-03-12T01:40:24.742" v="3086" actId="1076"/>
-      <pc:docMkLst>
-        <pc:docMk/>
-      </pc:docMkLst>
-      <pc:sldChg chg="modSp mod">
-        <pc:chgData name="Zhao Jin" userId="cd05a825-544c-438a-9ba1-08e63db50b47" providerId="ADAL" clId="{D1FECC8C-C819-4708-B1AC-1A3AF3563654}" dt="2024-03-08T09:02:02.259" v="1539" actId="20577"/>
-        <pc:sldMkLst>
-          <pc:docMk/>
-          <pc:sldMk cId="2438607696" sldId="468"/>
-        </pc:sldMkLst>
-      </pc:sldChg>
-      <pc:sldChg chg="addSp delSp modSp mod delAnim modAnim">
-        <pc:chgData name="Zhao Jin" userId="cd05a825-544c-438a-9ba1-08e63db50b47" providerId="ADAL" clId="{D1FECC8C-C819-4708-B1AC-1A3AF3563654}" dt="2024-03-12T01:40:24.742" v="3086" actId="1076"/>
-        <pc:sldMkLst>
-          <pc:docMk/>
-          <pc:sldMk cId="1427618944" sldId="553"/>
-        </pc:sldMkLst>
-      </pc:sldChg>
-      <pc:sldChg chg="addSp delSp modSp mod">
-        <pc:chgData name="Zhao Jin" userId="cd05a825-544c-438a-9ba1-08e63db50b47" providerId="ADAL" clId="{D1FECC8C-C819-4708-B1AC-1A3AF3563654}" dt="2024-03-08T08:15:42.936" v="735" actId="1076"/>
-        <pc:sldMkLst>
-          <pc:docMk/>
-          <pc:sldMk cId="211149325" sldId="589"/>
-        </pc:sldMkLst>
-      </pc:sldChg>
-      <pc:sldChg chg="modSp mod">
-        <pc:chgData name="Zhao Jin" userId="cd05a825-544c-438a-9ba1-08e63db50b47" providerId="ADAL" clId="{D1FECC8C-C819-4708-B1AC-1A3AF3563654}" dt="2024-03-08T08:57:11.340" v="1376" actId="20577"/>
-        <pc:sldMkLst>
-          <pc:docMk/>
-          <pc:sldMk cId="567798019" sldId="591"/>
-        </pc:sldMkLst>
-      </pc:sldChg>
-      <pc:sldChg chg="addSp delSp modSp mod modAnim">
-        <pc:chgData name="Zhao Jin" userId="cd05a825-544c-438a-9ba1-08e63db50b47" providerId="ADAL" clId="{D1FECC8C-C819-4708-B1AC-1A3AF3563654}" dt="2024-03-12T01:35:11.379" v="2876"/>
-        <pc:sldMkLst>
-          <pc:docMk/>
-          <pc:sldMk cId="2889169307" sldId="601"/>
-        </pc:sldMkLst>
-      </pc:sldChg>
-      <pc:sldChg chg="modSp mod ord">
-        <pc:chgData name="Zhao Jin" userId="cd05a825-544c-438a-9ba1-08e63db50b47" providerId="ADAL" clId="{D1FECC8C-C819-4708-B1AC-1A3AF3563654}" dt="2024-03-08T08:56:11.897" v="1287" actId="14100"/>
-        <pc:sldMkLst>
-          <pc:docMk/>
-          <pc:sldMk cId="3128770740" sldId="605"/>
-        </pc:sldMkLst>
-      </pc:sldChg>
-      <pc:sldChg chg="addSp delSp modSp add mod modAnim">
-        <pc:chgData name="Zhao Jin" userId="cd05a825-544c-438a-9ba1-08e63db50b47" providerId="ADAL" clId="{D1FECC8C-C819-4708-B1AC-1A3AF3563654}" dt="2024-03-12T01:37:58.416" v="3034" actId="20577"/>
-        <pc:sldMkLst>
-          <pc:docMk/>
-          <pc:sldMk cId="3444732307" sldId="606"/>
-        </pc:sldMkLst>
-      </pc:sldChg>
-      <pc:sldChg chg="addSp delSp modSp add del mod addAnim delAnim modAnim">
-        <pc:chgData name="Zhao Jin" userId="cd05a825-544c-438a-9ba1-08e63db50b47" providerId="ADAL" clId="{D1FECC8C-C819-4708-B1AC-1A3AF3563654}" dt="2024-03-08T09:16:40.611" v="2102" actId="47"/>
-        <pc:sldMkLst>
-          <pc:docMk/>
-          <pc:sldMk cId="2033649320" sldId="607"/>
-        </pc:sldMkLst>
-      </pc:sldChg>
-      <pc:sldChg chg="modSp add del mod">
-        <pc:chgData name="Zhao Jin" userId="cd05a825-544c-438a-9ba1-08e63db50b47" providerId="ADAL" clId="{D1FECC8C-C819-4708-B1AC-1A3AF3563654}" dt="2024-03-08T08:23:38.164" v="1211" actId="47"/>
-        <pc:sldMkLst>
-          <pc:docMk/>
-          <pc:sldMk cId="3166613522" sldId="607"/>
-        </pc:sldMkLst>
-      </pc:sldChg>
-      <pc:sldChg chg="modSp add mod modAnim">
-        <pc:chgData name="Zhao Jin" userId="cd05a825-544c-438a-9ba1-08e63db50b47" providerId="ADAL" clId="{D1FECC8C-C819-4708-B1AC-1A3AF3563654}" dt="2024-03-08T09:32:40.039" v="2613" actId="20577"/>
-        <pc:sldMkLst>
-          <pc:docMk/>
-          <pc:sldMk cId="3198546536" sldId="607"/>
-        </pc:sldMkLst>
-      </pc:sldChg>
-      <pc:sldChg chg="modSp add modAnim">
-        <pc:chgData name="Zhao Jin" userId="cd05a825-544c-438a-9ba1-08e63db50b47" providerId="ADAL" clId="{D1FECC8C-C819-4708-B1AC-1A3AF3563654}" dt="2024-03-12T01:36:34.978" v="2879" actId="20577"/>
-        <pc:sldMkLst>
-          <pc:docMk/>
-          <pc:sldMk cId="190401359" sldId="608"/>
-        </pc:sldMkLst>
-      </pc:sldChg>
-      <pc:sldChg chg="add del">
-        <pc:chgData name="Zhao Jin" userId="cd05a825-544c-438a-9ba1-08e63db50b47" providerId="ADAL" clId="{D1FECC8C-C819-4708-B1AC-1A3AF3563654}" dt="2024-03-08T09:12:00.328" v="2044" actId="47"/>
-        <pc:sldMkLst>
-          <pc:docMk/>
-          <pc:sldMk cId="2775932290" sldId="608"/>
-        </pc:sldMkLst>
-      </pc:sldChg>
-      <pc:sldChg chg="add del">
-        <pc:chgData name="Zhao Jin" userId="cd05a825-544c-438a-9ba1-08e63db50b47" providerId="ADAL" clId="{D1FECC8C-C819-4708-B1AC-1A3AF3563654}" dt="2024-03-08T09:11:57.781" v="2043" actId="47"/>
-        <pc:sldMkLst>
-          <pc:docMk/>
-          <pc:sldMk cId="1669487818" sldId="609"/>
-        </pc:sldMkLst>
-      </pc:sldChg>
-    </pc:docChg>
-  </pc:docChgLst>
-  <pc:docChgLst>
-    <pc:chgData name="Zhao Jin" userId="cd05a825-544c-438a-9ba1-08e63db50b47" providerId="ADAL" clId="{71E1CF24-6E7D-4AB8-9D75-CE77D50A74A2}"/>
-    <pc:docChg chg="modSld">
-      <pc:chgData name="Zhao Jin" userId="cd05a825-544c-438a-9ba1-08e63db50b47" providerId="ADAL" clId="{71E1CF24-6E7D-4AB8-9D75-CE77D50A74A2}" dt="2024-01-31T05:30:34.638" v="0"/>
-      <pc:docMkLst>
-        <pc:docMk/>
-      </pc:docMkLst>
-      <pc:sldChg chg="addSp modSp">
-        <pc:chgData name="Zhao Jin" userId="cd05a825-544c-438a-9ba1-08e63db50b47" providerId="ADAL" clId="{71E1CF24-6E7D-4AB8-9D75-CE77D50A74A2}" dt="2024-01-31T05:30:34.638" v="0"/>
-        <pc:sldMkLst>
-          <pc:docMk/>
-          <pc:sldMk cId="0" sldId="256"/>
-        </pc:sldMkLst>
-      </pc:sldChg>
-    </pc:docChg>
-  </pc:docChgLst>
-  <pc:docChgLst>
-    <pc:chgData name="Zhao Jin" userId="cd05a825-544c-438a-9ba1-08e63db50b47" providerId="ADAL" clId="{BBE9D547-4B31-704D-9080-47B1CA4D9124}"/>
-    <pc:docChg chg="modSld">
-      <pc:chgData name="Zhao Jin" userId="cd05a825-544c-438a-9ba1-08e63db50b47" providerId="ADAL" clId="{BBE9D547-4B31-704D-9080-47B1CA4D9124}" dt="2021-01-18T05:40:31.767" v="29" actId="114"/>
-      <pc:docMkLst>
-        <pc:docMk/>
-      </pc:docMkLst>
-      <pc:sldChg chg="modSp modAnim">
-        <pc:chgData name="Zhao Jin" userId="cd05a825-544c-438a-9ba1-08e63db50b47" providerId="ADAL" clId="{BBE9D547-4B31-704D-9080-47B1CA4D9124}" dt="2021-01-18T05:39:25.523" v="25"/>
-        <pc:sldMkLst>
-          <pc:docMk/>
-          <pc:sldMk cId="4265878996" sldId="534"/>
-        </pc:sldMkLst>
-      </pc:sldChg>
-      <pc:sldChg chg="modSp">
-        <pc:chgData name="Zhao Jin" userId="cd05a825-544c-438a-9ba1-08e63db50b47" providerId="ADAL" clId="{BBE9D547-4B31-704D-9080-47B1CA4D9124}" dt="2021-01-18T05:40:31.767" v="29" actId="114"/>
-        <pc:sldMkLst>
-          <pc:docMk/>
-          <pc:sldMk cId="2851665547" sldId="538"/>
-        </pc:sldMkLst>
-      </pc:sldChg>
-    </pc:docChg>
-  </pc:docChgLst>
-  <pc:docChgLst>
-    <pc:chgData name="Zhao Jin" userId="cd05a825-544c-438a-9ba1-08e63db50b47" providerId="ADAL" clId="{B1F7CFED-A664-443A-A173-5DFC1A50598C}"/>
-    <pc:docChg chg="undo custSel addSld delSld modSld sldOrd">
-      <pc:chgData name="Zhao Jin" userId="cd05a825-544c-438a-9ba1-08e63db50b47" providerId="ADAL" clId="{B1F7CFED-A664-443A-A173-5DFC1A50598C}" dt="2021-01-27T11:27:42.250" v="3304" actId="20577"/>
-      <pc:docMkLst>
-        <pc:docMk/>
-      </pc:docMkLst>
-      <pc:sldChg chg="modSp mod">
-        <pc:chgData name="Zhao Jin" userId="cd05a825-544c-438a-9ba1-08e63db50b47" providerId="ADAL" clId="{B1F7CFED-A664-443A-A173-5DFC1A50598C}" dt="2021-01-27T08:47:23.481" v="3299" actId="20577"/>
-        <pc:sldMkLst>
-          <pc:docMk/>
-          <pc:sldMk cId="2438607696" sldId="468"/>
-        </pc:sldMkLst>
-      </pc:sldChg>
-      <pc:sldChg chg="del">
-        <pc:chgData name="Zhao Jin" userId="cd05a825-544c-438a-9ba1-08e63db50b47" providerId="ADAL" clId="{B1F7CFED-A664-443A-A173-5DFC1A50598C}" dt="2021-01-27T07:50:44.942" v="2858" actId="47"/>
-        <pc:sldMkLst>
-          <pc:docMk/>
-          <pc:sldMk cId="1311126165" sldId="485"/>
-        </pc:sldMkLst>
-      </pc:sldChg>
-      <pc:sldChg chg="delSp modSp mod">
-        <pc:chgData name="Zhao Jin" userId="cd05a825-544c-438a-9ba1-08e63db50b47" providerId="ADAL" clId="{B1F7CFED-A664-443A-A173-5DFC1A50598C}" dt="2021-01-27T08:43:28.344" v="3236"/>
-        <pc:sldMkLst>
-          <pc:docMk/>
-          <pc:sldMk cId="3792232794" sldId="504"/>
-        </pc:sldMkLst>
-      </pc:sldChg>
-      <pc:sldChg chg="del">
-        <pc:chgData name="Zhao Jin" userId="cd05a825-544c-438a-9ba1-08e63db50b47" providerId="ADAL" clId="{B1F7CFED-A664-443A-A173-5DFC1A50598C}" dt="2021-01-27T07:50:44.942" v="2858" actId="47"/>
-        <pc:sldMkLst>
-          <pc:docMk/>
-          <pc:sldMk cId="681224785" sldId="531"/>
-        </pc:sldMkLst>
-      </pc:sldChg>
-      <pc:sldChg chg="addSp delSp modSp add del mod modAnim">
-        <pc:chgData name="Zhao Jin" userId="cd05a825-544c-438a-9ba1-08e63db50b47" providerId="ADAL" clId="{B1F7CFED-A664-443A-A173-5DFC1A50598C}" dt="2021-01-27T07:44:47.950" v="2625" actId="2696"/>
-        <pc:sldMkLst>
-          <pc:docMk/>
-          <pc:sldMk cId="375427509" sldId="545"/>
-        </pc:sldMkLst>
-      </pc:sldChg>
-      <pc:sldChg chg="addSp delSp modSp add del mod delAnim modAnim">
-        <pc:chgData name="Zhao Jin" userId="cd05a825-544c-438a-9ba1-08e63db50b47" providerId="ADAL" clId="{B1F7CFED-A664-443A-A173-5DFC1A50598C}" dt="2021-01-27T07:38:37.769" v="2178" actId="2696"/>
-        <pc:sldMkLst>
-          <pc:docMk/>
-          <pc:sldMk cId="1899776498" sldId="545"/>
-        </pc:sldMkLst>
-      </pc:sldChg>
-      <pc:sldChg chg="addSp delSp modSp add del mod delAnim modAnim">
-        <pc:chgData name="Zhao Jin" userId="cd05a825-544c-438a-9ba1-08e63db50b47" providerId="ADAL" clId="{B1F7CFED-A664-443A-A173-5DFC1A50598C}" dt="2021-01-27T08:38:52.330" v="2929" actId="2696"/>
-        <pc:sldMkLst>
-          <pc:docMk/>
-          <pc:sldMk cId="3702084380" sldId="545"/>
-        </pc:sldMkLst>
-      </pc:sldChg>
-      <pc:sldChg chg="modSp add mod">
-        <pc:chgData name="Zhao Jin" userId="cd05a825-544c-438a-9ba1-08e63db50b47" providerId="ADAL" clId="{B1F7CFED-A664-443A-A173-5DFC1A50598C}" dt="2021-01-27T11:27:42.250" v="3304" actId="20577"/>
-        <pc:sldMkLst>
-          <pc:docMk/>
-          <pc:sldMk cId="4228901100" sldId="545"/>
-        </pc:sldMkLst>
-      </pc:sldChg>
-      <pc:sldChg chg="delSp modSp mod">
-        <pc:chgData name="Zhao Jin" userId="cd05a825-544c-438a-9ba1-08e63db50b47" providerId="ADAL" clId="{B1F7CFED-A664-443A-A173-5DFC1A50598C}" dt="2021-01-27T08:43:28.344" v="3236"/>
-        <pc:sldMkLst>
-          <pc:docMk/>
-          <pc:sldMk cId="4225956616" sldId="546"/>
-        </pc:sldMkLst>
-      </pc:sldChg>
-      <pc:sldChg chg="addSp delSp modSp mod">
-        <pc:chgData name="Zhao Jin" userId="cd05a825-544c-438a-9ba1-08e63db50b47" providerId="ADAL" clId="{B1F7CFED-A664-443A-A173-5DFC1A50598C}" dt="2021-01-27T07:01:43.927" v="726" actId="207"/>
-        <pc:sldMkLst>
-          <pc:docMk/>
-          <pc:sldMk cId="1617257579" sldId="548"/>
-        </pc:sldMkLst>
-      </pc:sldChg>
-      <pc:sldChg chg="del">
-        <pc:chgData name="Zhao Jin" userId="cd05a825-544c-438a-9ba1-08e63db50b47" providerId="ADAL" clId="{B1F7CFED-A664-443A-A173-5DFC1A50598C}" dt="2021-01-27T07:50:44.942" v="2858" actId="47"/>
-        <pc:sldMkLst>
-          <pc:docMk/>
-          <pc:sldMk cId="3394924879" sldId="549"/>
-        </pc:sldMkLst>
-      </pc:sldChg>
-      <pc:sldChg chg="del">
-        <pc:chgData name="Zhao Jin" userId="cd05a825-544c-438a-9ba1-08e63db50b47" providerId="ADAL" clId="{B1F7CFED-A664-443A-A173-5DFC1A50598C}" dt="2021-01-27T07:50:44.942" v="2858" actId="47"/>
-        <pc:sldMkLst>
-          <pc:docMk/>
-          <pc:sldMk cId="784668950" sldId="550"/>
-        </pc:sldMkLst>
-      </pc:sldChg>
-      <pc:sldChg chg="delSp modSp mod">
-        <pc:chgData name="Zhao Jin" userId="cd05a825-544c-438a-9ba1-08e63db50b47" providerId="ADAL" clId="{B1F7CFED-A664-443A-A173-5DFC1A50598C}" dt="2021-01-27T08:43:28.344" v="3236"/>
-        <pc:sldMkLst>
-          <pc:docMk/>
-          <pc:sldMk cId="3422194935" sldId="552"/>
-        </pc:sldMkLst>
-      </pc:sldChg>
-      <pc:sldChg chg="delSp modSp mod">
-        <pc:chgData name="Zhao Jin" userId="cd05a825-544c-438a-9ba1-08e63db50b47" providerId="ADAL" clId="{B1F7CFED-A664-443A-A173-5DFC1A50598C}" dt="2021-01-27T08:43:28.344" v="3236"/>
-        <pc:sldMkLst>
-          <pc:docMk/>
-          <pc:sldMk cId="1427618944" sldId="553"/>
-        </pc:sldMkLst>
-      </pc:sldChg>
-      <pc:sldChg chg="delSp modSp mod">
-        <pc:chgData name="Zhao Jin" userId="cd05a825-544c-438a-9ba1-08e63db50b47" providerId="ADAL" clId="{B1F7CFED-A664-443A-A173-5DFC1A50598C}" dt="2021-01-27T08:43:28.344" v="3236"/>
-        <pc:sldMkLst>
-          <pc:docMk/>
-          <pc:sldMk cId="1659983766" sldId="554"/>
-        </pc:sldMkLst>
-      </pc:sldChg>
-      <pc:sldChg chg="addSp delSp modSp mod">
-        <pc:chgData name="Zhao Jin" userId="cd05a825-544c-438a-9ba1-08e63db50b47" providerId="ADAL" clId="{B1F7CFED-A664-443A-A173-5DFC1A50598C}" dt="2021-01-27T08:43:28.344" v="3236"/>
-        <pc:sldMkLst>
-          <pc:docMk/>
-          <pc:sldMk cId="1268238251" sldId="555"/>
-        </pc:sldMkLst>
-      </pc:sldChg>
-      <pc:sldChg chg="addSp delSp modSp add mod ord">
-        <pc:chgData name="Zhao Jin" userId="cd05a825-544c-438a-9ba1-08e63db50b47" providerId="ADAL" clId="{B1F7CFED-A664-443A-A173-5DFC1A50598C}" dt="2021-01-27T07:08:25.449" v="1116" actId="207"/>
-        <pc:sldMkLst>
-          <pc:docMk/>
-          <pc:sldMk cId="3990513599" sldId="556"/>
-        </pc:sldMkLst>
-      </pc:sldChg>
-      <pc:sldChg chg="modSp add mod">
-        <pc:chgData name="Zhao Jin" userId="cd05a825-544c-438a-9ba1-08e63db50b47" providerId="ADAL" clId="{B1F7CFED-A664-443A-A173-5DFC1A50598C}" dt="2021-01-27T07:10:49.029" v="1165" actId="1038"/>
-        <pc:sldMkLst>
-          <pc:docMk/>
-          <pc:sldMk cId="788021743" sldId="557"/>
-        </pc:sldMkLst>
-      </pc:sldChg>
-      <pc:sldChg chg="addSp delSp modSp add mod">
-        <pc:chgData name="Zhao Jin" userId="cd05a825-544c-438a-9ba1-08e63db50b47" providerId="ADAL" clId="{B1F7CFED-A664-443A-A173-5DFC1A50598C}" dt="2021-01-27T07:22:06.429" v="1447"/>
-        <pc:sldMkLst>
-          <pc:docMk/>
-          <pc:sldMk cId="686532275" sldId="558"/>
-        </pc:sldMkLst>
-      </pc:sldChg>
-      <pc:sldChg chg="delSp modSp add mod">
-        <pc:chgData name="Zhao Jin" userId="cd05a825-544c-438a-9ba1-08e63db50b47" providerId="ADAL" clId="{B1F7CFED-A664-443A-A173-5DFC1A50598C}" dt="2021-01-27T08:43:28.344" v="3236"/>
-        <pc:sldMkLst>
-          <pc:docMk/>
-          <pc:sldMk cId="182578491" sldId="559"/>
-        </pc:sldMkLst>
-      </pc:sldChg>
-      <pc:sldChg chg="add del">
-        <pc:chgData name="Zhao Jin" userId="cd05a825-544c-438a-9ba1-08e63db50b47" providerId="ADAL" clId="{B1F7CFED-A664-443A-A173-5DFC1A50598C}" dt="2021-01-27T07:13:34.600" v="1318" actId="47"/>
-        <pc:sldMkLst>
-          <pc:docMk/>
-          <pc:sldMk cId="730965808" sldId="559"/>
-        </pc:sldMkLst>
-      </pc:sldChg>
-      <pc:sldChg chg="addSp delSp modSp add del mod modAnim">
-        <pc:chgData name="Zhao Jin" userId="cd05a825-544c-438a-9ba1-08e63db50b47" providerId="ADAL" clId="{B1F7CFED-A664-443A-A173-5DFC1A50598C}" dt="2021-01-27T07:44:47.950" v="2625" actId="2696"/>
-        <pc:sldMkLst>
-          <pc:docMk/>
-          <pc:sldMk cId="2685445290" sldId="559"/>
-        </pc:sldMkLst>
-      </pc:sldChg>
-      <pc:sldChg chg="add del">
-        <pc:chgData name="Zhao Jin" userId="cd05a825-544c-438a-9ba1-08e63db50b47" providerId="ADAL" clId="{B1F7CFED-A664-443A-A173-5DFC1A50598C}" dt="2021-01-27T07:11:52.838" v="1191"/>
-        <pc:sldMkLst>
-          <pc:docMk/>
-          <pc:sldMk cId="3573907213" sldId="559"/>
-        </pc:sldMkLst>
-      </pc:sldChg>
-      <pc:sldChg chg="add del">
-        <pc:chgData name="Zhao Jin" userId="cd05a825-544c-438a-9ba1-08e63db50b47" providerId="ADAL" clId="{B1F7CFED-A664-443A-A173-5DFC1A50598C}" dt="2021-01-27T08:38:52.330" v="2929" actId="2696"/>
-        <pc:sldMkLst>
-          <pc:docMk/>
-          <pc:sldMk cId="3681791183" sldId="559"/>
-        </pc:sldMkLst>
-      </pc:sldChg>
-      <pc:sldChg chg="add del">
-        <pc:chgData name="Zhao Jin" userId="cd05a825-544c-438a-9ba1-08e63db50b47" providerId="ADAL" clId="{B1F7CFED-A664-443A-A173-5DFC1A50598C}" dt="2021-01-27T07:44:47.950" v="2625" actId="2696"/>
-        <pc:sldMkLst>
-          <pc:docMk/>
-          <pc:sldMk cId="705142466" sldId="560"/>
-        </pc:sldMkLst>
-      </pc:sldChg>
-      <pc:sldChg chg="delSp modSp add del mod">
-        <pc:chgData name="Zhao Jin" userId="cd05a825-544c-438a-9ba1-08e63db50b47" providerId="ADAL" clId="{B1F7CFED-A664-443A-A173-5DFC1A50598C}" dt="2021-01-27T11:27:21.918" v="3300" actId="47"/>
-        <pc:sldMkLst>
-          <pc:docMk/>
-          <pc:sldMk cId="2633024700" sldId="560"/>
-        </pc:sldMkLst>
-      </pc:sldChg>
-      <pc:sldChg chg="add del">
-        <pc:chgData name="Zhao Jin" userId="cd05a825-544c-438a-9ba1-08e63db50b47" providerId="ADAL" clId="{B1F7CFED-A664-443A-A173-5DFC1A50598C}" dt="2021-01-27T08:38:52.330" v="2929" actId="2696"/>
-        <pc:sldMkLst>
-          <pc:docMk/>
-          <pc:sldMk cId="3566869056" sldId="560"/>
-        </pc:sldMkLst>
-      </pc:sldChg>
-      <pc:sldChg chg="addSp delSp modSp add del mod">
-        <pc:chgData name="Zhao Jin" userId="cd05a825-544c-438a-9ba1-08e63db50b47" providerId="ADAL" clId="{B1F7CFED-A664-443A-A173-5DFC1A50598C}" dt="2021-01-27T07:49:21.777" v="2832" actId="47"/>
-        <pc:sldMkLst>
-          <pc:docMk/>
-          <pc:sldMk cId="3148407277" sldId="561"/>
-        </pc:sldMkLst>
-      </pc:sldChg>
-      <pc:sldChg chg="addSp delSp modSp add del mod">
-        <pc:chgData name="Zhao Jin" userId="cd05a825-544c-438a-9ba1-08e63db50b47" providerId="ADAL" clId="{B1F7CFED-A664-443A-A173-5DFC1A50598C}" dt="2021-01-27T08:38:52.330" v="2929" actId="2696"/>
-        <pc:sldMkLst>
-          <pc:docMk/>
-          <pc:sldMk cId="1212688123" sldId="562"/>
-        </pc:sldMkLst>
-      </pc:sldChg>
-      <pc:sldChg chg="modSp add mod">
-        <pc:chgData name="Zhao Jin" userId="cd05a825-544c-438a-9ba1-08e63db50b47" providerId="ADAL" clId="{B1F7CFED-A664-443A-A173-5DFC1A50598C}" dt="2021-01-27T11:27:39.570" v="3303" actId="20577"/>
-        <pc:sldMkLst>
-          <pc:docMk/>
-          <pc:sldMk cId="2739484572" sldId="562"/>
-        </pc:sldMkLst>
-      </pc:sldChg>
-      <pc:sldChg chg="add del">
-        <pc:chgData name="Zhao Jin" userId="cd05a825-544c-438a-9ba1-08e63db50b47" providerId="ADAL" clId="{B1F7CFED-A664-443A-A173-5DFC1A50598C}" dt="2021-01-27T07:47:00.213" v="2716"/>
-        <pc:sldMkLst>
-          <pc:docMk/>
-          <pc:sldMk cId="3295203065" sldId="562"/>
-        </pc:sldMkLst>
-      </pc:sldChg>
-      <pc:sldChg chg="addSp delSp modSp add del mod delAnim">
-        <pc:chgData name="Zhao Jin" userId="cd05a825-544c-438a-9ba1-08e63db50b47" providerId="ADAL" clId="{B1F7CFED-A664-443A-A173-5DFC1A50598C}" dt="2021-01-27T07:45:01.753" v="2627" actId="47"/>
-        <pc:sldMkLst>
-          <pc:docMk/>
-          <pc:sldMk cId="3302621336" sldId="572"/>
-        </pc:sldMkLst>
-      </pc:sldChg>
-      <pc:sldChg chg="add del">
-        <pc:chgData name="Zhao Jin" userId="cd05a825-544c-438a-9ba1-08e63db50b47" providerId="ADAL" clId="{B1F7CFED-A664-443A-A173-5DFC1A50598C}" dt="2021-01-27T07:28:38.512" v="1708"/>
-        <pc:sldMkLst>
-          <pc:docMk/>
-          <pc:sldMk cId="2030195840" sldId="573"/>
-        </pc:sldMkLst>
-      </pc:sldChg>
-      <pc:sldChg chg="add del">
-        <pc:chgData name="Zhao Jin" userId="cd05a825-544c-438a-9ba1-08e63db50b47" providerId="ADAL" clId="{B1F7CFED-A664-443A-A173-5DFC1A50598C}" dt="2021-01-27T07:23:10.496" v="1527" actId="47"/>
-        <pc:sldMkLst>
-          <pc:docMk/>
-          <pc:sldMk cId="3321788103" sldId="573"/>
-        </pc:sldMkLst>
-      </pc:sldChg>
-    </pc:docChg>
-  </pc:docChgLst>
-  <pc:docChgLst>
-    <pc:chgData name="Zhao Jin" userId="S::dcszjin@nus.edu.sg::cd05a825-544c-438a-9ba1-08e63db50b47" providerId="AD" clId="Web-{66D5AB6E-AF24-491D-9529-2DDB49AD3149}"/>
-    <pc:docChg chg="modSld">
-      <pc:chgData name="Zhao Jin" userId="S::dcszjin@nus.edu.sg::cd05a825-544c-438a-9ba1-08e63db50b47" providerId="AD" clId="Web-{66D5AB6E-AF24-491D-9529-2DDB49AD3149}" dt="2021-01-20T08:43:03.224" v="8" actId="14100"/>
-      <pc:docMkLst>
-        <pc:docMk/>
-      </pc:docMkLst>
-      <pc:sldChg chg="modSp">
-        <pc:chgData name="Zhao Jin" userId="S::dcszjin@nus.edu.sg::cd05a825-544c-438a-9ba1-08e63db50b47" providerId="AD" clId="Web-{66D5AB6E-AF24-491D-9529-2DDB49AD3149}" dt="2021-01-20T08:43:03.224" v="8" actId="14100"/>
-        <pc:sldMkLst>
-          <pc:docMk/>
-          <pc:sldMk cId="901453530" sldId="546"/>
-        </pc:sldMkLst>
-      </pc:sldChg>
-    </pc:docChg>
-  </pc:docChgLst>
-  <pc:docChgLst>
-    <pc:chgData name="Zhao Jin" userId="cd05a825-544c-438a-9ba1-08e63db50b47" providerId="ADAL" clId="{1623B908-1D41-43E4-A3C2-7AA36E99404B}"/>
-    <pc:docChg chg="undo redo custSel addSld delSld modSld sldOrd modMainMaster">
-      <pc:chgData name="Zhao Jin" userId="cd05a825-544c-438a-9ba1-08e63db50b47" providerId="ADAL" clId="{1623B908-1D41-43E4-A3C2-7AA36E99404B}" dt="2021-02-15T05:30:22.479" v="5046" actId="20577"/>
-      <pc:docMkLst>
-        <pc:docMk/>
-      </pc:docMkLst>
-      <pc:sldChg chg="modSp mod">
-        <pc:chgData name="Zhao Jin" userId="cd05a825-544c-438a-9ba1-08e63db50b47" providerId="ADAL" clId="{1623B908-1D41-43E4-A3C2-7AA36E99404B}" dt="2021-02-11T09:38:20.846" v="4893" actId="20577"/>
-        <pc:sldMkLst>
-          <pc:docMk/>
-          <pc:sldMk cId="0" sldId="256"/>
-        </pc:sldMkLst>
-      </pc:sldChg>
-      <pc:sldChg chg="modSp mod">
-        <pc:chgData name="Zhao Jin" userId="cd05a825-544c-438a-9ba1-08e63db50b47" providerId="ADAL" clId="{1623B908-1D41-43E4-A3C2-7AA36E99404B}" dt="2021-02-11T09:39:34.568" v="4938" actId="6549"/>
-        <pc:sldMkLst>
-          <pc:docMk/>
-          <pc:sldMk cId="2438607696" sldId="468"/>
-        </pc:sldMkLst>
-      </pc:sldChg>
-      <pc:sldChg chg="modSp del">
-        <pc:chgData name="Zhao Jin" userId="cd05a825-544c-438a-9ba1-08e63db50b47" providerId="ADAL" clId="{1623B908-1D41-43E4-A3C2-7AA36E99404B}" dt="2021-02-11T08:28:04.470" v="3437" actId="47"/>
-        <pc:sldMkLst>
-          <pc:docMk/>
-          <pc:sldMk cId="1705639840" sldId="543"/>
-        </pc:sldMkLst>
-      </pc:sldChg>
-      <pc:sldChg chg="addSp delSp modSp mod modAnim">
-        <pc:chgData name="Zhao Jin" userId="cd05a825-544c-438a-9ba1-08e63db50b47" providerId="ADAL" clId="{1623B908-1D41-43E4-A3C2-7AA36E99404B}" dt="2021-02-15T05:27:16.409" v="5031"/>
-        <pc:sldMkLst>
-          <pc:docMk/>
-          <pc:sldMk cId="1427618944" sldId="553"/>
-        </pc:sldMkLst>
-      </pc:sldChg>
-      <pc:sldChg chg="modSp del">
-        <pc:chgData name="Zhao Jin" userId="cd05a825-544c-438a-9ba1-08e63db50b47" providerId="ADAL" clId="{1623B908-1D41-43E4-A3C2-7AA36E99404B}" dt="2021-02-11T08:28:04.470" v="3437" actId="47"/>
-        <pc:sldMkLst>
-          <pc:docMk/>
-          <pc:sldMk cId="487843573" sldId="558"/>
-        </pc:sldMkLst>
-      </pc:sldChg>
-      <pc:sldChg chg="modSp del">
-        <pc:chgData name="Zhao Jin" userId="cd05a825-544c-438a-9ba1-08e63db50b47" providerId="ADAL" clId="{1623B908-1D41-43E4-A3C2-7AA36E99404B}" dt="2021-02-11T07:34:51.917" v="64" actId="47"/>
-        <pc:sldMkLst>
-          <pc:docMk/>
-          <pc:sldMk cId="92291925" sldId="563"/>
-        </pc:sldMkLst>
-      </pc:sldChg>
-      <pc:sldChg chg="modSp del">
-        <pc:chgData name="Zhao Jin" userId="cd05a825-544c-438a-9ba1-08e63db50b47" providerId="ADAL" clId="{1623B908-1D41-43E4-A3C2-7AA36E99404B}" dt="2021-02-11T07:42:38.143" v="486" actId="47"/>
-        <pc:sldMkLst>
-          <pc:docMk/>
-          <pc:sldMk cId="894186310" sldId="564"/>
-        </pc:sldMkLst>
-      </pc:sldChg>
-      <pc:sldChg chg="modSp del">
-        <pc:chgData name="Zhao Jin" userId="cd05a825-544c-438a-9ba1-08e63db50b47" providerId="ADAL" clId="{1623B908-1D41-43E4-A3C2-7AA36E99404B}" dt="2021-02-11T08:39:30.132" v="4258" actId="47"/>
-        <pc:sldMkLst>
-          <pc:docMk/>
-          <pc:sldMk cId="1732540191" sldId="568"/>
-        </pc:sldMkLst>
-      </pc:sldChg>
-      <pc:sldChg chg="modSp del mod">
-        <pc:chgData name="Zhao Jin" userId="cd05a825-544c-438a-9ba1-08e63db50b47" providerId="ADAL" clId="{1623B908-1D41-43E4-A3C2-7AA36E99404B}" dt="2021-02-11T08:39:30.132" v="4258" actId="47"/>
-        <pc:sldMkLst>
-          <pc:docMk/>
-          <pc:sldMk cId="3229890649" sldId="569"/>
-        </pc:sldMkLst>
-      </pc:sldChg>
-      <pc:sldChg chg="modSp del">
-        <pc:chgData name="Zhao Jin" userId="cd05a825-544c-438a-9ba1-08e63db50b47" providerId="ADAL" clId="{1623B908-1D41-43E4-A3C2-7AA36E99404B}" dt="2021-02-11T08:28:04.470" v="3437" actId="47"/>
-        <pc:sldMkLst>
-          <pc:docMk/>
-          <pc:sldMk cId="3922430229" sldId="580"/>
-        </pc:sldMkLst>
-      </pc:sldChg>
-      <pc:sldChg chg="modSp del">
-        <pc:chgData name="Zhao Jin" userId="cd05a825-544c-438a-9ba1-08e63db50b47" providerId="ADAL" clId="{1623B908-1D41-43E4-A3C2-7AA36E99404B}" dt="2021-02-11T08:28:04.470" v="3437" actId="47"/>
-        <pc:sldMkLst>
-          <pc:docMk/>
-          <pc:sldMk cId="1886636263" sldId="581"/>
-        </pc:sldMkLst>
-      </pc:sldChg>
-      <pc:sldChg chg="addSp delSp modSp mod modAnim">
-        <pc:chgData name="Zhao Jin" userId="cd05a825-544c-438a-9ba1-08e63db50b47" providerId="ADAL" clId="{1623B908-1D41-43E4-A3C2-7AA36E99404B}" dt="2021-02-11T07:51:19.333" v="995" actId="20577"/>
-        <pc:sldMkLst>
-          <pc:docMk/>
-          <pc:sldMk cId="211149325" sldId="589"/>
-        </pc:sldMkLst>
-      </pc:sldChg>
-      <pc:sldChg chg="modSp del">
-        <pc:chgData name="Zhao Jin" userId="cd05a825-544c-438a-9ba1-08e63db50b47" providerId="ADAL" clId="{1623B908-1D41-43E4-A3C2-7AA36E99404B}" dt="2021-02-11T08:18:02.894" v="2967" actId="47"/>
-        <pc:sldMkLst>
-          <pc:docMk/>
-          <pc:sldMk cId="4156536479" sldId="590"/>
-        </pc:sldMkLst>
-      </pc:sldChg>
-      <pc:sldChg chg="addSp delSp modSp mod">
-        <pc:chgData name="Zhao Jin" userId="cd05a825-544c-438a-9ba1-08e63db50b47" providerId="ADAL" clId="{1623B908-1D41-43E4-A3C2-7AA36E99404B}" dt="2021-02-11T08:47:42.847" v="4500"/>
-        <pc:sldMkLst>
-          <pc:docMk/>
-          <pc:sldMk cId="567798019" sldId="591"/>
-        </pc:sldMkLst>
-      </pc:sldChg>
-      <pc:sldChg chg="modSp del">
-        <pc:chgData name="Zhao Jin" userId="cd05a825-544c-438a-9ba1-08e63db50b47" providerId="ADAL" clId="{1623B908-1D41-43E4-A3C2-7AA36E99404B}" dt="2021-02-11T08:39:30.132" v="4258" actId="47"/>
-        <pc:sldMkLst>
-          <pc:docMk/>
-          <pc:sldMk cId="137810324" sldId="592"/>
-        </pc:sldMkLst>
-      </pc:sldChg>
-      <pc:sldChg chg="modSp del">
-        <pc:chgData name="Zhao Jin" userId="cd05a825-544c-438a-9ba1-08e63db50b47" providerId="ADAL" clId="{1623B908-1D41-43E4-A3C2-7AA36E99404B}" dt="2021-02-11T08:28:04.470" v="3437" actId="47"/>
-        <pc:sldMkLst>
-          <pc:docMk/>
-          <pc:sldMk cId="3233082706" sldId="593"/>
-        </pc:sldMkLst>
-      </pc:sldChg>
-      <pc:sldChg chg="modSp del">
-        <pc:chgData name="Zhao Jin" userId="cd05a825-544c-438a-9ba1-08e63db50b47" providerId="ADAL" clId="{1623B908-1D41-43E4-A3C2-7AA36E99404B}" dt="2021-02-11T08:28:04.470" v="3437" actId="47"/>
-        <pc:sldMkLst>
-          <pc:docMk/>
-          <pc:sldMk cId="2217225800" sldId="594"/>
-        </pc:sldMkLst>
-      </pc:sldChg>
-      <pc:sldChg chg="modSp del">
-        <pc:chgData name="Zhao Jin" userId="cd05a825-544c-438a-9ba1-08e63db50b47" providerId="ADAL" clId="{1623B908-1D41-43E4-A3C2-7AA36E99404B}" dt="2021-02-11T08:28:04.470" v="3437" actId="47"/>
-        <pc:sldMkLst>
-          <pc:docMk/>
-          <pc:sldMk cId="2419983458" sldId="595"/>
-        </pc:sldMkLst>
-      </pc:sldChg>
-      <pc:sldChg chg="modSp del">
-        <pc:chgData name="Zhao Jin" userId="cd05a825-544c-438a-9ba1-08e63db50b47" providerId="ADAL" clId="{1623B908-1D41-43E4-A3C2-7AA36E99404B}" dt="2021-02-11T08:28:04.470" v="3437" actId="47"/>
-        <pc:sldMkLst>
-          <pc:docMk/>
-          <pc:sldMk cId="3643682471" sldId="596"/>
-        </pc:sldMkLst>
-      </pc:sldChg>
-      <pc:sldChg chg="modSp del">
-        <pc:chgData name="Zhao Jin" userId="cd05a825-544c-438a-9ba1-08e63db50b47" providerId="ADAL" clId="{1623B908-1D41-43E4-A3C2-7AA36E99404B}" dt="2021-02-11T08:28:04.470" v="3437" actId="47"/>
-        <pc:sldMkLst>
-          <pc:docMk/>
-          <pc:sldMk cId="3231946261" sldId="597"/>
-        </pc:sldMkLst>
-      </pc:sldChg>
-      <pc:sldChg chg="modSp del">
-        <pc:chgData name="Zhao Jin" userId="cd05a825-544c-438a-9ba1-08e63db50b47" providerId="ADAL" clId="{1623B908-1D41-43E4-A3C2-7AA36E99404B}" dt="2021-02-11T08:28:04.470" v="3437" actId="47"/>
-        <pc:sldMkLst>
-          <pc:docMk/>
-          <pc:sldMk cId="4002657513" sldId="598"/>
-        </pc:sldMkLst>
-      </pc:sldChg>
-      <pc:sldChg chg="modSp del">
-        <pc:chgData name="Zhao Jin" userId="cd05a825-544c-438a-9ba1-08e63db50b47" providerId="ADAL" clId="{1623B908-1D41-43E4-A3C2-7AA36E99404B}" dt="2021-02-11T08:28:04.470" v="3437" actId="47"/>
-        <pc:sldMkLst>
-          <pc:docMk/>
-          <pc:sldMk cId="2930953569" sldId="599"/>
-        </pc:sldMkLst>
-      </pc:sldChg>
-      <pc:sldChg chg="modSp del">
-        <pc:chgData name="Zhao Jin" userId="cd05a825-544c-438a-9ba1-08e63db50b47" providerId="ADAL" clId="{1623B908-1D41-43E4-A3C2-7AA36E99404B}" dt="2021-02-11T08:28:04.470" v="3437" actId="47"/>
-        <pc:sldMkLst>
-          <pc:docMk/>
-          <pc:sldMk cId="880934081" sldId="600"/>
-        </pc:sldMkLst>
-      </pc:sldChg>
-      <pc:sldChg chg="addSp delSp modSp add mod">
-        <pc:chgData name="Zhao Jin" userId="cd05a825-544c-438a-9ba1-08e63db50b47" providerId="ADAL" clId="{1623B908-1D41-43E4-A3C2-7AA36E99404B}" dt="2021-02-15T05:27:51.272" v="5037" actId="20577"/>
-        <pc:sldMkLst>
-          <pc:docMk/>
-          <pc:sldMk cId="2889169307" sldId="601"/>
-        </pc:sldMkLst>
-      </pc:sldChg>
-      <pc:sldChg chg="modSp add del mod">
-        <pc:chgData name="Zhao Jin" userId="cd05a825-544c-438a-9ba1-08e63db50b47" providerId="ADAL" clId="{1623B908-1D41-43E4-A3C2-7AA36E99404B}" dt="2021-02-11T09:38:57.568" v="4899" actId="47"/>
-        <pc:sldMkLst>
-          <pc:docMk/>
-          <pc:sldMk cId="2091815817" sldId="602"/>
-        </pc:sldMkLst>
-      </pc:sldChg>
-      <pc:sldChg chg="addSp delSp modSp add mod delAnim modAnim">
-        <pc:chgData name="Zhao Jin" userId="cd05a825-544c-438a-9ba1-08e63db50b47" providerId="ADAL" clId="{1623B908-1D41-43E4-A3C2-7AA36E99404B}" dt="2021-02-15T05:28:42.686" v="5040" actId="207"/>
-        <pc:sldMkLst>
-          <pc:docMk/>
-          <pc:sldMk cId="3500386061" sldId="603"/>
-        </pc:sldMkLst>
-      </pc:sldChg>
-      <pc:sldChg chg="delSp modSp add mod">
-        <pc:chgData name="Zhao Jin" userId="cd05a825-544c-438a-9ba1-08e63db50b47" providerId="ADAL" clId="{1623B908-1D41-43E4-A3C2-7AA36E99404B}" dt="2021-02-15T05:30:22.479" v="5046" actId="20577"/>
-        <pc:sldMkLst>
-          <pc:docMk/>
-          <pc:sldMk cId="2489370454" sldId="604"/>
-        </pc:sldMkLst>
-      </pc:sldChg>
-      <pc:sldChg chg="addSp delSp modSp add mod ord">
-        <pc:chgData name="Zhao Jin" userId="cd05a825-544c-438a-9ba1-08e63db50b47" providerId="ADAL" clId="{1623B908-1D41-43E4-A3C2-7AA36E99404B}" dt="2021-02-11T08:51:36.490" v="4816" actId="20577"/>
-        <pc:sldMkLst>
-          <pc:docMk/>
-          <pc:sldMk cId="3128770740" sldId="605"/>
-        </pc:sldMkLst>
-      </pc:sldChg>
-      <pc:sldMasterChg chg="modSp modSldLayout">
-        <pc:chgData name="Zhao Jin" userId="cd05a825-544c-438a-9ba1-08e63db50b47" providerId="ADAL" clId="{1623B908-1D41-43E4-A3C2-7AA36E99404B}" dt="2021-02-10T03:54:16.916" v="41"/>
-        <pc:sldMasterMkLst>
-          <pc:docMk/>
-          <pc:sldMasterMk cId="0" sldId="2147485087"/>
-        </pc:sldMasterMkLst>
-        <pc:sldLayoutChg chg="modSp">
-          <pc:chgData name="Zhao Jin" userId="cd05a825-544c-438a-9ba1-08e63db50b47" providerId="ADAL" clId="{1623B908-1D41-43E4-A3C2-7AA36E99404B}" dt="2021-02-10T03:54:16.916" v="41"/>
-          <pc:sldLayoutMkLst>
-            <pc:docMk/>
-            <pc:sldMasterMk cId="0" sldId="2147485087"/>
-            <pc:sldLayoutMk cId="0" sldId="2147485088"/>
-          </pc:sldLayoutMkLst>
-        </pc:sldLayoutChg>
-        <pc:sldLayoutChg chg="modSp">
-          <pc:chgData name="Zhao Jin" userId="cd05a825-544c-438a-9ba1-08e63db50b47" providerId="ADAL" clId="{1623B908-1D41-43E4-A3C2-7AA36E99404B}" dt="2021-02-10T03:54:16.916" v="41"/>
-          <pc:sldLayoutMkLst>
-            <pc:docMk/>
-            <pc:sldMasterMk cId="0" sldId="2147485087"/>
-            <pc:sldLayoutMk cId="0" sldId="2147485089"/>
-          </pc:sldLayoutMkLst>
-        </pc:sldLayoutChg>
-        <pc:sldLayoutChg chg="modSp">
-          <pc:chgData name="Zhao Jin" userId="cd05a825-544c-438a-9ba1-08e63db50b47" providerId="ADAL" clId="{1623B908-1D41-43E4-A3C2-7AA36E99404B}" dt="2021-02-10T03:54:16.916" v="41"/>
-          <pc:sldLayoutMkLst>
-            <pc:docMk/>
-            <pc:sldMasterMk cId="0" sldId="2147485087"/>
-            <pc:sldLayoutMk cId="0" sldId="2147485090"/>
-          </pc:sldLayoutMkLst>
-        </pc:sldLayoutChg>
-        <pc:sldLayoutChg chg="modSp">
-          <pc:chgData name="Zhao Jin" userId="cd05a825-544c-438a-9ba1-08e63db50b47" providerId="ADAL" clId="{1623B908-1D41-43E4-A3C2-7AA36E99404B}" dt="2021-02-10T03:54:16.916" v="41"/>
-          <pc:sldLayoutMkLst>
-            <pc:docMk/>
-            <pc:sldMasterMk cId="0" sldId="2147485087"/>
-            <pc:sldLayoutMk cId="0" sldId="2147485091"/>
-          </pc:sldLayoutMkLst>
-        </pc:sldLayoutChg>
-        <pc:sldLayoutChg chg="modSp">
-          <pc:chgData name="Zhao Jin" userId="cd05a825-544c-438a-9ba1-08e63db50b47" providerId="ADAL" clId="{1623B908-1D41-43E4-A3C2-7AA36E99404B}" dt="2021-02-10T03:54:16.916" v="41"/>
-          <pc:sldLayoutMkLst>
-            <pc:docMk/>
-            <pc:sldMasterMk cId="0" sldId="2147485087"/>
-            <pc:sldLayoutMk cId="0" sldId="2147485092"/>
-          </pc:sldLayoutMkLst>
-        </pc:sldLayoutChg>
-        <pc:sldLayoutChg chg="modSp">
-          <pc:chgData name="Zhao Jin" userId="cd05a825-544c-438a-9ba1-08e63db50b47" providerId="ADAL" clId="{1623B908-1D41-43E4-A3C2-7AA36E99404B}" dt="2021-02-10T03:54:16.916" v="41"/>
-          <pc:sldLayoutMkLst>
-            <pc:docMk/>
-            <pc:sldMasterMk cId="0" sldId="2147485087"/>
-            <pc:sldLayoutMk cId="0" sldId="2147485093"/>
-          </pc:sldLayoutMkLst>
-        </pc:sldLayoutChg>
-        <pc:sldLayoutChg chg="modSp">
-          <pc:chgData name="Zhao Jin" userId="cd05a825-544c-438a-9ba1-08e63db50b47" providerId="ADAL" clId="{1623B908-1D41-43E4-A3C2-7AA36E99404B}" dt="2021-02-10T03:54:16.916" v="41"/>
-          <pc:sldLayoutMkLst>
-            <pc:docMk/>
-            <pc:sldMasterMk cId="0" sldId="2147485087"/>
-            <pc:sldLayoutMk cId="0" sldId="2147485094"/>
-          </pc:sldLayoutMkLst>
-        </pc:sldLayoutChg>
-        <pc:sldLayoutChg chg="modSp">
-          <pc:chgData name="Zhao Jin" userId="cd05a825-544c-438a-9ba1-08e63db50b47" providerId="ADAL" clId="{1623B908-1D41-43E4-A3C2-7AA36E99404B}" dt="2021-02-10T03:54:16.916" v="41"/>
-          <pc:sldLayoutMkLst>
-            <pc:docMk/>
-            <pc:sldMasterMk cId="0" sldId="2147485087"/>
-            <pc:sldLayoutMk cId="0" sldId="2147485095"/>
-          </pc:sldLayoutMkLst>
-        </pc:sldLayoutChg>
-        <pc:sldLayoutChg chg="modSp">
-          <pc:chgData name="Zhao Jin" userId="cd05a825-544c-438a-9ba1-08e63db50b47" providerId="ADAL" clId="{1623B908-1D41-43E4-A3C2-7AA36E99404B}" dt="2021-02-10T03:54:16.916" v="41"/>
-          <pc:sldLayoutMkLst>
-            <pc:docMk/>
-            <pc:sldMasterMk cId="0" sldId="2147485087"/>
-            <pc:sldLayoutMk cId="0" sldId="2147485096"/>
-          </pc:sldLayoutMkLst>
-        </pc:sldLayoutChg>
-        <pc:sldLayoutChg chg="modSp">
-          <pc:chgData name="Zhao Jin" userId="cd05a825-544c-438a-9ba1-08e63db50b47" providerId="ADAL" clId="{1623B908-1D41-43E4-A3C2-7AA36E99404B}" dt="2021-02-10T03:54:16.916" v="41"/>
-          <pc:sldLayoutMkLst>
-            <pc:docMk/>
-            <pc:sldMasterMk cId="0" sldId="2147485087"/>
-            <pc:sldLayoutMk cId="0" sldId="2147485097"/>
-          </pc:sldLayoutMkLst>
-        </pc:sldLayoutChg>
-        <pc:sldLayoutChg chg="modSp">
-          <pc:chgData name="Zhao Jin" userId="cd05a825-544c-438a-9ba1-08e63db50b47" providerId="ADAL" clId="{1623B908-1D41-43E4-A3C2-7AA36E99404B}" dt="2021-02-10T03:54:16.916" v="41"/>
-          <pc:sldLayoutMkLst>
-            <pc:docMk/>
-            <pc:sldMasterMk cId="0" sldId="2147485087"/>
-            <pc:sldLayoutMk cId="0" sldId="2147485098"/>
-          </pc:sldLayoutMkLst>
-        </pc:sldLayoutChg>
-      </pc:sldMasterChg>
-    </pc:docChg>
-  </pc:docChgLst>
-  <pc:docChgLst>
-    <pc:chgData name="Zhao Jin" userId="cd05a825-544c-438a-9ba1-08e63db50b47" providerId="ADAL" clId="{CD38D953-E846-244A-835A-192CE52710D4}"/>
-    <pc:docChg chg="undo custSel addSld delSld modSld">
-      <pc:chgData name="Zhao Jin" userId="cd05a825-544c-438a-9ba1-08e63db50b47" providerId="ADAL" clId="{CD38D953-E846-244A-835A-192CE52710D4}" dt="2021-01-25T03:26:17.801" v="482" actId="20577"/>
-      <pc:docMkLst>
-        <pc:docMk/>
-      </pc:docMkLst>
-      <pc:sldChg chg="modSp addAnim delAnim modAnim">
-        <pc:chgData name="Zhao Jin" userId="cd05a825-544c-438a-9ba1-08e63db50b47" providerId="ADAL" clId="{CD38D953-E846-244A-835A-192CE52710D4}" dt="2021-01-25T03:18:14.928" v="172"/>
-        <pc:sldMkLst>
-          <pc:docMk/>
-          <pc:sldMk cId="1311126165" sldId="485"/>
-        </pc:sldMkLst>
-      </pc:sldChg>
-      <pc:sldChg chg="modSp">
-        <pc:chgData name="Zhao Jin" userId="cd05a825-544c-438a-9ba1-08e63db50b47" providerId="ADAL" clId="{CD38D953-E846-244A-835A-192CE52710D4}" dt="2021-01-25T03:08:51.440" v="84" actId="20577"/>
-        <pc:sldMkLst>
-          <pc:docMk/>
-          <pc:sldMk cId="901453530" sldId="546"/>
-        </pc:sldMkLst>
-      </pc:sldChg>
-      <pc:sldChg chg="modSp">
-        <pc:chgData name="Zhao Jin" userId="cd05a825-544c-438a-9ba1-08e63db50b47" providerId="ADAL" clId="{CD38D953-E846-244A-835A-192CE52710D4}" dt="2021-01-25T03:11:48.514" v="112" actId="207"/>
-        <pc:sldMkLst>
-          <pc:docMk/>
-          <pc:sldMk cId="884841463" sldId="547"/>
-        </pc:sldMkLst>
-      </pc:sldChg>
-      <pc:sldChg chg="modSp">
-        <pc:chgData name="Zhao Jin" userId="cd05a825-544c-438a-9ba1-08e63db50b47" providerId="ADAL" clId="{CD38D953-E846-244A-835A-192CE52710D4}" dt="2021-01-25T03:10:55.270" v="107" actId="20577"/>
-        <pc:sldMkLst>
-          <pc:docMk/>
-          <pc:sldMk cId="1617257579" sldId="548"/>
-        </pc:sldMkLst>
-      </pc:sldChg>
-      <pc:sldChg chg="addSp delSp modSp delAnim modAnim">
-        <pc:chgData name="Zhao Jin" userId="cd05a825-544c-438a-9ba1-08e63db50b47" providerId="ADAL" clId="{CD38D953-E846-244A-835A-192CE52710D4}" dt="2021-01-25T03:24:05.008" v="382"/>
-        <pc:sldMkLst>
-          <pc:docMk/>
-          <pc:sldMk cId="3394924879" sldId="549"/>
-        </pc:sldMkLst>
-      </pc:sldChg>
-      <pc:sldChg chg="addSp delSp modSp addAnim delAnim modAnim">
-        <pc:chgData name="Zhao Jin" userId="cd05a825-544c-438a-9ba1-08e63db50b47" providerId="ADAL" clId="{CD38D953-E846-244A-835A-192CE52710D4}" dt="2021-01-25T03:26:17.801" v="482" actId="20577"/>
-        <pc:sldMkLst>
-          <pc:docMk/>
-          <pc:sldMk cId="784668950" sldId="550"/>
-        </pc:sldMkLst>
-      </pc:sldChg>
-      <pc:sldChg chg="addSp delSp modSp add del addAnim delAnim">
-        <pc:chgData name="Zhao Jin" userId="cd05a825-544c-438a-9ba1-08e63db50b47" providerId="ADAL" clId="{CD38D953-E846-244A-835A-192CE52710D4}" dt="2021-01-25T03:08:44.385" v="80" actId="2696"/>
-        <pc:sldMkLst>
-          <pc:docMk/>
-          <pc:sldMk cId="335305844" sldId="551"/>
-        </pc:sldMkLst>
-      </pc:sldChg>
-    </pc:docChg>
-  </pc:docChgLst>
-  <pc:docChgLst>
-    <pc:chgData name="Zhao Jin" userId="cd05a825-544c-438a-9ba1-08e63db50b47" providerId="ADAL" clId="{CF6E0BE1-E69B-4DEB-8660-5021DA4C4D39}"/>
-    <pc:docChg chg="modSld modMainMaster">
-      <pc:chgData name="Zhao Jin" userId="cd05a825-544c-438a-9ba1-08e63db50b47" providerId="ADAL" clId="{CF6E0BE1-E69B-4DEB-8660-5021DA4C4D39}" dt="2024-02-20T01:22:16.556" v="1"/>
-      <pc:docMkLst>
-        <pc:docMk/>
-      </pc:docMkLst>
-      <pc:sldChg chg="modSp mod">
-        <pc:chgData name="Zhao Jin" userId="cd05a825-544c-438a-9ba1-08e63db50b47" providerId="ADAL" clId="{CF6E0BE1-E69B-4DEB-8660-5021DA4C4D39}" dt="2024-02-20T01:22:08.210" v="0" actId="20577"/>
-        <pc:sldMkLst>
-          <pc:docMk/>
-          <pc:sldMk cId="0" sldId="256"/>
-        </pc:sldMkLst>
-      </pc:sldChg>
-      <pc:sldChg chg="modSp">
-        <pc:chgData name="Zhao Jin" userId="cd05a825-544c-438a-9ba1-08e63db50b47" providerId="ADAL" clId="{CF6E0BE1-E69B-4DEB-8660-5021DA4C4D39}" dt="2024-02-20T01:22:16.556" v="1"/>
-        <pc:sldMkLst>
-          <pc:docMk/>
-          <pc:sldMk cId="2438607696" sldId="468"/>
-        </pc:sldMkLst>
-      </pc:sldChg>
-      <pc:sldChg chg="modSp">
-        <pc:chgData name="Zhao Jin" userId="cd05a825-544c-438a-9ba1-08e63db50b47" providerId="ADAL" clId="{CF6E0BE1-E69B-4DEB-8660-5021DA4C4D39}" dt="2024-02-20T01:22:16.556" v="1"/>
-        <pc:sldMkLst>
-          <pc:docMk/>
-          <pc:sldMk cId="1427618944" sldId="553"/>
-        </pc:sldMkLst>
-      </pc:sldChg>
-      <pc:sldChg chg="modSp">
-        <pc:chgData name="Zhao Jin" userId="cd05a825-544c-438a-9ba1-08e63db50b47" providerId="ADAL" clId="{CF6E0BE1-E69B-4DEB-8660-5021DA4C4D39}" dt="2024-02-20T01:22:16.556" v="1"/>
-        <pc:sldMkLst>
-          <pc:docMk/>
-          <pc:sldMk cId="211149325" sldId="589"/>
-        </pc:sldMkLst>
-      </pc:sldChg>
-      <pc:sldChg chg="modSp">
-        <pc:chgData name="Zhao Jin" userId="cd05a825-544c-438a-9ba1-08e63db50b47" providerId="ADAL" clId="{CF6E0BE1-E69B-4DEB-8660-5021DA4C4D39}" dt="2024-02-20T01:22:16.556" v="1"/>
-        <pc:sldMkLst>
-          <pc:docMk/>
-          <pc:sldMk cId="567798019" sldId="591"/>
-        </pc:sldMkLst>
-      </pc:sldChg>
-      <pc:sldChg chg="modSp">
-        <pc:chgData name="Zhao Jin" userId="cd05a825-544c-438a-9ba1-08e63db50b47" providerId="ADAL" clId="{CF6E0BE1-E69B-4DEB-8660-5021DA4C4D39}" dt="2024-02-20T01:22:16.556" v="1"/>
-        <pc:sldMkLst>
-          <pc:docMk/>
-          <pc:sldMk cId="2889169307" sldId="601"/>
-        </pc:sldMkLst>
-      </pc:sldChg>
-      <pc:sldChg chg="modSp">
-        <pc:chgData name="Zhao Jin" userId="cd05a825-544c-438a-9ba1-08e63db50b47" providerId="ADAL" clId="{CF6E0BE1-E69B-4DEB-8660-5021DA4C4D39}" dt="2024-02-20T01:22:16.556" v="1"/>
-        <pc:sldMkLst>
-          <pc:docMk/>
-          <pc:sldMk cId="3500386061" sldId="603"/>
-        </pc:sldMkLst>
-      </pc:sldChg>
-      <pc:sldChg chg="modSp">
-        <pc:chgData name="Zhao Jin" userId="cd05a825-544c-438a-9ba1-08e63db50b47" providerId="ADAL" clId="{CF6E0BE1-E69B-4DEB-8660-5021DA4C4D39}" dt="2024-02-20T01:22:16.556" v="1"/>
-        <pc:sldMkLst>
-          <pc:docMk/>
-          <pc:sldMk cId="2489370454" sldId="604"/>
-        </pc:sldMkLst>
-      </pc:sldChg>
-      <pc:sldChg chg="modSp">
-        <pc:chgData name="Zhao Jin" userId="cd05a825-544c-438a-9ba1-08e63db50b47" providerId="ADAL" clId="{CF6E0BE1-E69B-4DEB-8660-5021DA4C4D39}" dt="2024-02-20T01:22:16.556" v="1"/>
-        <pc:sldMkLst>
-          <pc:docMk/>
-          <pc:sldMk cId="3128770740" sldId="605"/>
-        </pc:sldMkLst>
-      </pc:sldChg>
-      <pc:sldMasterChg chg="modSp modSldLayout">
-        <pc:chgData name="Zhao Jin" userId="cd05a825-544c-438a-9ba1-08e63db50b47" providerId="ADAL" clId="{CF6E0BE1-E69B-4DEB-8660-5021DA4C4D39}" dt="2024-02-20T01:22:16.556" v="1"/>
-        <pc:sldMasterMkLst>
-          <pc:docMk/>
-          <pc:sldMasterMk cId="0" sldId="2147485087"/>
-        </pc:sldMasterMkLst>
-        <pc:sldLayoutChg chg="modSp">
-          <pc:chgData name="Zhao Jin" userId="cd05a825-544c-438a-9ba1-08e63db50b47" providerId="ADAL" clId="{CF6E0BE1-E69B-4DEB-8660-5021DA4C4D39}" dt="2024-02-20T01:22:16.556" v="1"/>
-          <pc:sldLayoutMkLst>
-            <pc:docMk/>
-            <pc:sldMasterMk cId="0" sldId="2147485087"/>
-            <pc:sldLayoutMk cId="0" sldId="2147485088"/>
-          </pc:sldLayoutMkLst>
-        </pc:sldLayoutChg>
-        <pc:sldLayoutChg chg="modSp">
-          <pc:chgData name="Zhao Jin" userId="cd05a825-544c-438a-9ba1-08e63db50b47" providerId="ADAL" clId="{CF6E0BE1-E69B-4DEB-8660-5021DA4C4D39}" dt="2024-02-20T01:22:16.556" v="1"/>
-          <pc:sldLayoutMkLst>
-            <pc:docMk/>
-            <pc:sldMasterMk cId="0" sldId="2147485087"/>
-            <pc:sldLayoutMk cId="0" sldId="2147485089"/>
-          </pc:sldLayoutMkLst>
-        </pc:sldLayoutChg>
-        <pc:sldLayoutChg chg="modSp">
-          <pc:chgData name="Zhao Jin" userId="cd05a825-544c-438a-9ba1-08e63db50b47" providerId="ADAL" clId="{CF6E0BE1-E69B-4DEB-8660-5021DA4C4D39}" dt="2024-02-20T01:22:16.556" v="1"/>
-          <pc:sldLayoutMkLst>
-            <pc:docMk/>
-            <pc:sldMasterMk cId="0" sldId="2147485087"/>
-            <pc:sldLayoutMk cId="0" sldId="2147485090"/>
-          </pc:sldLayoutMkLst>
-        </pc:sldLayoutChg>
-        <pc:sldLayoutChg chg="modSp">
-          <pc:chgData name="Zhao Jin" userId="cd05a825-544c-438a-9ba1-08e63db50b47" providerId="ADAL" clId="{CF6E0BE1-E69B-4DEB-8660-5021DA4C4D39}" dt="2024-02-20T01:22:16.556" v="1"/>
-          <pc:sldLayoutMkLst>
-            <pc:docMk/>
-            <pc:sldMasterMk cId="0" sldId="2147485087"/>
-            <pc:sldLayoutMk cId="0" sldId="2147485091"/>
-          </pc:sldLayoutMkLst>
-        </pc:sldLayoutChg>
-        <pc:sldLayoutChg chg="modSp">
-          <pc:chgData name="Zhao Jin" userId="cd05a825-544c-438a-9ba1-08e63db50b47" providerId="ADAL" clId="{CF6E0BE1-E69B-4DEB-8660-5021DA4C4D39}" dt="2024-02-20T01:22:16.556" v="1"/>
-          <pc:sldLayoutMkLst>
-            <pc:docMk/>
-            <pc:sldMasterMk cId="0" sldId="2147485087"/>
-            <pc:sldLayoutMk cId="0" sldId="2147485092"/>
-          </pc:sldLayoutMkLst>
-        </pc:sldLayoutChg>
-        <pc:sldLayoutChg chg="modSp">
-          <pc:chgData name="Zhao Jin" userId="cd05a825-544c-438a-9ba1-08e63db50b47" providerId="ADAL" clId="{CF6E0BE1-E69B-4DEB-8660-5021DA4C4D39}" dt="2024-02-20T01:22:16.556" v="1"/>
-          <pc:sldLayoutMkLst>
-            <pc:docMk/>
-            <pc:sldMasterMk cId="0" sldId="2147485087"/>
-            <pc:sldLayoutMk cId="0" sldId="2147485093"/>
-          </pc:sldLayoutMkLst>
-        </pc:sldLayoutChg>
-        <pc:sldLayoutChg chg="modSp">
-          <pc:chgData name="Zhao Jin" userId="cd05a825-544c-438a-9ba1-08e63db50b47" providerId="ADAL" clId="{CF6E0BE1-E69B-4DEB-8660-5021DA4C4D39}" dt="2024-02-20T01:22:16.556" v="1"/>
-          <pc:sldLayoutMkLst>
-            <pc:docMk/>
-            <pc:sldMasterMk cId="0" sldId="2147485087"/>
-            <pc:sldLayoutMk cId="0" sldId="2147485094"/>
-          </pc:sldLayoutMkLst>
-        </pc:sldLayoutChg>
-        <pc:sldLayoutChg chg="modSp">
-          <pc:chgData name="Zhao Jin" userId="cd05a825-544c-438a-9ba1-08e63db50b47" providerId="ADAL" clId="{CF6E0BE1-E69B-4DEB-8660-5021DA4C4D39}" dt="2024-02-20T01:22:16.556" v="1"/>
-          <pc:sldLayoutMkLst>
-            <pc:docMk/>
-            <pc:sldMasterMk cId="0" sldId="2147485087"/>
-            <pc:sldLayoutMk cId="0" sldId="2147485095"/>
-          </pc:sldLayoutMkLst>
-        </pc:sldLayoutChg>
-        <pc:sldLayoutChg chg="modSp">
-          <pc:chgData name="Zhao Jin" userId="cd05a825-544c-438a-9ba1-08e63db50b47" providerId="ADAL" clId="{CF6E0BE1-E69B-4DEB-8660-5021DA4C4D39}" dt="2024-02-20T01:22:16.556" v="1"/>
-          <pc:sldLayoutMkLst>
-            <pc:docMk/>
-            <pc:sldMasterMk cId="0" sldId="2147485087"/>
-            <pc:sldLayoutMk cId="0" sldId="2147485096"/>
-          </pc:sldLayoutMkLst>
-        </pc:sldLayoutChg>
-        <pc:sldLayoutChg chg="modSp">
-          <pc:chgData name="Zhao Jin" userId="cd05a825-544c-438a-9ba1-08e63db50b47" providerId="ADAL" clId="{CF6E0BE1-E69B-4DEB-8660-5021DA4C4D39}" dt="2024-02-20T01:22:16.556" v="1"/>
-          <pc:sldLayoutMkLst>
-            <pc:docMk/>
-            <pc:sldMasterMk cId="0" sldId="2147485087"/>
-            <pc:sldLayoutMk cId="0" sldId="2147485097"/>
-          </pc:sldLayoutMkLst>
-        </pc:sldLayoutChg>
-        <pc:sldLayoutChg chg="modSp">
-          <pc:chgData name="Zhao Jin" userId="cd05a825-544c-438a-9ba1-08e63db50b47" providerId="ADAL" clId="{CF6E0BE1-E69B-4DEB-8660-5021DA4C4D39}" dt="2024-02-20T01:22:16.556" v="1"/>
-          <pc:sldLayoutMkLst>
-            <pc:docMk/>
-            <pc:sldMasterMk cId="0" sldId="2147485087"/>
-            <pc:sldLayoutMk cId="0" sldId="2147485098"/>
-          </pc:sldLayoutMkLst>
-        </pc:sldLayoutChg>
-      </pc:sldMasterChg>
     </pc:docChg>
   </pc:docChgLst>
 </pc:chgInfo>
@@ -3819,7 +728,7 @@
               <a:pPr>
                 <a:defRPr/>
               </a:pPr>
-              <a:t>3/10/2025</a:t>
+              <a:t>3/11/2025</a:t>
             </a:fld>
             <a:endParaRPr lang="en-US" dirty="0"/>
           </a:p>
@@ -30771,7 +27680,27 @@
                 <a:effectLst/>
                 <a:latin typeface="+mj-lt"/>
               </a:rPr>
-              <a:t>25685528 </a:t>
+              <a:t>256855</a:t>
+            </a:r>
+            <a:r>
+              <a:rPr lang="en-US" sz="1800" b="1" i="0" dirty="0">
+                <a:solidFill>
+                  <a:srgbClr val="36464E"/>
+                </a:solidFill>
+                <a:effectLst/>
+                <a:latin typeface="+mj-lt"/>
+              </a:rPr>
+              <a:t>28</a:t>
+            </a:r>
+            <a:r>
+              <a:rPr lang="en-US" sz="1800" b="0" i="0" dirty="0">
+                <a:solidFill>
+                  <a:srgbClr val="36464E"/>
+                </a:solidFill>
+                <a:effectLst/>
+                <a:latin typeface="+mj-lt"/>
+              </a:rPr>
+              <a:t> </a:t>
             </a:r>
           </a:p>
         </p:txBody>
@@ -30812,7 +27741,27 @@
                 <a:effectLst/>
                 <a:latin typeface="+mj-lt"/>
               </a:rPr>
-              <a:t>25685532 </a:t>
+              <a:t>256855</a:t>
+            </a:r>
+            <a:r>
+              <a:rPr lang="en-US" sz="1800" b="1" i="0" dirty="0">
+                <a:solidFill>
+                  <a:srgbClr val="36464E"/>
+                </a:solidFill>
+                <a:effectLst/>
+                <a:latin typeface="+mj-lt"/>
+              </a:rPr>
+              <a:t>32</a:t>
+            </a:r>
+            <a:r>
+              <a:rPr lang="en-US" sz="1800" b="0" i="0" dirty="0">
+                <a:solidFill>
+                  <a:srgbClr val="36464E"/>
+                </a:solidFill>
+                <a:effectLst/>
+                <a:latin typeface="+mj-lt"/>
+              </a:rPr>
+              <a:t> </a:t>
             </a:r>
           </a:p>
         </p:txBody>
@@ -30904,7 +27853,7 @@
           <p:nvPr/>
         </p:nvPicPr>
         <p:blipFill>
-          <a:blip r:embed="rId4">
+          <a:blip r:embed="rId4" cstate="print">
             <a:extLst>
               <a:ext uri="{28A0092B-C50C-407E-A947-70E740481C1C}">
                 <a14:useLocalDpi xmlns:a14="http://schemas.microsoft.com/office/drawing/2010/main" val="0"/>
@@ -33963,7 +30912,7 @@
                 <a:latin typeface="Courier New" panose="02070309020205020404" pitchFamily="49" charset="0"/>
                 <a:cs typeface="Courier New" panose="02070309020205020404" pitchFamily="49" charset="0"/>
               </a:rPr>
-              <a:t>'a'</a:t>
+              <a:t>'A'</a:t>
             </a:r>
             <a:r>
               <a:rPr lang="en-US" sz="2000" b="1" dirty="0">
@@ -34004,7 +30953,7 @@
                 <a:latin typeface="Courier New" panose="02070309020205020404" pitchFamily="49" charset="0"/>
                 <a:cs typeface="Courier New" panose="02070309020205020404" pitchFamily="49" charset="0"/>
               </a:rPr>
-              <a:t>'A'</a:t>
+              <a:t>'a'</a:t>
             </a:r>
             <a:r>
               <a:rPr lang="en-US" sz="2000" b="1" dirty="0">
@@ -34063,7 +31012,7 @@
                 <a:latin typeface="Courier New" panose="02070309020205020404" pitchFamily="49" charset="0"/>
                 <a:cs typeface="Courier New" panose="02070309020205020404" pitchFamily="49" charset="0"/>
               </a:rPr>
-              <a:t>'0' + 4 </a:t>
+              <a:t>'0' </a:t>
             </a:r>
             <a:r>
               <a:rPr lang="en-US" sz="2000" b="1" dirty="0">
@@ -34073,7 +31022,27 @@
                 <a:latin typeface="Courier New" panose="02070309020205020404" pitchFamily="49" charset="0"/>
                 <a:cs typeface="Courier New" panose="02070309020205020404" pitchFamily="49" charset="0"/>
               </a:rPr>
-              <a:t>is</a:t>
+              <a:t>+ </a:t>
+            </a:r>
+            <a:r>
+              <a:rPr lang="en-US" sz="2000" b="1" dirty="0">
+                <a:solidFill>
+                  <a:srgbClr val="800000"/>
+                </a:solidFill>
+                <a:latin typeface="Courier New" panose="02070309020205020404" pitchFamily="49" charset="0"/>
+                <a:cs typeface="Courier New" panose="02070309020205020404" pitchFamily="49" charset="0"/>
+              </a:rPr>
+              <a:t>4</a:t>
+            </a:r>
+            <a:r>
+              <a:rPr lang="en-US" sz="2000" b="1" dirty="0">
+                <a:solidFill>
+                  <a:schemeClr val="tx1"/>
+                </a:solidFill>
+                <a:latin typeface="Courier New" panose="02070309020205020404" pitchFamily="49" charset="0"/>
+                <a:cs typeface="Courier New" panose="02070309020205020404" pitchFamily="49" charset="0"/>
+              </a:rPr>
+              <a:t> is</a:t>
             </a:r>
             <a:r>
               <a:rPr lang="en-US" sz="2000" b="1" dirty="0">
@@ -34714,7 +31683,7 @@
                 <a:latin typeface="Courier New" panose="02070309020205020404" pitchFamily="49" charset="0"/>
                 <a:cs typeface="Courier New" panose="02070309020205020404" pitchFamily="49" charset="0"/>
               </a:rPr>
-              <a:t>'o'</a:t>
+              <a:t>'o', '!'</a:t>
             </a:r>
             <a:r>
               <a:rPr lang="en-US" b="1" dirty="0">
@@ -34935,7 +31904,7 @@
                 <a:latin typeface="Courier New" panose="02070309020205020404" pitchFamily="49" charset="0"/>
                 <a:cs typeface="Courier New" panose="02070309020205020404" pitchFamily="49" charset="0"/>
               </a:rPr>
-              <a:t>'o'</a:t>
+              <a:t>'o', '!'</a:t>
             </a:r>
             <a:r>
               <a:rPr lang="en-US" b="1" dirty="0">
@@ -35208,7 +32177,7 @@
                 <a:latin typeface="Courier New" panose="02070309020205020404" pitchFamily="49" charset="0"/>
                 <a:cs typeface="Courier New" panose="02070309020205020404" pitchFamily="49" charset="0"/>
               </a:rPr>
-              <a:t>'o'</a:t>
+              <a:t>'o', '!'</a:t>
             </a:r>
             <a:r>
               <a:rPr lang="en-US" b="1" dirty="0">
@@ -35417,7 +32386,7 @@
                 <a:latin typeface="Courier New" panose="02070309020205020404" pitchFamily="49" charset="0"/>
                 <a:cs typeface="Courier New" panose="02070309020205020404" pitchFamily="49" charset="0"/>
               </a:rPr>
-              <a:t>"hello"</a:t>
+              <a:t>"hello!"</a:t>
             </a:r>
             <a:r>
               <a:rPr lang="en-US" sz="2000" b="1" dirty="0">
@@ -40245,21 +37214,51 @@
                 <a:effectLst/>
                 <a:latin typeface="+mj-lt"/>
               </a:rPr>
-              <a:t>25685528 </a:t>
-            </a:r>
-          </a:p>
-          <a:p>
-            <a:r>
-              <a:rPr lang="en-US" sz="2000" b="0" i="0" dirty="0">
+              <a:t>256855</a:t>
+            </a:r>
+            <a:r>
+              <a:rPr lang="en-US" sz="2000" b="1" i="0" dirty="0">
                 <a:solidFill>
                   <a:srgbClr val="36464E"/>
                 </a:solidFill>
                 <a:effectLst/>
                 <a:latin typeface="+mj-lt"/>
               </a:rPr>
-              <a:t>25685552</a:t>
-            </a:r>
-            <a:endParaRPr lang="en-US" sz="2000" dirty="0">
+              <a:t>28</a:t>
+            </a:r>
+            <a:r>
+              <a:rPr lang="en-US" sz="2000" b="0" i="0" dirty="0">
+                <a:solidFill>
+                  <a:srgbClr val="36464E"/>
+                </a:solidFill>
+                <a:effectLst/>
+                <a:latin typeface="+mj-lt"/>
+              </a:rPr>
+              <a:t> </a:t>
+            </a:r>
+          </a:p>
+          <a:p>
+            <a:r>
+              <a:rPr lang="en-US" sz="2000" b="0" i="0" dirty="0">
+                <a:solidFill>
+                  <a:srgbClr val="36464E"/>
+                </a:solidFill>
+                <a:effectLst/>
+                <a:latin typeface="+mj-lt"/>
+              </a:rPr>
+              <a:t>256855</a:t>
+            </a:r>
+            <a:r>
+              <a:rPr lang="en-US" sz="2000" b="1" i="0" dirty="0">
+                <a:solidFill>
+                  <a:srgbClr val="36464E"/>
+                </a:solidFill>
+                <a:effectLst/>
+                <a:latin typeface="+mj-lt"/>
+              </a:rPr>
+              <a:t>52</a:t>
+            </a:r>
+            <a:endParaRPr lang="en-US" sz="2000" b="1" dirty="0">
               <a:latin typeface="+mj-lt"/>
             </a:endParaRPr>
           </a:p>

--- a/slides/Week8.pptx
+++ b/slides/Week8.pptx
@@ -728,7 +728,7 @@
               <a:pPr>
                 <a:defRPr/>
               </a:pPr>
-              <a:t>3/11/2025</a:t>
+              <a:t>3/18/2025</a:t>
             </a:fld>
             <a:endParaRPr lang="en-US" dirty="0"/>
           </a:p>
@@ -33630,15 +33630,7 @@
             </a:r>
             <a:r>
               <a:rPr lang="en-US" sz="2800" dirty="0"/>
-              <a:t>) </a:t>
-            </a:r>
-            <a:r>
-              <a:rPr lang="en-US" sz="2800" dirty="0" err="1"/>
-              <a:t>stringcan</a:t>
-            </a:r>
-            <a:r>
-              <a:rPr lang="en-US" sz="2800" dirty="0"/>
-              <a:t> be used to make a copy</a:t>
+              <a:t>) string can be used to make a copy</a:t>
             </a:r>
           </a:p>
         </p:txBody>
@@ -33941,7 +33933,7 @@
         <p:spPr>
           <a:xfrm>
             <a:off x="1011168" y="2311910"/>
-            <a:ext cx="5373866" cy="1943568"/>
+            <a:ext cx="5373866" cy="1631216"/>
           </a:xfrm>
           <a:prstGeom prst="rect">
             <a:avLst/>
@@ -34164,7 +34156,7 @@
                 <a:latin typeface="Courier New" panose="02070309020205020404" pitchFamily="49" charset="0"/>
                 <a:cs typeface="Courier New" panose="02070309020205020404" pitchFamily="49" charset="0"/>
               </a:rPr>
-              <a:t> &lt;= </a:t>
+              <a:t> &lt; </a:t>
             </a:r>
             <a:r>
               <a:rPr lang="en-US" sz="2000" b="1" dirty="0">
@@ -34212,22 +34204,7 @@
                 <a:latin typeface="Courier New" panose="02070309020205020404" pitchFamily="49" charset="0"/>
                 <a:cs typeface="Courier New" panose="02070309020205020404" pitchFamily="49" charset="0"/>
               </a:rPr>
-              <a:t>)</a:t>
-            </a:r>
-          </a:p>
-          <a:p>
-            <a:pPr>
-              <a:tabLst>
-                <a:tab pos="293688" algn="l"/>
-                <a:tab pos="620713" algn="l"/>
-              </a:tabLst>
-            </a:pPr>
-            <a:r>
-              <a:rPr lang="en-US" sz="2000" b="1" dirty="0">
-                <a:latin typeface="Courier New" panose="02070309020205020404" pitchFamily="49" charset="0"/>
-                <a:cs typeface="Courier New" panose="02070309020205020404" pitchFamily="49" charset="0"/>
-              </a:rPr>
-              <a:t>{</a:t>
+              <a:t>){</a:t>
             </a:r>
           </a:p>
           <a:p>

--- a/slides/Week8.pptx
+++ b/slides/Week8.pptx
@@ -728,7 +728,7 @@
               <a:pPr>
                 <a:defRPr/>
               </a:pPr>
-              <a:t>3/18/2025</a:t>
+              <a:t>3/11/2025</a:t>
             </a:fld>
             <a:endParaRPr lang="en-US" dirty="0"/>
           </a:p>
@@ -33630,7 +33630,15 @@
             </a:r>
             <a:r>
               <a:rPr lang="en-US" sz="2800" dirty="0"/>
-              <a:t>) string can be used to make a copy</a:t>
+              <a:t>) </a:t>
+            </a:r>
+            <a:r>
+              <a:rPr lang="en-US" sz="2800" dirty="0" err="1"/>
+              <a:t>stringcan</a:t>
+            </a:r>
+            <a:r>
+              <a:rPr lang="en-US" sz="2800" dirty="0"/>
+              <a:t> be used to make a copy</a:t>
             </a:r>
           </a:p>
         </p:txBody>
@@ -33933,7 +33941,7 @@
         <p:spPr>
           <a:xfrm>
             <a:off x="1011168" y="2311910"/>
-            <a:ext cx="5373866" cy="1631216"/>
+            <a:ext cx="5373866" cy="1943568"/>
           </a:xfrm>
           <a:prstGeom prst="rect">
             <a:avLst/>
@@ -34156,7 +34164,7 @@
                 <a:latin typeface="Courier New" panose="02070309020205020404" pitchFamily="49" charset="0"/>
                 <a:cs typeface="Courier New" panose="02070309020205020404" pitchFamily="49" charset="0"/>
               </a:rPr>
-              <a:t> &lt; </a:t>
+              <a:t> &lt;= </a:t>
             </a:r>
             <a:r>
               <a:rPr lang="en-US" sz="2000" b="1" dirty="0">
@@ -34204,7 +34212,22 @@
                 <a:latin typeface="Courier New" panose="02070309020205020404" pitchFamily="49" charset="0"/>
                 <a:cs typeface="Courier New" panose="02070309020205020404" pitchFamily="49" charset="0"/>
               </a:rPr>
-              <a:t>){</a:t>
+              <a:t>)</a:t>
+            </a:r>
+          </a:p>
+          <a:p>
+            <a:pPr>
+              <a:tabLst>
+                <a:tab pos="293688" algn="l"/>
+                <a:tab pos="620713" algn="l"/>
+              </a:tabLst>
+            </a:pPr>
+            <a:r>
+              <a:rPr lang="en-US" sz="2000" b="1" dirty="0">
+                <a:latin typeface="Courier New" panose="02070309020205020404" pitchFamily="49" charset="0"/>
+                <a:cs typeface="Courier New" panose="02070309020205020404" pitchFamily="49" charset="0"/>
+              </a:rPr>
+              <a:t>{</a:t>
             </a:r>
           </a:p>
           <a:p>
